--- a/PAD para python/Programação de alto desempenho para a Linguagem python.pptx
+++ b/PAD para python/Programação de alto desempenho para a Linguagem python.pptx
@@ -5,18 +5,20 @@
     <p:sldMasterId id="2147483744" r:id="rId4"/>
   </p:sldMasterIdLst>
   <p:notesMasterIdLst>
-    <p:notesMasterId r:id="rId11"/>
+    <p:notesMasterId r:id="rId13"/>
   </p:notesMasterIdLst>
   <p:handoutMasterIdLst>
-    <p:handoutMasterId r:id="rId12"/>
+    <p:handoutMasterId r:id="rId14"/>
   </p:handoutMasterIdLst>
   <p:sldIdLst>
     <p:sldId id="256" r:id="rId5"/>
     <p:sldId id="258" r:id="rId6"/>
     <p:sldId id="260" r:id="rId7"/>
     <p:sldId id="277" r:id="rId8"/>
-    <p:sldId id="275" r:id="rId9"/>
-    <p:sldId id="274" r:id="rId10"/>
+    <p:sldId id="278" r:id="rId9"/>
+    <p:sldId id="279" r:id="rId10"/>
+    <p:sldId id="275" r:id="rId11"/>
+    <p:sldId id="274" r:id="rId12"/>
   </p:sldIdLst>
   <p:sldSz cx="12192000" cy="6858000"/>
   <p:notesSz cx="6858000" cy="9144000"/>
@@ -137,12 +139,20 @@
 </p:presentation>
 </file>
 
+<file path=ppt/revisionInfo.xml><?xml version="1.0" encoding="utf-8"?>
+<p1510:revInfo xmlns:a="http://schemas.openxmlformats.org/drawingml/2006/main" xmlns:r="http://schemas.openxmlformats.org/officeDocument/2006/relationships" xmlns:p1510="http://schemas.microsoft.com/office/powerpoint/2015/10/main">
+  <p1510:revLst>
+    <p1510:client id="{6F5D32F4-460C-4518-BA03-CF0A81ED67E8}" v="79" dt="2021-01-03T18:18:53.423"/>
+  </p1510:revLst>
+</p1510:revInfo>
+</file>
+
 <file path=ppt/changesInfos/changesInfo1.xml><?xml version="1.0" encoding="utf-8"?>
 <pc:chgInfo xmlns:a="http://schemas.openxmlformats.org/drawingml/2006/main" xmlns:r="http://schemas.openxmlformats.org/officeDocument/2006/relationships" xmlns:ac="http://schemas.microsoft.com/office/drawing/2013/main/command" xmlns:pc="http://schemas.microsoft.com/office/powerpoint/2013/main/command">
   <pc:docChgLst>
     <pc:chgData name="Eric Satoshi Suzuki Kishimoto" userId="615d45d0c0242e55" providerId="LiveId" clId="{6F5D32F4-460C-4518-BA03-CF0A81ED67E8}"/>
-    <pc:docChg chg="custSel delSld modSld">
-      <pc:chgData name="Eric Satoshi Suzuki Kishimoto" userId="615d45d0c0242e55" providerId="LiveId" clId="{6F5D32F4-460C-4518-BA03-CF0A81ED67E8}" dt="2021-01-03T17:51:01.950" v="93" actId="2696"/>
+    <pc:docChg chg="undo custSel addSld delSld modSld">
+      <pc:chgData name="Eric Satoshi Suzuki Kishimoto" userId="615d45d0c0242e55" providerId="LiveId" clId="{6F5D32F4-460C-4518-BA03-CF0A81ED67E8}" dt="2021-01-03T18:19:29.371" v="387" actId="1076"/>
       <pc:docMkLst>
         <pc:docMk/>
       </pc:docMkLst>
@@ -161,12 +171,455 @@
           </ac:spMkLst>
         </pc:spChg>
       </pc:sldChg>
+      <pc:sldChg chg="modSp mod">
+        <pc:chgData name="Eric Satoshi Suzuki Kishimoto" userId="615d45d0c0242e55" providerId="LiveId" clId="{6F5D32F4-460C-4518-BA03-CF0A81ED67E8}" dt="2021-01-03T18:19:29.371" v="387" actId="1076"/>
+        <pc:sldMkLst>
+          <pc:docMk/>
+          <pc:sldMk cId="2676004845" sldId="275"/>
+        </pc:sldMkLst>
+        <pc:spChg chg="mod">
+          <ac:chgData name="Eric Satoshi Suzuki Kishimoto" userId="615d45d0c0242e55" providerId="LiveId" clId="{6F5D32F4-460C-4518-BA03-CF0A81ED67E8}" dt="2021-01-03T18:19:29.371" v="387" actId="1076"/>
+          <ac:spMkLst>
+            <pc:docMk/>
+            <pc:sldMk cId="2676004845" sldId="275"/>
+            <ac:spMk id="3" creationId="{546D847C-FD4E-4095-9955-528A1897FA6D}"/>
+          </ac:spMkLst>
+        </pc:spChg>
+      </pc:sldChg>
       <pc:sldChg chg="del">
         <pc:chgData name="Eric Satoshi Suzuki Kishimoto" userId="615d45d0c0242e55" providerId="LiveId" clId="{6F5D32F4-460C-4518-BA03-CF0A81ED67E8}" dt="2021-01-03T17:51:01.950" v="93" actId="2696"/>
         <pc:sldMkLst>
           <pc:docMk/>
           <pc:sldMk cId="1038522690" sldId="276"/>
         </pc:sldMkLst>
+      </pc:sldChg>
+      <pc:sldChg chg="addSp delSp modSp new mod modAnim">
+        <pc:chgData name="Eric Satoshi Suzuki Kishimoto" userId="615d45d0c0242e55" providerId="LiveId" clId="{6F5D32F4-460C-4518-BA03-CF0A81ED67E8}" dt="2021-01-03T18:17:27.113" v="342"/>
+        <pc:sldMkLst>
+          <pc:docMk/>
+          <pc:sldMk cId="414872159" sldId="278"/>
+        </pc:sldMkLst>
+        <pc:spChg chg="del">
+          <ac:chgData name="Eric Satoshi Suzuki Kishimoto" userId="615d45d0c0242e55" providerId="LiveId" clId="{6F5D32F4-460C-4518-BA03-CF0A81ED67E8}" dt="2021-01-03T17:56:01.371" v="95" actId="478"/>
+          <ac:spMkLst>
+            <pc:docMk/>
+            <pc:sldMk cId="414872159" sldId="278"/>
+            <ac:spMk id="2" creationId="{CB9B67B5-A095-44A6-AE89-B31A713010B4}"/>
+          </ac:spMkLst>
+        </pc:spChg>
+        <pc:spChg chg="del">
+          <ac:chgData name="Eric Satoshi Suzuki Kishimoto" userId="615d45d0c0242e55" providerId="LiveId" clId="{6F5D32F4-460C-4518-BA03-CF0A81ED67E8}" dt="2021-01-03T17:56:03.955" v="96" actId="478"/>
+          <ac:spMkLst>
+            <pc:docMk/>
+            <pc:sldMk cId="414872159" sldId="278"/>
+            <ac:spMk id="3" creationId="{729F7FE9-C954-4B07-8383-9839EB181A73}"/>
+          </ac:spMkLst>
+        </pc:spChg>
+        <pc:spChg chg="add mod">
+          <ac:chgData name="Eric Satoshi Suzuki Kishimoto" userId="615d45d0c0242e55" providerId="LiveId" clId="{6F5D32F4-460C-4518-BA03-CF0A81ED67E8}" dt="2021-01-03T18:09:55.794" v="269" actId="1076"/>
+          <ac:spMkLst>
+            <pc:docMk/>
+            <pc:sldMk cId="414872159" sldId="278"/>
+            <ac:spMk id="4" creationId="{8CB06598-3026-4439-B58C-2ADFF22FE41F}"/>
+          </ac:spMkLst>
+        </pc:spChg>
+        <pc:spChg chg="add del mod">
+          <ac:chgData name="Eric Satoshi Suzuki Kishimoto" userId="615d45d0c0242e55" providerId="LiveId" clId="{6F5D32F4-460C-4518-BA03-CF0A81ED67E8}" dt="2021-01-03T17:56:56.750" v="119" actId="478"/>
+          <ac:spMkLst>
+            <pc:docMk/>
+            <pc:sldMk cId="414872159" sldId="278"/>
+            <ac:spMk id="5" creationId="{DDEB3A1D-4DA9-4ABB-B379-B0618D6DE4C4}"/>
+          </ac:spMkLst>
+        </pc:spChg>
+        <pc:spChg chg="add del mod">
+          <ac:chgData name="Eric Satoshi Suzuki Kishimoto" userId="615d45d0c0242e55" providerId="LiveId" clId="{6F5D32F4-460C-4518-BA03-CF0A81ED67E8}" dt="2021-01-03T17:56:56.750" v="119" actId="478"/>
+          <ac:spMkLst>
+            <pc:docMk/>
+            <pc:sldMk cId="414872159" sldId="278"/>
+            <ac:spMk id="6" creationId="{EE8ACEA8-48F1-4B8F-8E2E-BB8B0972AEA8}"/>
+          </ac:spMkLst>
+        </pc:spChg>
+        <pc:spChg chg="add del mod">
+          <ac:chgData name="Eric Satoshi Suzuki Kishimoto" userId="615d45d0c0242e55" providerId="LiveId" clId="{6F5D32F4-460C-4518-BA03-CF0A81ED67E8}" dt="2021-01-03T17:56:56.750" v="119" actId="478"/>
+          <ac:spMkLst>
+            <pc:docMk/>
+            <pc:sldMk cId="414872159" sldId="278"/>
+            <ac:spMk id="7" creationId="{D0A3B2BE-F2CD-4BEC-B705-0E4FB9C14FE8}"/>
+          </ac:spMkLst>
+        </pc:spChg>
+        <pc:spChg chg="add del mod">
+          <ac:chgData name="Eric Satoshi Suzuki Kishimoto" userId="615d45d0c0242e55" providerId="LiveId" clId="{6F5D32F4-460C-4518-BA03-CF0A81ED67E8}" dt="2021-01-03T17:56:58.957" v="120" actId="478"/>
+          <ac:spMkLst>
+            <pc:docMk/>
+            <pc:sldMk cId="414872159" sldId="278"/>
+            <ac:spMk id="8" creationId="{7D62B928-69B9-48F1-8622-B774B3286083}"/>
+          </ac:spMkLst>
+        </pc:spChg>
+        <pc:spChg chg="add del mod">
+          <ac:chgData name="Eric Satoshi Suzuki Kishimoto" userId="615d45d0c0242e55" providerId="LiveId" clId="{6F5D32F4-460C-4518-BA03-CF0A81ED67E8}" dt="2021-01-03T17:56:58.957" v="120" actId="478"/>
+          <ac:spMkLst>
+            <pc:docMk/>
+            <pc:sldMk cId="414872159" sldId="278"/>
+            <ac:spMk id="9" creationId="{AA467860-50E1-41F6-87ED-053469F75DF3}"/>
+          </ac:spMkLst>
+        </pc:spChg>
+        <pc:spChg chg="add mod">
+          <ac:chgData name="Eric Satoshi Suzuki Kishimoto" userId="615d45d0c0242e55" providerId="LiveId" clId="{6F5D32F4-460C-4518-BA03-CF0A81ED67E8}" dt="2021-01-03T17:56:55.643" v="118" actId="571"/>
+          <ac:spMkLst>
+            <pc:docMk/>
+            <pc:sldMk cId="414872159" sldId="278"/>
+            <ac:spMk id="10" creationId="{C8A3832A-328D-410A-A9E5-BC94B3CD2B1C}"/>
+          </ac:spMkLst>
+        </pc:spChg>
+        <pc:spChg chg="add mod">
+          <ac:chgData name="Eric Satoshi Suzuki Kishimoto" userId="615d45d0c0242e55" providerId="LiveId" clId="{6F5D32F4-460C-4518-BA03-CF0A81ED67E8}" dt="2021-01-03T17:56:55.643" v="118" actId="571"/>
+          <ac:spMkLst>
+            <pc:docMk/>
+            <pc:sldMk cId="414872159" sldId="278"/>
+            <ac:spMk id="11" creationId="{FE66A733-5D7D-495E-866B-936E2C767297}"/>
+          </ac:spMkLst>
+        </pc:spChg>
+        <pc:spChg chg="add mod">
+          <ac:chgData name="Eric Satoshi Suzuki Kishimoto" userId="615d45d0c0242e55" providerId="LiveId" clId="{6F5D32F4-460C-4518-BA03-CF0A81ED67E8}" dt="2021-01-03T17:56:55.643" v="118" actId="571"/>
+          <ac:spMkLst>
+            <pc:docMk/>
+            <pc:sldMk cId="414872159" sldId="278"/>
+            <ac:spMk id="12" creationId="{C3F6FED4-C7DD-43B0-81C5-78B4BA8E1651}"/>
+          </ac:spMkLst>
+        </pc:spChg>
+        <pc:spChg chg="add del mod">
+          <ac:chgData name="Eric Satoshi Suzuki Kishimoto" userId="615d45d0c0242e55" providerId="LiveId" clId="{6F5D32F4-460C-4518-BA03-CF0A81ED67E8}" dt="2021-01-03T17:56:54.822" v="117" actId="571"/>
+          <ac:spMkLst>
+            <pc:docMk/>
+            <pc:sldMk cId="414872159" sldId="278"/>
+            <ac:spMk id="13" creationId="{7BECB5EA-04A7-483A-A524-066DFC75527C}"/>
+          </ac:spMkLst>
+        </pc:spChg>
+        <pc:spChg chg="add del mod">
+          <ac:chgData name="Eric Satoshi Suzuki Kishimoto" userId="615d45d0c0242e55" providerId="LiveId" clId="{6F5D32F4-460C-4518-BA03-CF0A81ED67E8}" dt="2021-01-03T17:56:54.822" v="117" actId="571"/>
+          <ac:spMkLst>
+            <pc:docMk/>
+            <pc:sldMk cId="414872159" sldId="278"/>
+            <ac:spMk id="14" creationId="{C8517B53-2863-4E41-A56F-3BAF6BA12FAF}"/>
+          </ac:spMkLst>
+        </pc:spChg>
+        <pc:spChg chg="add del mod">
+          <ac:chgData name="Eric Satoshi Suzuki Kishimoto" userId="615d45d0c0242e55" providerId="LiveId" clId="{6F5D32F4-460C-4518-BA03-CF0A81ED67E8}" dt="2021-01-03T17:56:54.822" v="117" actId="571"/>
+          <ac:spMkLst>
+            <pc:docMk/>
+            <pc:sldMk cId="414872159" sldId="278"/>
+            <ac:spMk id="15" creationId="{9E4B89F5-C125-4F42-8C32-B8143AF302BB}"/>
+          </ac:spMkLst>
+        </pc:spChg>
+        <pc:spChg chg="add del mod">
+          <ac:chgData name="Eric Satoshi Suzuki Kishimoto" userId="615d45d0c0242e55" providerId="LiveId" clId="{6F5D32F4-460C-4518-BA03-CF0A81ED67E8}" dt="2021-01-03T17:56:54.822" v="117" actId="571"/>
+          <ac:spMkLst>
+            <pc:docMk/>
+            <pc:sldMk cId="414872159" sldId="278"/>
+            <ac:spMk id="16" creationId="{B7B40F74-A8A1-4463-BF60-15466BF3B3CC}"/>
+          </ac:spMkLst>
+        </pc:spChg>
+        <pc:spChg chg="add del mod">
+          <ac:chgData name="Eric Satoshi Suzuki Kishimoto" userId="615d45d0c0242e55" providerId="LiveId" clId="{6F5D32F4-460C-4518-BA03-CF0A81ED67E8}" dt="2021-01-03T17:56:54.822" v="117" actId="571"/>
+          <ac:spMkLst>
+            <pc:docMk/>
+            <pc:sldMk cId="414872159" sldId="278"/>
+            <ac:spMk id="17" creationId="{253D58AB-38A1-4FA8-88E7-1612CD6B81DE}"/>
+          </ac:spMkLst>
+        </pc:spChg>
+        <pc:spChg chg="add del mod">
+          <ac:chgData name="Eric Satoshi Suzuki Kishimoto" userId="615d45d0c0242e55" providerId="LiveId" clId="{6F5D32F4-460C-4518-BA03-CF0A81ED67E8}" dt="2021-01-03T17:57:19.103" v="131"/>
+          <ac:spMkLst>
+            <pc:docMk/>
+            <pc:sldMk cId="414872159" sldId="278"/>
+            <ac:spMk id="18" creationId="{5D539C48-1977-4613-8DA3-38818367F944}"/>
+          </ac:spMkLst>
+        </pc:spChg>
+        <pc:spChg chg="add del mod">
+          <ac:chgData name="Eric Satoshi Suzuki Kishimoto" userId="615d45d0c0242e55" providerId="LiveId" clId="{6F5D32F4-460C-4518-BA03-CF0A81ED67E8}" dt="2021-01-03T17:57:20.927" v="133"/>
+          <ac:spMkLst>
+            <pc:docMk/>
+            <pc:sldMk cId="414872159" sldId="278"/>
+            <ac:spMk id="19" creationId="{F6F2110B-911C-49BD-A932-C1B895F28979}"/>
+          </ac:spMkLst>
+        </pc:spChg>
+        <pc:spChg chg="add mod">
+          <ac:chgData name="Eric Satoshi Suzuki Kishimoto" userId="615d45d0c0242e55" providerId="LiveId" clId="{6F5D32F4-460C-4518-BA03-CF0A81ED67E8}" dt="2021-01-03T18:16:07.354" v="328" actId="1076"/>
+          <ac:spMkLst>
+            <pc:docMk/>
+            <pc:sldMk cId="414872159" sldId="278"/>
+            <ac:spMk id="20" creationId="{2E0C5D47-2CD1-4546-8690-ED3DB2A6F6DC}"/>
+          </ac:spMkLst>
+        </pc:spChg>
+        <pc:spChg chg="add del mod">
+          <ac:chgData name="Eric Satoshi Suzuki Kishimoto" userId="615d45d0c0242e55" providerId="LiveId" clId="{6F5D32F4-460C-4518-BA03-CF0A81ED67E8}" dt="2021-01-03T18:15:49.031" v="322" actId="478"/>
+          <ac:spMkLst>
+            <pc:docMk/>
+            <pc:sldMk cId="414872159" sldId="278"/>
+            <ac:spMk id="21" creationId="{CC811FAD-50DC-4E66-9764-C2F9C9633104}"/>
+          </ac:spMkLst>
+        </pc:spChg>
+        <pc:spChg chg="add del mod">
+          <ac:chgData name="Eric Satoshi Suzuki Kishimoto" userId="615d45d0c0242e55" providerId="LiveId" clId="{6F5D32F4-460C-4518-BA03-CF0A81ED67E8}" dt="2021-01-03T18:15:49.676" v="323" actId="478"/>
+          <ac:spMkLst>
+            <pc:docMk/>
+            <pc:sldMk cId="414872159" sldId="278"/>
+            <ac:spMk id="22" creationId="{8A2BECA6-76D3-4793-BA5B-743F6FA9F2D1}"/>
+          </ac:spMkLst>
+        </pc:spChg>
+        <pc:spChg chg="add del mod">
+          <ac:chgData name="Eric Satoshi Suzuki Kishimoto" userId="615d45d0c0242e55" providerId="LiveId" clId="{6F5D32F4-460C-4518-BA03-CF0A81ED67E8}" dt="2021-01-03T18:15:50.124" v="324" actId="478"/>
+          <ac:spMkLst>
+            <pc:docMk/>
+            <pc:sldMk cId="414872159" sldId="278"/>
+            <ac:spMk id="23" creationId="{C7B9F1EE-001E-45E4-A515-17301941F96B}"/>
+          </ac:spMkLst>
+        </pc:spChg>
+        <pc:spChg chg="add del mod">
+          <ac:chgData name="Eric Satoshi Suzuki Kishimoto" userId="615d45d0c0242e55" providerId="LiveId" clId="{6F5D32F4-460C-4518-BA03-CF0A81ED67E8}" dt="2021-01-03T18:15:50.627" v="325" actId="478"/>
+          <ac:spMkLst>
+            <pc:docMk/>
+            <pc:sldMk cId="414872159" sldId="278"/>
+            <ac:spMk id="24" creationId="{ECCD6A7D-6AAA-48BE-9036-C08DC81A7F68}"/>
+          </ac:spMkLst>
+        </pc:spChg>
+        <pc:spChg chg="add del mod">
+          <ac:chgData name="Eric Satoshi Suzuki Kishimoto" userId="615d45d0c0242e55" providerId="LiveId" clId="{6F5D32F4-460C-4518-BA03-CF0A81ED67E8}" dt="2021-01-03T18:12:56.029" v="314" actId="478"/>
+          <ac:spMkLst>
+            <pc:docMk/>
+            <pc:sldMk cId="414872159" sldId="278"/>
+            <ac:spMk id="25" creationId="{6CC5762E-E547-49DC-A85A-2E22ACD6A1BA}"/>
+          </ac:spMkLst>
+        </pc:spChg>
+        <pc:spChg chg="add del mod">
+          <ac:chgData name="Eric Satoshi Suzuki Kishimoto" userId="615d45d0c0242e55" providerId="LiveId" clId="{6F5D32F4-460C-4518-BA03-CF0A81ED67E8}" dt="2021-01-03T18:00:50.959" v="164" actId="478"/>
+          <ac:spMkLst>
+            <pc:docMk/>
+            <pc:sldMk cId="414872159" sldId="278"/>
+            <ac:spMk id="26" creationId="{F057185E-9E36-45AC-B910-44B0497F52C9}"/>
+          </ac:spMkLst>
+        </pc:spChg>
+        <pc:spChg chg="add del mod">
+          <ac:chgData name="Eric Satoshi Suzuki Kishimoto" userId="615d45d0c0242e55" providerId="LiveId" clId="{6F5D32F4-460C-4518-BA03-CF0A81ED67E8}" dt="2021-01-03T18:00:50.959" v="164" actId="478"/>
+          <ac:spMkLst>
+            <pc:docMk/>
+            <pc:sldMk cId="414872159" sldId="278"/>
+            <ac:spMk id="27" creationId="{C99450E4-4780-4F9D-B420-D9E4FA8E27E0}"/>
+          </ac:spMkLst>
+        </pc:spChg>
+        <pc:spChg chg="add del mod">
+          <ac:chgData name="Eric Satoshi Suzuki Kishimoto" userId="615d45d0c0242e55" providerId="LiveId" clId="{6F5D32F4-460C-4518-BA03-CF0A81ED67E8}" dt="2021-01-03T18:00:50.959" v="164" actId="478"/>
+          <ac:spMkLst>
+            <pc:docMk/>
+            <pc:sldMk cId="414872159" sldId="278"/>
+            <ac:spMk id="28" creationId="{384F9837-6560-4FA9-85EE-ADCE9D075196}"/>
+          </ac:spMkLst>
+        </pc:spChg>
+        <pc:spChg chg="add del mod">
+          <ac:chgData name="Eric Satoshi Suzuki Kishimoto" userId="615d45d0c0242e55" providerId="LiveId" clId="{6F5D32F4-460C-4518-BA03-CF0A81ED67E8}" dt="2021-01-03T18:00:50.959" v="164" actId="478"/>
+          <ac:spMkLst>
+            <pc:docMk/>
+            <pc:sldMk cId="414872159" sldId="278"/>
+            <ac:spMk id="29" creationId="{132DFBC7-6DDF-4D75-B426-CA910F0911BD}"/>
+          </ac:spMkLst>
+        </pc:spChg>
+        <pc:spChg chg="add mod">
+          <ac:chgData name="Eric Satoshi Suzuki Kishimoto" userId="615d45d0c0242e55" providerId="LiveId" clId="{6F5D32F4-460C-4518-BA03-CF0A81ED67E8}" dt="2021-01-03T18:16:46.647" v="338" actId="1076"/>
+          <ac:spMkLst>
+            <pc:docMk/>
+            <pc:sldMk cId="414872159" sldId="278"/>
+            <ac:spMk id="30" creationId="{8F764D65-9911-48D7-B153-21D05D9AEA44}"/>
+          </ac:spMkLst>
+        </pc:spChg>
+        <pc:spChg chg="add del mod">
+          <ac:chgData name="Eric Satoshi Suzuki Kishimoto" userId="615d45d0c0242e55" providerId="LiveId" clId="{6F5D32F4-460C-4518-BA03-CF0A81ED67E8}" dt="2021-01-03T18:05:13.172" v="215" actId="478"/>
+          <ac:spMkLst>
+            <pc:docMk/>
+            <pc:sldMk cId="414872159" sldId="278"/>
+            <ac:spMk id="31" creationId="{981DA775-0DCD-4174-95AF-7C5FF581E8D2}"/>
+          </ac:spMkLst>
+        </pc:spChg>
+        <pc:spChg chg="add del mod">
+          <ac:chgData name="Eric Satoshi Suzuki Kishimoto" userId="615d45d0c0242e55" providerId="LiveId" clId="{6F5D32F4-460C-4518-BA03-CF0A81ED67E8}" dt="2021-01-03T18:05:52.909" v="235" actId="478"/>
+          <ac:spMkLst>
+            <pc:docMk/>
+            <pc:sldMk cId="414872159" sldId="278"/>
+            <ac:spMk id="32" creationId="{860D84F9-0DD7-4120-8603-418C49995BD7}"/>
+          </ac:spMkLst>
+        </pc:spChg>
+        <pc:spChg chg="add del mod">
+          <ac:chgData name="Eric Satoshi Suzuki Kishimoto" userId="615d45d0c0242e55" providerId="LiveId" clId="{6F5D32F4-460C-4518-BA03-CF0A81ED67E8}" dt="2021-01-03T18:05:13.172" v="215" actId="478"/>
+          <ac:spMkLst>
+            <pc:docMk/>
+            <pc:sldMk cId="414872159" sldId="278"/>
+            <ac:spMk id="33" creationId="{09F911E6-0FDC-4FEA-A2E0-37990C533369}"/>
+          </ac:spMkLst>
+        </pc:spChg>
+        <pc:spChg chg="add mod">
+          <ac:chgData name="Eric Satoshi Suzuki Kishimoto" userId="615d45d0c0242e55" providerId="LiveId" clId="{6F5D32F4-460C-4518-BA03-CF0A81ED67E8}" dt="2021-01-03T18:16:55.577" v="340" actId="1076"/>
+          <ac:spMkLst>
+            <pc:docMk/>
+            <pc:sldMk cId="414872159" sldId="278"/>
+            <ac:spMk id="34" creationId="{64AABF60-40CA-4BE7-A249-D848091A3DA1}"/>
+          </ac:spMkLst>
+        </pc:spChg>
+        <pc:spChg chg="add del mod">
+          <ac:chgData name="Eric Satoshi Suzuki Kishimoto" userId="615d45d0c0242e55" providerId="LiveId" clId="{6F5D32F4-460C-4518-BA03-CF0A81ED67E8}" dt="2021-01-03T18:16:50.993" v="339" actId="1076"/>
+          <ac:spMkLst>
+            <pc:docMk/>
+            <pc:sldMk cId="414872159" sldId="278"/>
+            <ac:spMk id="35" creationId="{728BAF09-477E-496C-9FF3-A45F5C1D0058}"/>
+          </ac:spMkLst>
+        </pc:spChg>
+        <pc:spChg chg="add del mod">
+          <ac:chgData name="Eric Satoshi Suzuki Kishimoto" userId="615d45d0c0242e55" providerId="LiveId" clId="{6F5D32F4-460C-4518-BA03-CF0A81ED67E8}" dt="2021-01-03T18:05:13.172" v="215" actId="478"/>
+          <ac:spMkLst>
+            <pc:docMk/>
+            <pc:sldMk cId="414872159" sldId="278"/>
+            <ac:spMk id="36" creationId="{9747153C-D25B-45CB-9411-047B01279D71}"/>
+          </ac:spMkLst>
+        </pc:spChg>
+        <pc:spChg chg="add del mod">
+          <ac:chgData name="Eric Satoshi Suzuki Kishimoto" userId="615d45d0c0242e55" providerId="LiveId" clId="{6F5D32F4-460C-4518-BA03-CF0A81ED67E8}" dt="2021-01-03T18:12:56.029" v="314" actId="478"/>
+          <ac:spMkLst>
+            <pc:docMk/>
+            <pc:sldMk cId="414872159" sldId="278"/>
+            <ac:spMk id="37" creationId="{F7699682-3030-42F2-A25E-EBBBBD3B8F84}"/>
+          </ac:spMkLst>
+        </pc:spChg>
+        <pc:spChg chg="add del mod">
+          <ac:chgData name="Eric Satoshi Suzuki Kishimoto" userId="615d45d0c0242e55" providerId="LiveId" clId="{6F5D32F4-460C-4518-BA03-CF0A81ED67E8}" dt="2021-01-03T18:12:56.029" v="314" actId="478"/>
+          <ac:spMkLst>
+            <pc:docMk/>
+            <pc:sldMk cId="414872159" sldId="278"/>
+            <ac:spMk id="38" creationId="{B0709BF5-62A6-4C41-A97C-21CF4227A579}"/>
+          </ac:spMkLst>
+        </pc:spChg>
+        <pc:spChg chg="add del mod">
+          <ac:chgData name="Eric Satoshi Suzuki Kishimoto" userId="615d45d0c0242e55" providerId="LiveId" clId="{6F5D32F4-460C-4518-BA03-CF0A81ED67E8}" dt="2021-01-03T18:05:34.478" v="226"/>
+          <ac:spMkLst>
+            <pc:docMk/>
+            <pc:sldMk cId="414872159" sldId="278"/>
+            <ac:spMk id="39" creationId="{5CF072CD-4DD7-494D-B30E-B13849B19762}"/>
+          </ac:spMkLst>
+        </pc:spChg>
+        <pc:spChg chg="add mod">
+          <ac:chgData name="Eric Satoshi Suzuki Kishimoto" userId="615d45d0c0242e55" providerId="LiveId" clId="{6F5D32F4-460C-4518-BA03-CF0A81ED67E8}" dt="2021-01-03T18:09:28.090" v="266" actId="14100"/>
+          <ac:spMkLst>
+            <pc:docMk/>
+            <pc:sldMk cId="414872159" sldId="278"/>
+            <ac:spMk id="40" creationId="{32CC543A-4C48-456F-8C3A-1B1878529898}"/>
+          </ac:spMkLst>
+        </pc:spChg>
+        <pc:spChg chg="add mod">
+          <ac:chgData name="Eric Satoshi Suzuki Kishimoto" userId="615d45d0c0242e55" providerId="LiveId" clId="{6F5D32F4-460C-4518-BA03-CF0A81ED67E8}" dt="2021-01-03T18:10:44.644" v="281" actId="1076"/>
+          <ac:spMkLst>
+            <pc:docMk/>
+            <pc:sldMk cId="414872159" sldId="278"/>
+            <ac:spMk id="41" creationId="{E2E69659-7782-4B55-91A6-AABBCEB22EEC}"/>
+          </ac:spMkLst>
+        </pc:spChg>
+        <pc:spChg chg="add mod">
+          <ac:chgData name="Eric Satoshi Suzuki Kishimoto" userId="615d45d0c0242e55" providerId="LiveId" clId="{6F5D32F4-460C-4518-BA03-CF0A81ED67E8}" dt="2021-01-03T18:16:16.303" v="330" actId="1076"/>
+          <ac:spMkLst>
+            <pc:docMk/>
+            <pc:sldMk cId="414872159" sldId="278"/>
+            <ac:spMk id="42" creationId="{A3C45C84-D9DB-4E0E-A66A-AB8D6907C85B}"/>
+          </ac:spMkLst>
+        </pc:spChg>
+        <pc:spChg chg="add mod">
+          <ac:chgData name="Eric Satoshi Suzuki Kishimoto" userId="615d45d0c0242e55" providerId="LiveId" clId="{6F5D32F4-460C-4518-BA03-CF0A81ED67E8}" dt="2021-01-03T18:16:20.867" v="332" actId="1076"/>
+          <ac:spMkLst>
+            <pc:docMk/>
+            <pc:sldMk cId="414872159" sldId="278"/>
+            <ac:spMk id="43" creationId="{06CAB0F9-D463-4226-98C0-C55B36355DCD}"/>
+          </ac:spMkLst>
+        </pc:spChg>
+        <pc:spChg chg="add mod">
+          <ac:chgData name="Eric Satoshi Suzuki Kishimoto" userId="615d45d0c0242e55" providerId="LiveId" clId="{6F5D32F4-460C-4518-BA03-CF0A81ED67E8}" dt="2021-01-03T18:16:26.812" v="334" actId="1076"/>
+          <ac:spMkLst>
+            <pc:docMk/>
+            <pc:sldMk cId="414872159" sldId="278"/>
+            <ac:spMk id="44" creationId="{74550E2C-1FB7-4F19-BF1B-E069F815EFA8}"/>
+          </ac:spMkLst>
+        </pc:spChg>
+        <pc:spChg chg="add mod">
+          <ac:chgData name="Eric Satoshi Suzuki Kishimoto" userId="615d45d0c0242e55" providerId="LiveId" clId="{6F5D32F4-460C-4518-BA03-CF0A81ED67E8}" dt="2021-01-03T18:16:33.053" v="336" actId="1076"/>
+          <ac:spMkLst>
+            <pc:docMk/>
+            <pc:sldMk cId="414872159" sldId="278"/>
+            <ac:spMk id="45" creationId="{56EEBF2E-D5CD-4C5D-B6E6-7039CF5D14A4}"/>
+          </ac:spMkLst>
+        </pc:spChg>
+      </pc:sldChg>
+      <pc:sldChg chg="modSp add mod modAnim">
+        <pc:chgData name="Eric Satoshi Suzuki Kishimoto" userId="615d45d0c0242e55" providerId="LiveId" clId="{6F5D32F4-460C-4518-BA03-CF0A81ED67E8}" dt="2021-01-03T18:18:53.423" v="377"/>
+        <pc:sldMkLst>
+          <pc:docMk/>
+          <pc:sldMk cId="281458143" sldId="279"/>
+        </pc:sldMkLst>
+        <pc:spChg chg="mod">
+          <ac:chgData name="Eric Satoshi Suzuki Kishimoto" userId="615d45d0c0242e55" providerId="LiveId" clId="{6F5D32F4-460C-4518-BA03-CF0A81ED67E8}" dt="2021-01-03T18:18:18.808" v="364" actId="27636"/>
+          <ac:spMkLst>
+            <pc:docMk/>
+            <pc:sldMk cId="281458143" sldId="279"/>
+            <ac:spMk id="40" creationId="{32CC543A-4C48-456F-8C3A-1B1878529898}"/>
+          </ac:spMkLst>
+        </pc:spChg>
+      </pc:sldChg>
+      <pc:sldChg chg="modSp add del mod">
+        <pc:chgData name="Eric Satoshi Suzuki Kishimoto" userId="615d45d0c0242e55" providerId="LiveId" clId="{6F5D32F4-460C-4518-BA03-CF0A81ED67E8}" dt="2021-01-03T18:10:47.270" v="282" actId="47"/>
+        <pc:sldMkLst>
+          <pc:docMk/>
+          <pc:sldMk cId="482457996" sldId="279"/>
+        </pc:sldMkLst>
+        <pc:spChg chg="mod">
+          <ac:chgData name="Eric Satoshi Suzuki Kishimoto" userId="615d45d0c0242e55" providerId="LiveId" clId="{6F5D32F4-460C-4518-BA03-CF0A81ED67E8}" dt="2021-01-03T18:06:01.932" v="241" actId="20577"/>
+          <ac:spMkLst>
+            <pc:docMk/>
+            <pc:sldMk cId="482457996" sldId="279"/>
+            <ac:spMk id="40" creationId="{32CC543A-4C48-456F-8C3A-1B1878529898}"/>
+          </ac:spMkLst>
+        </pc:spChg>
+      </pc:sldChg>
+      <pc:sldChg chg="delSp modSp add del mod modAnim">
+        <pc:chgData name="Eric Satoshi Suzuki Kishimoto" userId="615d45d0c0242e55" providerId="LiveId" clId="{6F5D32F4-460C-4518-BA03-CF0A81ED67E8}" dt="2021-01-03T18:17:34.708" v="343" actId="47"/>
+        <pc:sldMkLst>
+          <pc:docMk/>
+          <pc:sldMk cId="513827388" sldId="279"/>
+        </pc:sldMkLst>
+        <pc:spChg chg="del">
+          <ac:chgData name="Eric Satoshi Suzuki Kishimoto" userId="615d45d0c0242e55" providerId="LiveId" clId="{6F5D32F4-460C-4518-BA03-CF0A81ED67E8}" dt="2021-01-03T18:13:00.598" v="315" actId="478"/>
+          <ac:spMkLst>
+            <pc:docMk/>
+            <pc:sldMk cId="513827388" sldId="279"/>
+            <ac:spMk id="25" creationId="{6CC5762E-E547-49DC-A85A-2E22ACD6A1BA}"/>
+          </ac:spMkLst>
+        </pc:spChg>
+        <pc:spChg chg="del">
+          <ac:chgData name="Eric Satoshi Suzuki Kishimoto" userId="615d45d0c0242e55" providerId="LiveId" clId="{6F5D32F4-460C-4518-BA03-CF0A81ED67E8}" dt="2021-01-03T18:13:00.598" v="315" actId="478"/>
+          <ac:spMkLst>
+            <pc:docMk/>
+            <pc:sldMk cId="513827388" sldId="279"/>
+            <ac:spMk id="37" creationId="{F7699682-3030-42F2-A25E-EBBBBD3B8F84}"/>
+          </ac:spMkLst>
+        </pc:spChg>
+        <pc:spChg chg="del">
+          <ac:chgData name="Eric Satoshi Suzuki Kishimoto" userId="615d45d0c0242e55" providerId="LiveId" clId="{6F5D32F4-460C-4518-BA03-CF0A81ED67E8}" dt="2021-01-03T18:13:00.598" v="315" actId="478"/>
+          <ac:spMkLst>
+            <pc:docMk/>
+            <pc:sldMk cId="513827388" sldId="279"/>
+            <ac:spMk id="38" creationId="{B0709BF5-62A6-4C41-A97C-21CF4227A579}"/>
+          </ac:spMkLst>
+        </pc:spChg>
+        <pc:spChg chg="mod">
+          <ac:chgData name="Eric Satoshi Suzuki Kishimoto" userId="615d45d0c0242e55" providerId="LiveId" clId="{6F5D32F4-460C-4518-BA03-CF0A81ED67E8}" dt="2021-01-03T18:11:18.457" v="308" actId="27636"/>
+          <ac:spMkLst>
+            <pc:docMk/>
+            <pc:sldMk cId="513827388" sldId="279"/>
+            <ac:spMk id="40" creationId="{32CC543A-4C48-456F-8C3A-1B1878529898}"/>
+          </ac:spMkLst>
+        </pc:spChg>
       </pc:sldChg>
     </pc:docChg>
   </pc:docChgLst>
@@ -1029,7 +1482,7 @@
           <a:p>
             <a:fld id="{A997A685-9FAA-4505-8051-9DBDC940A326}" type="slidenum">
               <a:rPr lang="pt-BR" smtClean="0"/>
-              <a:t>6</a:t>
+              <a:t>8</a:t>
             </a:fld>
             <a:endParaRPr lang="pt-BR"/>
           </a:p>
@@ -7356,6 +7809,1303 @@
       </p:grpSpPr>
       <p:sp>
         <p:nvSpPr>
+          <p:cNvPr id="4" name="Retângulo 3">
+            <a:extLst>
+              <a:ext uri="{FF2B5EF4-FFF2-40B4-BE49-F238E27FC236}">
+                <a16:creationId xmlns:a16="http://schemas.microsoft.com/office/drawing/2014/main" id="{8CB06598-3026-4439-B58C-2ADFF22FE41F}"/>
+              </a:ext>
+            </a:extLst>
+          </p:cNvPr>
+          <p:cNvSpPr/>
+          <p:nvPr/>
+        </p:nvSpPr>
+        <p:spPr>
+          <a:xfrm>
+            <a:off x="1178037" y="2636941"/>
+            <a:ext cx="608816" cy="592821"/>
+          </a:xfrm>
+          <a:prstGeom prst="rect">
+            <a:avLst/>
+          </a:prstGeom>
+        </p:spPr>
+        <p:style>
+          <a:lnRef idx="2">
+            <a:schemeClr val="accent6"/>
+          </a:lnRef>
+          <a:fillRef idx="1">
+            <a:schemeClr val="lt1"/>
+          </a:fillRef>
+          <a:effectRef idx="0">
+            <a:schemeClr val="accent6"/>
+          </a:effectRef>
+          <a:fontRef idx="minor">
+            <a:schemeClr val="dk1"/>
+          </a:fontRef>
+        </p:style>
+        <p:txBody>
+          <a:bodyPr rtlCol="0" anchor="ctr"/>
+          <a:lstStyle/>
+          <a:p>
+            <a:pPr algn="ctr"/>
+            <a:endParaRPr lang="pt-BR" dirty="0"/>
+          </a:p>
+        </p:txBody>
+      </p:sp>
+      <p:sp>
+        <p:nvSpPr>
+          <p:cNvPr id="20" name="Retângulo 19">
+            <a:extLst>
+              <a:ext uri="{FF2B5EF4-FFF2-40B4-BE49-F238E27FC236}">
+                <a16:creationId xmlns:a16="http://schemas.microsoft.com/office/drawing/2014/main" id="{2E0C5D47-2CD1-4546-8690-ED3DB2A6F6DC}"/>
+              </a:ext>
+            </a:extLst>
+          </p:cNvPr>
+          <p:cNvSpPr/>
+          <p:nvPr/>
+        </p:nvSpPr>
+        <p:spPr>
+          <a:xfrm>
+            <a:off x="2506295" y="2636941"/>
+            <a:ext cx="608816" cy="592821"/>
+          </a:xfrm>
+          <a:prstGeom prst="rect">
+            <a:avLst/>
+          </a:prstGeom>
+        </p:spPr>
+        <p:style>
+          <a:lnRef idx="2">
+            <a:schemeClr val="accent6"/>
+          </a:lnRef>
+          <a:fillRef idx="1">
+            <a:schemeClr val="lt1"/>
+          </a:fillRef>
+          <a:effectRef idx="0">
+            <a:schemeClr val="accent6"/>
+          </a:effectRef>
+          <a:fontRef idx="minor">
+            <a:schemeClr val="dk1"/>
+          </a:fontRef>
+        </p:style>
+        <p:txBody>
+          <a:bodyPr rtlCol="0" anchor="ctr"/>
+          <a:lstStyle/>
+          <a:p>
+            <a:pPr algn="ctr"/>
+            <a:endParaRPr lang="pt-BR" dirty="0"/>
+          </a:p>
+        </p:txBody>
+      </p:sp>
+      <p:sp>
+        <p:nvSpPr>
+          <p:cNvPr id="30" name="CaixaDeTexto 29">
+            <a:extLst>
+              <a:ext uri="{FF2B5EF4-FFF2-40B4-BE49-F238E27FC236}">
+                <a16:creationId xmlns:a16="http://schemas.microsoft.com/office/drawing/2014/main" id="{8F764D65-9911-48D7-B153-21D05D9AEA44}"/>
+              </a:ext>
+            </a:extLst>
+          </p:cNvPr>
+          <p:cNvSpPr txBox="1"/>
+          <p:nvPr/>
+        </p:nvSpPr>
+        <p:spPr>
+          <a:xfrm>
+            <a:off x="1259312" y="4115708"/>
+            <a:ext cx="393056" cy="584775"/>
+          </a:xfrm>
+          <a:prstGeom prst="rect">
+            <a:avLst/>
+          </a:prstGeom>
+          <a:noFill/>
+        </p:spPr>
+        <p:txBody>
+          <a:bodyPr wrap="none" rtlCol="0">
+            <a:spAutoFit/>
+          </a:bodyPr>
+          <a:lstStyle/>
+          <a:p>
+            <a:r>
+              <a:rPr lang="pt-BR" sz="3200" dirty="0">
+                <a:solidFill>
+                  <a:schemeClr val="bg1">
+                    <a:lumMod val="95000"/>
+                    <a:lumOff val="5000"/>
+                  </a:schemeClr>
+                </a:solidFill>
+              </a:rPr>
+              <a:t>1</a:t>
+            </a:r>
+          </a:p>
+        </p:txBody>
+      </p:sp>
+      <p:sp>
+        <p:nvSpPr>
+          <p:cNvPr id="34" name="CaixaDeTexto 33">
+            <a:extLst>
+              <a:ext uri="{FF2B5EF4-FFF2-40B4-BE49-F238E27FC236}">
+                <a16:creationId xmlns:a16="http://schemas.microsoft.com/office/drawing/2014/main" id="{64AABF60-40CA-4BE7-A249-D848091A3DA1}"/>
+              </a:ext>
+            </a:extLst>
+          </p:cNvPr>
+          <p:cNvSpPr txBox="1"/>
+          <p:nvPr/>
+        </p:nvSpPr>
+        <p:spPr>
+          <a:xfrm>
+            <a:off x="3942433" y="4115708"/>
+            <a:ext cx="393056" cy="584775"/>
+          </a:xfrm>
+          <a:prstGeom prst="rect">
+            <a:avLst/>
+          </a:prstGeom>
+          <a:noFill/>
+        </p:spPr>
+        <p:txBody>
+          <a:bodyPr wrap="none" rtlCol="0">
+            <a:spAutoFit/>
+          </a:bodyPr>
+          <a:lstStyle/>
+          <a:p>
+            <a:r>
+              <a:rPr lang="pt-BR" sz="3200" dirty="0">
+                <a:solidFill>
+                  <a:schemeClr val="bg1">
+                    <a:lumMod val="95000"/>
+                    <a:lumOff val="5000"/>
+                  </a:schemeClr>
+                </a:solidFill>
+              </a:rPr>
+              <a:t>3</a:t>
+            </a:r>
+          </a:p>
+        </p:txBody>
+      </p:sp>
+      <p:sp>
+        <p:nvSpPr>
+          <p:cNvPr id="35" name="CaixaDeTexto 34">
+            <a:extLst>
+              <a:ext uri="{FF2B5EF4-FFF2-40B4-BE49-F238E27FC236}">
+                <a16:creationId xmlns:a16="http://schemas.microsoft.com/office/drawing/2014/main" id="{728BAF09-477E-496C-9FF3-A45F5C1D0058}"/>
+              </a:ext>
+            </a:extLst>
+          </p:cNvPr>
+          <p:cNvSpPr txBox="1"/>
+          <p:nvPr/>
+        </p:nvSpPr>
+        <p:spPr>
+          <a:xfrm>
+            <a:off x="2614175" y="4115707"/>
+            <a:ext cx="393056" cy="584775"/>
+          </a:xfrm>
+          <a:prstGeom prst="rect">
+            <a:avLst/>
+          </a:prstGeom>
+          <a:noFill/>
+        </p:spPr>
+        <p:txBody>
+          <a:bodyPr wrap="none" rtlCol="0">
+            <a:spAutoFit/>
+          </a:bodyPr>
+          <a:lstStyle/>
+          <a:p>
+            <a:r>
+              <a:rPr lang="pt-BR" sz="3200" dirty="0">
+                <a:solidFill>
+                  <a:schemeClr val="bg1">
+                    <a:lumMod val="95000"/>
+                    <a:lumOff val="5000"/>
+                  </a:schemeClr>
+                </a:solidFill>
+              </a:rPr>
+              <a:t>2</a:t>
+            </a:r>
+          </a:p>
+        </p:txBody>
+      </p:sp>
+      <p:sp>
+        <p:nvSpPr>
+          <p:cNvPr id="40" name="Título 1">
+            <a:extLst>
+              <a:ext uri="{FF2B5EF4-FFF2-40B4-BE49-F238E27FC236}">
+                <a16:creationId xmlns:a16="http://schemas.microsoft.com/office/drawing/2014/main" id="{32CC543A-4C48-456F-8C3A-1B1878529898}"/>
+              </a:ext>
+            </a:extLst>
+          </p:cNvPr>
+          <p:cNvSpPr>
+            <a:spLocks noGrp="1"/>
+          </p:cNvSpPr>
+          <p:nvPr>
+            <p:ph type="title"/>
+          </p:nvPr>
+        </p:nvSpPr>
+        <p:spPr>
+          <a:xfrm>
+            <a:off x="685802" y="609601"/>
+            <a:ext cx="1540076" cy="950752"/>
+          </a:xfrm>
+        </p:spPr>
+        <p:txBody>
+          <a:bodyPr/>
+          <a:lstStyle/>
+          <a:p>
+            <a:r>
+              <a:rPr lang="pt-BR" dirty="0"/>
+              <a:t>Listas</a:t>
+            </a:r>
+          </a:p>
+        </p:txBody>
+      </p:sp>
+      <p:sp>
+        <p:nvSpPr>
+          <p:cNvPr id="41" name="CaixaDeTexto 40">
+            <a:extLst>
+              <a:ext uri="{FF2B5EF4-FFF2-40B4-BE49-F238E27FC236}">
+                <a16:creationId xmlns:a16="http://schemas.microsoft.com/office/drawing/2014/main" id="{E2E69659-7782-4B55-91A6-AABBCEB22EEC}"/>
+              </a:ext>
+            </a:extLst>
+          </p:cNvPr>
+          <p:cNvSpPr txBox="1"/>
+          <p:nvPr/>
+        </p:nvSpPr>
+        <p:spPr>
+          <a:xfrm>
+            <a:off x="685802" y="1776316"/>
+            <a:ext cx="1334020" cy="461665"/>
+          </a:xfrm>
+          <a:prstGeom prst="rect">
+            <a:avLst/>
+          </a:prstGeom>
+          <a:noFill/>
+        </p:spPr>
+        <p:txBody>
+          <a:bodyPr wrap="none" rtlCol="0">
+            <a:spAutoFit/>
+          </a:bodyPr>
+          <a:lstStyle/>
+          <a:p>
+            <a:r>
+              <a:rPr lang="pt-BR" sz="2400" dirty="0"/>
+              <a:t>Memória</a:t>
+            </a:r>
+          </a:p>
+        </p:txBody>
+      </p:sp>
+      <p:sp>
+        <p:nvSpPr>
+          <p:cNvPr id="42" name="Retângulo 41">
+            <a:extLst>
+              <a:ext uri="{FF2B5EF4-FFF2-40B4-BE49-F238E27FC236}">
+                <a16:creationId xmlns:a16="http://schemas.microsoft.com/office/drawing/2014/main" id="{A3C45C84-D9DB-4E0E-A66A-AB8D6907C85B}"/>
+              </a:ext>
+            </a:extLst>
+          </p:cNvPr>
+          <p:cNvSpPr/>
+          <p:nvPr/>
+        </p:nvSpPr>
+        <p:spPr>
+          <a:xfrm>
+            <a:off x="3834553" y="2636941"/>
+            <a:ext cx="608816" cy="592821"/>
+          </a:xfrm>
+          <a:prstGeom prst="rect">
+            <a:avLst/>
+          </a:prstGeom>
+        </p:spPr>
+        <p:style>
+          <a:lnRef idx="2">
+            <a:schemeClr val="accent6"/>
+          </a:lnRef>
+          <a:fillRef idx="1">
+            <a:schemeClr val="lt1"/>
+          </a:fillRef>
+          <a:effectRef idx="0">
+            <a:schemeClr val="accent6"/>
+          </a:effectRef>
+          <a:fontRef idx="minor">
+            <a:schemeClr val="dk1"/>
+          </a:fontRef>
+        </p:style>
+        <p:txBody>
+          <a:bodyPr rtlCol="0" anchor="ctr"/>
+          <a:lstStyle/>
+          <a:p>
+            <a:pPr algn="ctr"/>
+            <a:endParaRPr lang="pt-BR" dirty="0"/>
+          </a:p>
+        </p:txBody>
+      </p:sp>
+      <p:sp>
+        <p:nvSpPr>
+          <p:cNvPr id="43" name="Retângulo 42">
+            <a:extLst>
+              <a:ext uri="{FF2B5EF4-FFF2-40B4-BE49-F238E27FC236}">
+                <a16:creationId xmlns:a16="http://schemas.microsoft.com/office/drawing/2014/main" id="{06CAB0F9-D463-4226-98C0-C55B36355DCD}"/>
+              </a:ext>
+            </a:extLst>
+          </p:cNvPr>
+          <p:cNvSpPr/>
+          <p:nvPr/>
+        </p:nvSpPr>
+        <p:spPr>
+          <a:xfrm>
+            <a:off x="5162811" y="2636941"/>
+            <a:ext cx="608816" cy="592821"/>
+          </a:xfrm>
+          <a:prstGeom prst="rect">
+            <a:avLst/>
+          </a:prstGeom>
+        </p:spPr>
+        <p:style>
+          <a:lnRef idx="2">
+            <a:schemeClr val="accent6"/>
+          </a:lnRef>
+          <a:fillRef idx="1">
+            <a:schemeClr val="lt1"/>
+          </a:fillRef>
+          <a:effectRef idx="0">
+            <a:schemeClr val="accent6"/>
+          </a:effectRef>
+          <a:fontRef idx="minor">
+            <a:schemeClr val="dk1"/>
+          </a:fontRef>
+        </p:style>
+        <p:txBody>
+          <a:bodyPr rtlCol="0" anchor="ctr"/>
+          <a:lstStyle/>
+          <a:p>
+            <a:pPr algn="ctr"/>
+            <a:endParaRPr lang="pt-BR" dirty="0"/>
+          </a:p>
+        </p:txBody>
+      </p:sp>
+      <p:sp>
+        <p:nvSpPr>
+          <p:cNvPr id="44" name="Retângulo 43">
+            <a:extLst>
+              <a:ext uri="{FF2B5EF4-FFF2-40B4-BE49-F238E27FC236}">
+                <a16:creationId xmlns:a16="http://schemas.microsoft.com/office/drawing/2014/main" id="{74550E2C-1FB7-4F19-BF1B-E069F815EFA8}"/>
+              </a:ext>
+            </a:extLst>
+          </p:cNvPr>
+          <p:cNvSpPr/>
+          <p:nvPr/>
+        </p:nvSpPr>
+        <p:spPr>
+          <a:xfrm>
+            <a:off x="6491069" y="2636940"/>
+            <a:ext cx="608816" cy="592821"/>
+          </a:xfrm>
+          <a:prstGeom prst="rect">
+            <a:avLst/>
+          </a:prstGeom>
+        </p:spPr>
+        <p:style>
+          <a:lnRef idx="2">
+            <a:schemeClr val="accent6"/>
+          </a:lnRef>
+          <a:fillRef idx="1">
+            <a:schemeClr val="lt1"/>
+          </a:fillRef>
+          <a:effectRef idx="0">
+            <a:schemeClr val="accent6"/>
+          </a:effectRef>
+          <a:fontRef idx="minor">
+            <a:schemeClr val="dk1"/>
+          </a:fontRef>
+        </p:style>
+        <p:txBody>
+          <a:bodyPr rtlCol="0" anchor="ctr"/>
+          <a:lstStyle/>
+          <a:p>
+            <a:pPr algn="ctr"/>
+            <a:endParaRPr lang="pt-BR" dirty="0"/>
+          </a:p>
+        </p:txBody>
+      </p:sp>
+      <p:sp>
+        <p:nvSpPr>
+          <p:cNvPr id="45" name="Retângulo 44">
+            <a:extLst>
+              <a:ext uri="{FF2B5EF4-FFF2-40B4-BE49-F238E27FC236}">
+                <a16:creationId xmlns:a16="http://schemas.microsoft.com/office/drawing/2014/main" id="{56EEBF2E-D5CD-4C5D-B6E6-7039CF5D14A4}"/>
+              </a:ext>
+            </a:extLst>
+          </p:cNvPr>
+          <p:cNvSpPr/>
+          <p:nvPr/>
+        </p:nvSpPr>
+        <p:spPr>
+          <a:xfrm>
+            <a:off x="7819327" y="2636939"/>
+            <a:ext cx="608816" cy="592821"/>
+          </a:xfrm>
+          <a:prstGeom prst="rect">
+            <a:avLst/>
+          </a:prstGeom>
+        </p:spPr>
+        <p:style>
+          <a:lnRef idx="2">
+            <a:schemeClr val="accent6"/>
+          </a:lnRef>
+          <a:fillRef idx="1">
+            <a:schemeClr val="lt1"/>
+          </a:fillRef>
+          <a:effectRef idx="0">
+            <a:schemeClr val="accent6"/>
+          </a:effectRef>
+          <a:fontRef idx="minor">
+            <a:schemeClr val="dk1"/>
+          </a:fontRef>
+        </p:style>
+        <p:txBody>
+          <a:bodyPr rtlCol="0" anchor="ctr"/>
+          <a:lstStyle/>
+          <a:p>
+            <a:pPr algn="ctr"/>
+            <a:endParaRPr lang="pt-BR" dirty="0"/>
+          </a:p>
+        </p:txBody>
+      </p:sp>
+    </p:spTree>
+    <p:extLst>
+      <p:ext uri="{BB962C8B-B14F-4D97-AF65-F5344CB8AC3E}">
+        <p14:creationId xmlns:p14="http://schemas.microsoft.com/office/powerpoint/2010/main" val="414872159"/>
+      </p:ext>
+    </p:extLst>
+  </p:cSld>
+  <p:clrMapOvr>
+    <a:masterClrMapping/>
+  </p:clrMapOvr>
+  <p:timing>
+    <p:tnLst>
+      <p:par>
+        <p:cTn id="1" dur="indefinite" restart="never" nodeType="tmRoot">
+          <p:childTnLst>
+            <p:seq concurrent="1" nextAc="seek">
+              <p:cTn id="2" dur="indefinite" nodeType="mainSeq">
+                <p:childTnLst>
+                  <p:par>
+                    <p:cTn id="3" fill="hold">
+                      <p:stCondLst>
+                        <p:cond delay="indefinite"/>
+                      </p:stCondLst>
+                      <p:childTnLst>
+                        <p:par>
+                          <p:cTn id="4" fill="hold">
+                            <p:stCondLst>
+                              <p:cond delay="0"/>
+                            </p:stCondLst>
+                            <p:childTnLst>
+                              <p:par>
+                                <p:cTn id="5" presetID="42" presetClass="path" presetSubtype="0" accel="50000" decel="50000" fill="hold" grpId="0" nodeType="clickEffect">
+                                  <p:stCondLst>
+                                    <p:cond delay="0"/>
+                                  </p:stCondLst>
+                                  <p:childTnLst>
+                                    <p:animMotion origin="layout" path="M -1.04167E-6 -4.07407E-6 L 0.21979 -0.21597 " pathEditMode="relative" rAng="0" ptsTypes="AA">
+                                      <p:cBhvr>
+                                        <p:cTn id="6" dur="2000" fill="hold"/>
+                                        <p:tgtEl>
+                                          <p:spTgt spid="30"/>
+                                        </p:tgtEl>
+                                        <p:attrNameLst>
+                                          <p:attrName>ppt_x</p:attrName>
+                                          <p:attrName>ppt_y</p:attrName>
+                                        </p:attrNameLst>
+                                      </p:cBhvr>
+                                      <p:rCtr x="10990" y="-10810"/>
+                                    </p:animMotion>
+                                  </p:childTnLst>
+                                </p:cTn>
+                              </p:par>
+                            </p:childTnLst>
+                          </p:cTn>
+                        </p:par>
+                      </p:childTnLst>
+                    </p:cTn>
+                  </p:par>
+                  <p:par>
+                    <p:cTn id="7" fill="hold">
+                      <p:stCondLst>
+                        <p:cond delay="indefinite"/>
+                      </p:stCondLst>
+                      <p:childTnLst>
+                        <p:par>
+                          <p:cTn id="8" fill="hold">
+                            <p:stCondLst>
+                              <p:cond delay="0"/>
+                            </p:stCondLst>
+                            <p:childTnLst>
+                              <p:par>
+                                <p:cTn id="9" presetID="42" presetClass="path" presetSubtype="0" accel="50000" decel="50000" fill="hold" grpId="0" nodeType="clickEffect">
+                                  <p:stCondLst>
+                                    <p:cond delay="0"/>
+                                  </p:stCondLst>
+                                  <p:childTnLst>
+                                    <p:animMotion origin="layout" path="M 1.25E-6 -4.07407E-6 L -0.00039 -0.21643 " pathEditMode="relative" rAng="0" ptsTypes="AA">
+                                      <p:cBhvr>
+                                        <p:cTn id="10" dur="2000" fill="hold"/>
+                                        <p:tgtEl>
+                                          <p:spTgt spid="35"/>
+                                        </p:tgtEl>
+                                        <p:attrNameLst>
+                                          <p:attrName>ppt_x</p:attrName>
+                                          <p:attrName>ppt_y</p:attrName>
+                                        </p:attrNameLst>
+                                      </p:cBhvr>
+                                      <p:rCtr x="-26" y="-10833"/>
+                                    </p:animMotion>
+                                  </p:childTnLst>
+                                </p:cTn>
+                              </p:par>
+                            </p:childTnLst>
+                          </p:cTn>
+                        </p:par>
+                      </p:childTnLst>
+                    </p:cTn>
+                  </p:par>
+                  <p:par>
+                    <p:cTn id="11" fill="hold">
+                      <p:stCondLst>
+                        <p:cond delay="indefinite"/>
+                      </p:stCondLst>
+                      <p:childTnLst>
+                        <p:par>
+                          <p:cTn id="12" fill="hold">
+                            <p:stCondLst>
+                              <p:cond delay="0"/>
+                            </p:stCondLst>
+                            <p:childTnLst>
+                              <p:par>
+                                <p:cTn id="13" presetID="42" presetClass="path" presetSubtype="0" accel="50000" decel="50000" fill="hold" grpId="0" nodeType="clickEffect">
+                                  <p:stCondLst>
+                                    <p:cond delay="0"/>
+                                  </p:stCondLst>
+                                  <p:childTnLst>
+                                    <p:animMotion origin="layout" path="M -3.125E-6 -4.07407E-6 L 0.21784 -0.21458 " pathEditMode="relative" rAng="0" ptsTypes="AA">
+                                      <p:cBhvr>
+                                        <p:cTn id="14" dur="2000" fill="hold"/>
+                                        <p:tgtEl>
+                                          <p:spTgt spid="34"/>
+                                        </p:tgtEl>
+                                        <p:attrNameLst>
+                                          <p:attrName>ppt_x</p:attrName>
+                                          <p:attrName>ppt_y</p:attrName>
+                                        </p:attrNameLst>
+                                      </p:cBhvr>
+                                      <p:rCtr x="10885" y="-10741"/>
+                                    </p:animMotion>
+                                  </p:childTnLst>
+                                </p:cTn>
+                              </p:par>
+                            </p:childTnLst>
+                          </p:cTn>
+                        </p:par>
+                      </p:childTnLst>
+                    </p:cTn>
+                  </p:par>
+                </p:childTnLst>
+              </p:cTn>
+              <p:prevCondLst>
+                <p:cond evt="onPrev" delay="0">
+                  <p:tgtEl>
+                    <p:sldTgt/>
+                  </p:tgtEl>
+                </p:cond>
+              </p:prevCondLst>
+              <p:nextCondLst>
+                <p:cond evt="onNext" delay="0">
+                  <p:tgtEl>
+                    <p:sldTgt/>
+                  </p:tgtEl>
+                </p:cond>
+              </p:nextCondLst>
+            </p:seq>
+          </p:childTnLst>
+        </p:cTn>
+      </p:par>
+    </p:tnLst>
+    <p:bldLst>
+      <p:bldP spid="30" grpId="0"/>
+      <p:bldP spid="34" grpId="0"/>
+      <p:bldP spid="35" grpId="0"/>
+    </p:bldLst>
+  </p:timing>
+</p:sld>
+</file>
+
+<file path=ppt/slides/slide6.xml><?xml version="1.0" encoding="utf-8"?>
+<p:sld xmlns:a="http://schemas.openxmlformats.org/drawingml/2006/main" xmlns:r="http://schemas.openxmlformats.org/officeDocument/2006/relationships" xmlns:p="http://schemas.openxmlformats.org/presentationml/2006/main">
+  <p:cSld>
+    <p:spTree>
+      <p:nvGrpSpPr>
+        <p:cNvPr id="1" name=""/>
+        <p:cNvGrpSpPr/>
+        <p:nvPr/>
+      </p:nvGrpSpPr>
+      <p:grpSpPr>
+        <a:xfrm>
+          <a:off x="0" y="0"/>
+          <a:ext cx="0" cy="0"/>
+          <a:chOff x="0" y="0"/>
+          <a:chExt cx="0" cy="0"/>
+        </a:xfrm>
+      </p:grpSpPr>
+      <p:sp>
+        <p:nvSpPr>
+          <p:cNvPr id="4" name="Retângulo 3">
+            <a:extLst>
+              <a:ext uri="{FF2B5EF4-FFF2-40B4-BE49-F238E27FC236}">
+                <a16:creationId xmlns:a16="http://schemas.microsoft.com/office/drawing/2014/main" id="{8CB06598-3026-4439-B58C-2ADFF22FE41F}"/>
+              </a:ext>
+            </a:extLst>
+          </p:cNvPr>
+          <p:cNvSpPr/>
+          <p:nvPr/>
+        </p:nvSpPr>
+        <p:spPr>
+          <a:xfrm>
+            <a:off x="1178037" y="2636941"/>
+            <a:ext cx="608816" cy="592821"/>
+          </a:xfrm>
+          <a:prstGeom prst="rect">
+            <a:avLst/>
+          </a:prstGeom>
+        </p:spPr>
+        <p:style>
+          <a:lnRef idx="2">
+            <a:schemeClr val="accent6"/>
+          </a:lnRef>
+          <a:fillRef idx="1">
+            <a:schemeClr val="lt1"/>
+          </a:fillRef>
+          <a:effectRef idx="0">
+            <a:schemeClr val="accent6"/>
+          </a:effectRef>
+          <a:fontRef idx="minor">
+            <a:schemeClr val="dk1"/>
+          </a:fontRef>
+        </p:style>
+        <p:txBody>
+          <a:bodyPr rtlCol="0" anchor="ctr"/>
+          <a:lstStyle/>
+          <a:p>
+            <a:pPr algn="ctr"/>
+            <a:endParaRPr lang="pt-BR" dirty="0"/>
+          </a:p>
+        </p:txBody>
+      </p:sp>
+      <p:sp>
+        <p:nvSpPr>
+          <p:cNvPr id="20" name="Retângulo 19">
+            <a:extLst>
+              <a:ext uri="{FF2B5EF4-FFF2-40B4-BE49-F238E27FC236}">
+                <a16:creationId xmlns:a16="http://schemas.microsoft.com/office/drawing/2014/main" id="{2E0C5D47-2CD1-4546-8690-ED3DB2A6F6DC}"/>
+              </a:ext>
+            </a:extLst>
+          </p:cNvPr>
+          <p:cNvSpPr/>
+          <p:nvPr/>
+        </p:nvSpPr>
+        <p:spPr>
+          <a:xfrm>
+            <a:off x="2506295" y="2636941"/>
+            <a:ext cx="608816" cy="592821"/>
+          </a:xfrm>
+          <a:prstGeom prst="rect">
+            <a:avLst/>
+          </a:prstGeom>
+        </p:spPr>
+        <p:style>
+          <a:lnRef idx="2">
+            <a:schemeClr val="accent6"/>
+          </a:lnRef>
+          <a:fillRef idx="1">
+            <a:schemeClr val="lt1"/>
+          </a:fillRef>
+          <a:effectRef idx="0">
+            <a:schemeClr val="accent6"/>
+          </a:effectRef>
+          <a:fontRef idx="minor">
+            <a:schemeClr val="dk1"/>
+          </a:fontRef>
+        </p:style>
+        <p:txBody>
+          <a:bodyPr rtlCol="0" anchor="ctr"/>
+          <a:lstStyle/>
+          <a:p>
+            <a:pPr algn="ctr"/>
+            <a:endParaRPr lang="pt-BR" dirty="0"/>
+          </a:p>
+        </p:txBody>
+      </p:sp>
+      <p:sp>
+        <p:nvSpPr>
+          <p:cNvPr id="30" name="CaixaDeTexto 29">
+            <a:extLst>
+              <a:ext uri="{FF2B5EF4-FFF2-40B4-BE49-F238E27FC236}">
+                <a16:creationId xmlns:a16="http://schemas.microsoft.com/office/drawing/2014/main" id="{8F764D65-9911-48D7-B153-21D05D9AEA44}"/>
+              </a:ext>
+            </a:extLst>
+          </p:cNvPr>
+          <p:cNvSpPr txBox="1"/>
+          <p:nvPr/>
+        </p:nvSpPr>
+        <p:spPr>
+          <a:xfrm>
+            <a:off x="1259312" y="4115708"/>
+            <a:ext cx="393056" cy="584775"/>
+          </a:xfrm>
+          <a:prstGeom prst="rect">
+            <a:avLst/>
+          </a:prstGeom>
+          <a:noFill/>
+        </p:spPr>
+        <p:txBody>
+          <a:bodyPr wrap="none" rtlCol="0">
+            <a:spAutoFit/>
+          </a:bodyPr>
+          <a:lstStyle/>
+          <a:p>
+            <a:r>
+              <a:rPr lang="pt-BR" sz="3200" dirty="0">
+                <a:solidFill>
+                  <a:schemeClr val="bg1">
+                    <a:lumMod val="95000"/>
+                    <a:lumOff val="5000"/>
+                  </a:schemeClr>
+                </a:solidFill>
+              </a:rPr>
+              <a:t>1</a:t>
+            </a:r>
+          </a:p>
+        </p:txBody>
+      </p:sp>
+      <p:sp>
+        <p:nvSpPr>
+          <p:cNvPr id="34" name="CaixaDeTexto 33">
+            <a:extLst>
+              <a:ext uri="{FF2B5EF4-FFF2-40B4-BE49-F238E27FC236}">
+                <a16:creationId xmlns:a16="http://schemas.microsoft.com/office/drawing/2014/main" id="{64AABF60-40CA-4BE7-A249-D848091A3DA1}"/>
+              </a:ext>
+            </a:extLst>
+          </p:cNvPr>
+          <p:cNvSpPr txBox="1"/>
+          <p:nvPr/>
+        </p:nvSpPr>
+        <p:spPr>
+          <a:xfrm>
+            <a:off x="3942433" y="4115708"/>
+            <a:ext cx="393056" cy="584775"/>
+          </a:xfrm>
+          <a:prstGeom prst="rect">
+            <a:avLst/>
+          </a:prstGeom>
+          <a:noFill/>
+        </p:spPr>
+        <p:txBody>
+          <a:bodyPr wrap="none" rtlCol="0">
+            <a:spAutoFit/>
+          </a:bodyPr>
+          <a:lstStyle/>
+          <a:p>
+            <a:r>
+              <a:rPr lang="pt-BR" sz="3200" dirty="0">
+                <a:solidFill>
+                  <a:schemeClr val="bg1">
+                    <a:lumMod val="95000"/>
+                    <a:lumOff val="5000"/>
+                  </a:schemeClr>
+                </a:solidFill>
+              </a:rPr>
+              <a:t>3</a:t>
+            </a:r>
+          </a:p>
+        </p:txBody>
+      </p:sp>
+      <p:sp>
+        <p:nvSpPr>
+          <p:cNvPr id="35" name="CaixaDeTexto 34">
+            <a:extLst>
+              <a:ext uri="{FF2B5EF4-FFF2-40B4-BE49-F238E27FC236}">
+                <a16:creationId xmlns:a16="http://schemas.microsoft.com/office/drawing/2014/main" id="{728BAF09-477E-496C-9FF3-A45F5C1D0058}"/>
+              </a:ext>
+            </a:extLst>
+          </p:cNvPr>
+          <p:cNvSpPr txBox="1"/>
+          <p:nvPr/>
+        </p:nvSpPr>
+        <p:spPr>
+          <a:xfrm>
+            <a:off x="2614175" y="4115707"/>
+            <a:ext cx="393056" cy="584775"/>
+          </a:xfrm>
+          <a:prstGeom prst="rect">
+            <a:avLst/>
+          </a:prstGeom>
+          <a:noFill/>
+        </p:spPr>
+        <p:txBody>
+          <a:bodyPr wrap="none" rtlCol="0">
+            <a:spAutoFit/>
+          </a:bodyPr>
+          <a:lstStyle/>
+          <a:p>
+            <a:r>
+              <a:rPr lang="pt-BR" sz="3200" dirty="0">
+                <a:solidFill>
+                  <a:schemeClr val="bg1">
+                    <a:lumMod val="95000"/>
+                    <a:lumOff val="5000"/>
+                  </a:schemeClr>
+                </a:solidFill>
+              </a:rPr>
+              <a:t>2</a:t>
+            </a:r>
+          </a:p>
+        </p:txBody>
+      </p:sp>
+      <p:sp>
+        <p:nvSpPr>
+          <p:cNvPr id="40" name="Título 1">
+            <a:extLst>
+              <a:ext uri="{FF2B5EF4-FFF2-40B4-BE49-F238E27FC236}">
+                <a16:creationId xmlns:a16="http://schemas.microsoft.com/office/drawing/2014/main" id="{32CC543A-4C48-456F-8C3A-1B1878529898}"/>
+              </a:ext>
+            </a:extLst>
+          </p:cNvPr>
+          <p:cNvSpPr>
+            <a:spLocks noGrp="1"/>
+          </p:cNvSpPr>
+          <p:nvPr>
+            <p:ph type="title"/>
+          </p:nvPr>
+        </p:nvSpPr>
+        <p:spPr>
+          <a:xfrm>
+            <a:off x="685802" y="609601"/>
+            <a:ext cx="4347592" cy="950752"/>
+          </a:xfrm>
+        </p:spPr>
+        <p:txBody>
+          <a:bodyPr>
+            <a:normAutofit/>
+          </a:bodyPr>
+          <a:lstStyle/>
+          <a:p>
+            <a:r>
+              <a:rPr lang="pt-BR" dirty="0" err="1"/>
+              <a:t>Arrays</a:t>
+            </a:r>
+            <a:r>
+              <a:rPr lang="pt-BR" dirty="0"/>
+              <a:t> do </a:t>
+            </a:r>
+            <a:r>
+              <a:rPr lang="pt-BR" dirty="0" err="1"/>
+              <a:t>numpy</a:t>
+            </a:r>
+            <a:endParaRPr lang="pt-BR" dirty="0"/>
+          </a:p>
+        </p:txBody>
+      </p:sp>
+      <p:sp>
+        <p:nvSpPr>
+          <p:cNvPr id="41" name="CaixaDeTexto 40">
+            <a:extLst>
+              <a:ext uri="{FF2B5EF4-FFF2-40B4-BE49-F238E27FC236}">
+                <a16:creationId xmlns:a16="http://schemas.microsoft.com/office/drawing/2014/main" id="{E2E69659-7782-4B55-91A6-AABBCEB22EEC}"/>
+              </a:ext>
+            </a:extLst>
+          </p:cNvPr>
+          <p:cNvSpPr txBox="1"/>
+          <p:nvPr/>
+        </p:nvSpPr>
+        <p:spPr>
+          <a:xfrm>
+            <a:off x="685802" y="1776316"/>
+            <a:ext cx="1334020" cy="461665"/>
+          </a:xfrm>
+          <a:prstGeom prst="rect">
+            <a:avLst/>
+          </a:prstGeom>
+          <a:noFill/>
+        </p:spPr>
+        <p:txBody>
+          <a:bodyPr wrap="none" rtlCol="0">
+            <a:spAutoFit/>
+          </a:bodyPr>
+          <a:lstStyle/>
+          <a:p>
+            <a:r>
+              <a:rPr lang="pt-BR" sz="2400" dirty="0"/>
+              <a:t>Memória</a:t>
+            </a:r>
+          </a:p>
+        </p:txBody>
+      </p:sp>
+      <p:sp>
+        <p:nvSpPr>
+          <p:cNvPr id="42" name="Retângulo 41">
+            <a:extLst>
+              <a:ext uri="{FF2B5EF4-FFF2-40B4-BE49-F238E27FC236}">
+                <a16:creationId xmlns:a16="http://schemas.microsoft.com/office/drawing/2014/main" id="{A3C45C84-D9DB-4E0E-A66A-AB8D6907C85B}"/>
+              </a:ext>
+            </a:extLst>
+          </p:cNvPr>
+          <p:cNvSpPr/>
+          <p:nvPr/>
+        </p:nvSpPr>
+        <p:spPr>
+          <a:xfrm>
+            <a:off x="3834553" y="2636941"/>
+            <a:ext cx="608816" cy="592821"/>
+          </a:xfrm>
+          <a:prstGeom prst="rect">
+            <a:avLst/>
+          </a:prstGeom>
+        </p:spPr>
+        <p:style>
+          <a:lnRef idx="2">
+            <a:schemeClr val="accent6"/>
+          </a:lnRef>
+          <a:fillRef idx="1">
+            <a:schemeClr val="lt1"/>
+          </a:fillRef>
+          <a:effectRef idx="0">
+            <a:schemeClr val="accent6"/>
+          </a:effectRef>
+          <a:fontRef idx="minor">
+            <a:schemeClr val="dk1"/>
+          </a:fontRef>
+        </p:style>
+        <p:txBody>
+          <a:bodyPr rtlCol="0" anchor="ctr"/>
+          <a:lstStyle/>
+          <a:p>
+            <a:pPr algn="ctr"/>
+            <a:endParaRPr lang="pt-BR" dirty="0"/>
+          </a:p>
+        </p:txBody>
+      </p:sp>
+      <p:sp>
+        <p:nvSpPr>
+          <p:cNvPr id="43" name="Retângulo 42">
+            <a:extLst>
+              <a:ext uri="{FF2B5EF4-FFF2-40B4-BE49-F238E27FC236}">
+                <a16:creationId xmlns:a16="http://schemas.microsoft.com/office/drawing/2014/main" id="{06CAB0F9-D463-4226-98C0-C55B36355DCD}"/>
+              </a:ext>
+            </a:extLst>
+          </p:cNvPr>
+          <p:cNvSpPr/>
+          <p:nvPr/>
+        </p:nvSpPr>
+        <p:spPr>
+          <a:xfrm>
+            <a:off x="5162811" y="2636941"/>
+            <a:ext cx="608816" cy="592821"/>
+          </a:xfrm>
+          <a:prstGeom prst="rect">
+            <a:avLst/>
+          </a:prstGeom>
+        </p:spPr>
+        <p:style>
+          <a:lnRef idx="2">
+            <a:schemeClr val="accent6"/>
+          </a:lnRef>
+          <a:fillRef idx="1">
+            <a:schemeClr val="lt1"/>
+          </a:fillRef>
+          <a:effectRef idx="0">
+            <a:schemeClr val="accent6"/>
+          </a:effectRef>
+          <a:fontRef idx="minor">
+            <a:schemeClr val="dk1"/>
+          </a:fontRef>
+        </p:style>
+        <p:txBody>
+          <a:bodyPr rtlCol="0" anchor="ctr"/>
+          <a:lstStyle/>
+          <a:p>
+            <a:pPr algn="ctr"/>
+            <a:endParaRPr lang="pt-BR" dirty="0"/>
+          </a:p>
+        </p:txBody>
+      </p:sp>
+      <p:sp>
+        <p:nvSpPr>
+          <p:cNvPr id="44" name="Retângulo 43">
+            <a:extLst>
+              <a:ext uri="{FF2B5EF4-FFF2-40B4-BE49-F238E27FC236}">
+                <a16:creationId xmlns:a16="http://schemas.microsoft.com/office/drawing/2014/main" id="{74550E2C-1FB7-4F19-BF1B-E069F815EFA8}"/>
+              </a:ext>
+            </a:extLst>
+          </p:cNvPr>
+          <p:cNvSpPr/>
+          <p:nvPr/>
+        </p:nvSpPr>
+        <p:spPr>
+          <a:xfrm>
+            <a:off x="6491069" y="2636940"/>
+            <a:ext cx="608816" cy="592821"/>
+          </a:xfrm>
+          <a:prstGeom prst="rect">
+            <a:avLst/>
+          </a:prstGeom>
+        </p:spPr>
+        <p:style>
+          <a:lnRef idx="2">
+            <a:schemeClr val="accent6"/>
+          </a:lnRef>
+          <a:fillRef idx="1">
+            <a:schemeClr val="lt1"/>
+          </a:fillRef>
+          <a:effectRef idx="0">
+            <a:schemeClr val="accent6"/>
+          </a:effectRef>
+          <a:fontRef idx="minor">
+            <a:schemeClr val="dk1"/>
+          </a:fontRef>
+        </p:style>
+        <p:txBody>
+          <a:bodyPr rtlCol="0" anchor="ctr"/>
+          <a:lstStyle/>
+          <a:p>
+            <a:pPr algn="ctr"/>
+            <a:endParaRPr lang="pt-BR" dirty="0"/>
+          </a:p>
+        </p:txBody>
+      </p:sp>
+      <p:sp>
+        <p:nvSpPr>
+          <p:cNvPr id="45" name="Retângulo 44">
+            <a:extLst>
+              <a:ext uri="{FF2B5EF4-FFF2-40B4-BE49-F238E27FC236}">
+                <a16:creationId xmlns:a16="http://schemas.microsoft.com/office/drawing/2014/main" id="{56EEBF2E-D5CD-4C5D-B6E6-7039CF5D14A4}"/>
+              </a:ext>
+            </a:extLst>
+          </p:cNvPr>
+          <p:cNvSpPr/>
+          <p:nvPr/>
+        </p:nvSpPr>
+        <p:spPr>
+          <a:xfrm>
+            <a:off x="7819327" y="2636939"/>
+            <a:ext cx="608816" cy="592821"/>
+          </a:xfrm>
+          <a:prstGeom prst="rect">
+            <a:avLst/>
+          </a:prstGeom>
+        </p:spPr>
+        <p:style>
+          <a:lnRef idx="2">
+            <a:schemeClr val="accent6"/>
+          </a:lnRef>
+          <a:fillRef idx="1">
+            <a:schemeClr val="lt1"/>
+          </a:fillRef>
+          <a:effectRef idx="0">
+            <a:schemeClr val="accent6"/>
+          </a:effectRef>
+          <a:fontRef idx="minor">
+            <a:schemeClr val="dk1"/>
+          </a:fontRef>
+        </p:style>
+        <p:txBody>
+          <a:bodyPr rtlCol="0" anchor="ctr"/>
+          <a:lstStyle/>
+          <a:p>
+            <a:pPr algn="ctr"/>
+            <a:endParaRPr lang="pt-BR" dirty="0"/>
+          </a:p>
+        </p:txBody>
+      </p:sp>
+    </p:spTree>
+    <p:extLst>
+      <p:ext uri="{BB962C8B-B14F-4D97-AF65-F5344CB8AC3E}">
+        <p14:creationId xmlns:p14="http://schemas.microsoft.com/office/powerpoint/2010/main" val="281458143"/>
+      </p:ext>
+    </p:extLst>
+  </p:cSld>
+  <p:clrMapOvr>
+    <a:masterClrMapping/>
+  </p:clrMapOvr>
+  <p:timing>
+    <p:tnLst>
+      <p:par>
+        <p:cTn id="1" dur="indefinite" restart="never" nodeType="tmRoot">
+          <p:childTnLst>
+            <p:seq concurrent="1" nextAc="seek">
+              <p:cTn id="2" dur="indefinite" nodeType="mainSeq">
+                <p:childTnLst>
+                  <p:par>
+                    <p:cTn id="3" fill="hold">
+                      <p:stCondLst>
+                        <p:cond delay="indefinite"/>
+                      </p:stCondLst>
+                      <p:childTnLst>
+                        <p:par>
+                          <p:cTn id="4" fill="hold">
+                            <p:stCondLst>
+                              <p:cond delay="0"/>
+                            </p:stCondLst>
+                            <p:childTnLst>
+                              <p:par>
+                                <p:cTn id="5" presetID="42" presetClass="path" presetSubtype="0" accel="50000" decel="50000" fill="hold" grpId="0" nodeType="clickEffect">
+                                  <p:stCondLst>
+                                    <p:cond delay="0"/>
+                                  </p:stCondLst>
+                                  <p:childTnLst>
+                                    <p:animMotion origin="layout" path="M -1.04167E-6 -4.07407E-6 L 0.00169 -0.21713 " pathEditMode="relative" rAng="0" ptsTypes="AA">
+                                      <p:cBhvr>
+                                        <p:cTn id="6" dur="2000" fill="hold"/>
+                                        <p:tgtEl>
+                                          <p:spTgt spid="30"/>
+                                        </p:tgtEl>
+                                        <p:attrNameLst>
+                                          <p:attrName>ppt_x</p:attrName>
+                                          <p:attrName>ppt_y</p:attrName>
+                                        </p:attrNameLst>
+                                      </p:cBhvr>
+                                      <p:rCtr x="78" y="-10856"/>
+                                    </p:animMotion>
+                                  </p:childTnLst>
+                                </p:cTn>
+                              </p:par>
+                            </p:childTnLst>
+                          </p:cTn>
+                        </p:par>
+                      </p:childTnLst>
+                    </p:cTn>
+                  </p:par>
+                  <p:par>
+                    <p:cTn id="7" fill="hold">
+                      <p:stCondLst>
+                        <p:cond delay="indefinite"/>
+                      </p:stCondLst>
+                      <p:childTnLst>
+                        <p:par>
+                          <p:cTn id="8" fill="hold">
+                            <p:stCondLst>
+                              <p:cond delay="0"/>
+                            </p:stCondLst>
+                            <p:childTnLst>
+                              <p:par>
+                                <p:cTn id="9" presetID="42" presetClass="path" presetSubtype="0" accel="50000" decel="50000" fill="hold" grpId="0" nodeType="clickEffect">
+                                  <p:stCondLst>
+                                    <p:cond delay="0"/>
+                                  </p:stCondLst>
+                                  <p:childTnLst>
+                                    <p:animMotion origin="layout" path="M 1.25E-6 -4.07407E-6 L -0.00039 -0.21643 " pathEditMode="relative" rAng="0" ptsTypes="AA">
+                                      <p:cBhvr>
+                                        <p:cTn id="10" dur="2000" fill="hold"/>
+                                        <p:tgtEl>
+                                          <p:spTgt spid="35"/>
+                                        </p:tgtEl>
+                                        <p:attrNameLst>
+                                          <p:attrName>ppt_x</p:attrName>
+                                          <p:attrName>ppt_y</p:attrName>
+                                        </p:attrNameLst>
+                                      </p:cBhvr>
+                                      <p:rCtr x="-26" y="-10833"/>
+                                    </p:animMotion>
+                                  </p:childTnLst>
+                                </p:cTn>
+                              </p:par>
+                            </p:childTnLst>
+                          </p:cTn>
+                        </p:par>
+                      </p:childTnLst>
+                    </p:cTn>
+                  </p:par>
+                  <p:par>
+                    <p:cTn id="11" fill="hold">
+                      <p:stCondLst>
+                        <p:cond delay="indefinite"/>
+                      </p:stCondLst>
+                      <p:childTnLst>
+                        <p:par>
+                          <p:cTn id="12" fill="hold">
+                            <p:stCondLst>
+                              <p:cond delay="0"/>
+                            </p:stCondLst>
+                            <p:childTnLst>
+                              <p:par>
+                                <p:cTn id="13" presetID="42" presetClass="path" presetSubtype="0" accel="50000" decel="50000" fill="hold" grpId="0" nodeType="clickEffect">
+                                  <p:stCondLst>
+                                    <p:cond delay="0"/>
+                                  </p:stCondLst>
+                                  <p:childTnLst>
+                                    <p:animMotion origin="layout" path="M 0.00065 -4.07407E-6 L 0.00039 -0.21597 " pathEditMode="relative" rAng="0" ptsTypes="AA">
+                                      <p:cBhvr>
+                                        <p:cTn id="14" dur="2000" fill="hold"/>
+                                        <p:tgtEl>
+                                          <p:spTgt spid="34"/>
+                                        </p:tgtEl>
+                                        <p:attrNameLst>
+                                          <p:attrName>ppt_x</p:attrName>
+                                          <p:attrName>ppt_y</p:attrName>
+                                        </p:attrNameLst>
+                                      </p:cBhvr>
+                                      <p:rCtr x="-13" y="-10810"/>
+                                    </p:animMotion>
+                                  </p:childTnLst>
+                                </p:cTn>
+                              </p:par>
+                            </p:childTnLst>
+                          </p:cTn>
+                        </p:par>
+                      </p:childTnLst>
+                    </p:cTn>
+                  </p:par>
+                </p:childTnLst>
+              </p:cTn>
+              <p:prevCondLst>
+                <p:cond evt="onPrev" delay="0">
+                  <p:tgtEl>
+                    <p:sldTgt/>
+                  </p:tgtEl>
+                </p:cond>
+              </p:prevCondLst>
+              <p:nextCondLst>
+                <p:cond evt="onNext" delay="0">
+                  <p:tgtEl>
+                    <p:sldTgt/>
+                  </p:tgtEl>
+                </p:cond>
+              </p:nextCondLst>
+            </p:seq>
+          </p:childTnLst>
+        </p:cTn>
+      </p:par>
+    </p:tnLst>
+    <p:bldLst>
+      <p:bldP spid="30" grpId="0"/>
+      <p:bldP spid="34" grpId="0"/>
+      <p:bldP spid="35" grpId="0"/>
+    </p:bldLst>
+  </p:timing>
+</p:sld>
+</file>
+
+<file path=ppt/slides/slide7.xml><?xml version="1.0" encoding="utf-8"?>
+<p:sld xmlns:a="http://schemas.openxmlformats.org/drawingml/2006/main" xmlns:r="http://schemas.openxmlformats.org/officeDocument/2006/relationships" xmlns:p="http://schemas.openxmlformats.org/presentationml/2006/main">
+  <p:cSld>
+    <p:spTree>
+      <p:nvGrpSpPr>
+        <p:cNvPr id="1" name=""/>
+        <p:cNvGrpSpPr/>
+        <p:nvPr/>
+      </p:nvGrpSpPr>
+      <p:grpSpPr>
+        <a:xfrm>
+          <a:off x="0" y="0"/>
+          <a:ext cx="0" cy="0"/>
+          <a:chOff x="0" y="0"/>
+          <a:chExt cx="0" cy="0"/>
+        </a:xfrm>
+      </p:grpSpPr>
+      <p:sp>
+        <p:nvSpPr>
           <p:cNvPr id="2" name="Título 1">
             <a:extLst>
               <a:ext uri="{FF2B5EF4-FFF2-40B4-BE49-F238E27FC236}">
@@ -7401,8 +9151,8 @@
         </p:nvSpPr>
         <p:spPr>
           <a:xfrm>
-            <a:off x="685800" y="1856841"/>
-            <a:ext cx="10131425" cy="3649133"/>
+            <a:off x="576743" y="1996580"/>
+            <a:ext cx="10131425" cy="2317382"/>
           </a:xfrm>
         </p:spPr>
         <p:txBody>
@@ -7436,12 +9186,6 @@
               <a:rPr lang="pt-BR" sz="2400" dirty="0"/>
               <a:t>Velocidade de processamento</a:t>
             </a:r>
-          </a:p>
-          <a:p>
-            <a:endParaRPr lang="pt-BR" dirty="0"/>
-          </a:p>
-          <a:p>
-            <a:endParaRPr lang="pt-BR" dirty="0"/>
           </a:p>
         </p:txBody>
       </p:sp>
@@ -7458,7 +9202,7 @@
 </p:sld>
 </file>
 
-<file path=ppt/slides/slide6.xml><?xml version="1.0" encoding="utf-8"?>
+<file path=ppt/slides/slide8.xml><?xml version="1.0" encoding="utf-8"?>
 <p:sld xmlns:a="http://schemas.openxmlformats.org/drawingml/2006/main" xmlns:r="http://schemas.openxmlformats.org/officeDocument/2006/relationships" xmlns:p="http://schemas.openxmlformats.org/presentationml/2006/main">
   <p:cSld>
     <p:spTree>
@@ -8541,6 +10285,23 @@
 </file>
 
 <file path=customXml/item1.xml><?xml version="1.0" encoding="utf-8"?>
+<p:properties xmlns:p="http://schemas.microsoft.com/office/2006/metadata/properties" xmlns:xsi="http://www.w3.org/2001/XMLSchema-instance" xmlns:pc="http://schemas.microsoft.com/office/infopath/2007/PartnerControls">
+  <documentManagement>
+    <MediaServiceKeyPoints xmlns="71af3243-3dd4-4a8d-8c0d-dd76da1f02a5" xsi:nil="true"/>
+  </documentManagement>
+</p:properties>
+</file>
+
+<file path=customXml/item2.xml><?xml version="1.0" encoding="utf-8"?>
+<?mso-contentType ?>
+<FormTemplates xmlns="http://schemas.microsoft.com/sharepoint/v3/contenttype/forms">
+  <Display>DocumentLibraryForm</Display>
+  <Edit>DocumentLibraryForm</Edit>
+  <New>DocumentLibraryForm</New>
+</FormTemplates>
+</file>
+
+<file path=customXml/item3.xml><?xml version="1.0" encoding="utf-8"?>
 <ct:contentTypeSchema xmlns:ct="http://schemas.microsoft.com/office/2006/metadata/contentType" xmlns:ma="http://schemas.microsoft.com/office/2006/metadata/properties/metaAttributes" ct:_="" ma:_="" ma:contentTypeName="Document" ma:contentTypeID="0x01010079F111ED35F8CC479449609E8A0923A6" ma:contentTypeVersion="11" ma:contentTypeDescription="Create a new document." ma:contentTypeScope="" ma:versionID="1c2eb7a32e66fb6e4260f3771546a5e2">
   <xsd:schema xmlns:xsd="http://www.w3.org/2001/XMLSchema" xmlns:xs="http://www.w3.org/2001/XMLSchema" xmlns:p="http://schemas.microsoft.com/office/2006/metadata/properties" xmlns:ns2="71af3243-3dd4-4a8d-8c0d-dd76da1f02a5" xmlns:ns3="16c05727-aa75-4e4a-9b5f-8a80a1165891" targetNamespace="http://schemas.microsoft.com/office/2006/metadata/properties" ma:root="true" ma:fieldsID="04e1f6479c48b08974ba73b5ca973489" ns2:_="" ns3:_="">
     <xsd:import namespace="71af3243-3dd4-4a8d-8c0d-dd76da1f02a5"/>
@@ -8751,24 +10512,25 @@
 </ct:contentTypeSchema>
 </file>
 
-<file path=customXml/item2.xml><?xml version="1.0" encoding="utf-8"?>
-<?mso-contentType ?>
-<FormTemplates xmlns="http://schemas.microsoft.com/sharepoint/v3/contenttype/forms">
-  <Display>DocumentLibraryForm</Display>
-  <Edit>DocumentLibraryForm</Edit>
-  <New>DocumentLibraryForm</New>
-</FormTemplates>
+<file path=customXml/itemProps1.xml><?xml version="1.0" encoding="utf-8"?>
+<ds:datastoreItem xmlns:ds="http://schemas.openxmlformats.org/officeDocument/2006/customXml" ds:itemID="{B85274BF-C111-4B7A-8D90-F7666D37C131}">
+  <ds:schemaRefs>
+    <ds:schemaRef ds:uri="http://schemas.microsoft.com/office/2006/metadata/properties"/>
+    <ds:schemaRef ds:uri="http://schemas.microsoft.com/office/infopath/2007/PartnerControls"/>
+    <ds:schemaRef ds:uri="71af3243-3dd4-4a8d-8c0d-dd76da1f02a5"/>
+  </ds:schemaRefs>
+</ds:datastoreItem>
 </file>
 
-<file path=customXml/item3.xml><?xml version="1.0" encoding="utf-8"?>
-<p:properties xmlns:p="http://schemas.microsoft.com/office/2006/metadata/properties" xmlns:xsi="http://www.w3.org/2001/XMLSchema-instance" xmlns:pc="http://schemas.microsoft.com/office/infopath/2007/PartnerControls">
-  <documentManagement>
-    <MediaServiceKeyPoints xmlns="71af3243-3dd4-4a8d-8c0d-dd76da1f02a5" xsi:nil="true"/>
-  </documentManagement>
-</p:properties>
+<file path=customXml/itemProps2.xml><?xml version="1.0" encoding="utf-8"?>
+<ds:datastoreItem xmlns:ds="http://schemas.openxmlformats.org/officeDocument/2006/customXml" ds:itemID="{E0F1DF1E-36E3-406C-8CF7-DB13BB647087}">
+  <ds:schemaRefs>
+    <ds:schemaRef ds:uri="http://schemas.microsoft.com/sharepoint/v3/contenttype/forms"/>
+  </ds:schemaRefs>
+</ds:datastoreItem>
 </file>
 
-<file path=customXml/itemProps1.xml><?xml version="1.0" encoding="utf-8"?>
+<file path=customXml/itemProps3.xml><?xml version="1.0" encoding="utf-8"?>
 <ds:datastoreItem xmlns:ds="http://schemas.openxmlformats.org/officeDocument/2006/customXml" ds:itemID="{9310845B-7F19-4A9A-BEE4-BEF0501E1A55}">
   <ds:schemaRefs>
     <ds:schemaRef ds:uri="http://schemas.microsoft.com/office/2006/metadata/contentType"/>
@@ -8785,22 +10547,4 @@
     <ds:schemaRef ds:uri="http://schemas.microsoft.com/internal/obd"/>
   </ds:schemaRefs>
 </ds:datastoreItem>
-</file>
-
-<file path=customXml/itemProps2.xml><?xml version="1.0" encoding="utf-8"?>
-<ds:datastoreItem xmlns:ds="http://schemas.openxmlformats.org/officeDocument/2006/customXml" ds:itemID="{E0F1DF1E-36E3-406C-8CF7-DB13BB647087}">
-  <ds:schemaRefs>
-    <ds:schemaRef ds:uri="http://schemas.microsoft.com/sharepoint/v3/contenttype/forms"/>
-  </ds:schemaRefs>
-</ds:datastoreItem>
-</file>
-
-<file path=customXml/itemProps3.xml><?xml version="1.0" encoding="utf-8"?>
-<ds:datastoreItem xmlns:ds="http://schemas.openxmlformats.org/officeDocument/2006/customXml" ds:itemID="{B85274BF-C111-4B7A-8D90-F7666D37C131}">
-  <ds:schemaRefs>
-    <ds:schemaRef ds:uri="http://schemas.microsoft.com/office/2006/metadata/properties"/>
-    <ds:schemaRef ds:uri="http://schemas.microsoft.com/office/infopath/2007/PartnerControls"/>
-    <ds:schemaRef ds:uri="71af3243-3dd4-4a8d-8c0d-dd76da1f02a5"/>
-  </ds:schemaRefs>
-</ds:datastoreItem>
 </file>
--- a/PAD para python/Programação de alto desempenho para a Linguagem python.pptx
+++ b/PAD para python/Programação de alto desempenho para a Linguagem python.pptx
@@ -5,10 +5,10 @@
     <p:sldMasterId id="2147483744" r:id="rId4"/>
   </p:sldMasterIdLst>
   <p:notesMasterIdLst>
-    <p:notesMasterId r:id="rId13"/>
+    <p:notesMasterId r:id="rId14"/>
   </p:notesMasterIdLst>
   <p:handoutMasterIdLst>
-    <p:handoutMasterId r:id="rId14"/>
+    <p:handoutMasterId r:id="rId15"/>
   </p:handoutMasterIdLst>
   <p:sldIdLst>
     <p:sldId id="256" r:id="rId5"/>
@@ -18,7 +18,8 @@
     <p:sldId id="278" r:id="rId9"/>
     <p:sldId id="279" r:id="rId10"/>
     <p:sldId id="275" r:id="rId11"/>
-    <p:sldId id="274" r:id="rId12"/>
+    <p:sldId id="280" r:id="rId12"/>
+    <p:sldId id="274" r:id="rId13"/>
   </p:sldIdLst>
   <p:sldSz cx="12192000" cy="6858000"/>
   <p:notesSz cx="6858000" cy="9144000"/>
@@ -142,7 +143,7 @@
 <file path=ppt/revisionInfo.xml><?xml version="1.0" encoding="utf-8"?>
 <p1510:revInfo xmlns:a="http://schemas.openxmlformats.org/drawingml/2006/main" xmlns:r="http://schemas.openxmlformats.org/officeDocument/2006/relationships" xmlns:p1510="http://schemas.microsoft.com/office/powerpoint/2015/10/main">
   <p1510:revLst>
-    <p1510:client id="{6F5D32F4-460C-4518-BA03-CF0A81ED67E8}" v="79" dt="2021-01-03T18:18:53.423"/>
+    <p1510:client id="{6F5D32F4-460C-4518-BA03-CF0A81ED67E8}" v="193" dt="2021-01-03T21:32:34.765"/>
   </p1510:revLst>
 </p1510:revInfo>
 </file>
@@ -151,13 +152,42 @@
 <pc:chgInfo xmlns:a="http://schemas.openxmlformats.org/drawingml/2006/main" xmlns:r="http://schemas.openxmlformats.org/officeDocument/2006/relationships" xmlns:ac="http://schemas.microsoft.com/office/drawing/2013/main/command" xmlns:pc="http://schemas.microsoft.com/office/powerpoint/2013/main/command">
   <pc:docChgLst>
     <pc:chgData name="Eric Satoshi Suzuki Kishimoto" userId="615d45d0c0242e55" providerId="LiveId" clId="{6F5D32F4-460C-4518-BA03-CF0A81ED67E8}"/>
-    <pc:docChg chg="undo custSel addSld delSld modSld">
-      <pc:chgData name="Eric Satoshi Suzuki Kishimoto" userId="615d45d0c0242e55" providerId="LiveId" clId="{6F5D32F4-460C-4518-BA03-CF0A81ED67E8}" dt="2021-01-03T18:19:29.371" v="387" actId="1076"/>
+    <pc:docChg chg="undo redo custSel addSld delSld modSld">
+      <pc:chgData name="Eric Satoshi Suzuki Kishimoto" userId="615d45d0c0242e55" providerId="LiveId" clId="{6F5D32F4-460C-4518-BA03-CF0A81ED67E8}" dt="2021-01-03T21:32:34.765" v="876"/>
       <pc:docMkLst>
         <pc:docMk/>
       </pc:docMkLst>
-      <pc:sldChg chg="modSp mod">
-        <pc:chgData name="Eric Satoshi Suzuki Kishimoto" userId="615d45d0c0242e55" providerId="LiveId" clId="{6F5D32F4-460C-4518-BA03-CF0A81ED67E8}" dt="2021-01-03T17:50:53.658" v="92" actId="20577"/>
+      <pc:sldChg chg="modSp mod modTransition">
+        <pc:chgData name="Eric Satoshi Suzuki Kishimoto" userId="615d45d0c0242e55" providerId="LiveId" clId="{6F5D32F4-460C-4518-BA03-CF0A81ED67E8}" dt="2021-01-03T21:27:24.225" v="863"/>
+        <pc:sldMkLst>
+          <pc:docMk/>
+          <pc:sldMk cId="3417721485" sldId="256"/>
+        </pc:sldMkLst>
+        <pc:spChg chg="mod">
+          <ac:chgData name="Eric Satoshi Suzuki Kishimoto" userId="615d45d0c0242e55" providerId="LiveId" clId="{6F5D32F4-460C-4518-BA03-CF0A81ED67E8}" dt="2021-01-03T21:26:31.385" v="861" actId="20577"/>
+          <ac:spMkLst>
+            <pc:docMk/>
+            <pc:sldMk cId="3417721485" sldId="256"/>
+            <ac:spMk id="3" creationId="{AE584786-6548-4BB4-95FD-977AD1F362C6}"/>
+          </ac:spMkLst>
+        </pc:spChg>
+      </pc:sldChg>
+      <pc:sldChg chg="modTransition modAnim">
+        <pc:chgData name="Eric Satoshi Suzuki Kishimoto" userId="615d45d0c0242e55" providerId="LiveId" clId="{6F5D32F4-460C-4518-BA03-CF0A81ED67E8}" dt="2021-01-03T21:27:25.620" v="864"/>
+        <pc:sldMkLst>
+          <pc:docMk/>
+          <pc:sldMk cId="2913824905" sldId="258"/>
+        </pc:sldMkLst>
+      </pc:sldChg>
+      <pc:sldChg chg="modTransition modAnim">
+        <pc:chgData name="Eric Satoshi Suzuki Kishimoto" userId="615d45d0c0242e55" providerId="LiveId" clId="{6F5D32F4-460C-4518-BA03-CF0A81ED67E8}" dt="2021-01-03T21:27:08.456" v="862"/>
+        <pc:sldMkLst>
+          <pc:docMk/>
+          <pc:sldMk cId="1429390259" sldId="260"/>
+        </pc:sldMkLst>
+      </pc:sldChg>
+      <pc:sldChg chg="modSp mod modTransition">
+        <pc:chgData name="Eric Satoshi Suzuki Kishimoto" userId="615d45d0c0242e55" providerId="LiveId" clId="{6F5D32F4-460C-4518-BA03-CF0A81ED67E8}" dt="2021-01-03T21:27:35.474" v="870"/>
         <pc:sldMkLst>
           <pc:docMk/>
           <pc:sldMk cId="2939930866" sldId="274"/>
@@ -171,8 +201,8 @@
           </ac:spMkLst>
         </pc:spChg>
       </pc:sldChg>
-      <pc:sldChg chg="modSp mod">
-        <pc:chgData name="Eric Satoshi Suzuki Kishimoto" userId="615d45d0c0242e55" providerId="LiveId" clId="{6F5D32F4-460C-4518-BA03-CF0A81ED67E8}" dt="2021-01-03T18:19:29.371" v="387" actId="1076"/>
+      <pc:sldChg chg="modSp mod modTransition modAnim">
+        <pc:chgData name="Eric Satoshi Suzuki Kishimoto" userId="615d45d0c0242e55" providerId="LiveId" clId="{6F5D32F4-460C-4518-BA03-CF0A81ED67E8}" dt="2021-01-03T21:27:32.731" v="868"/>
         <pc:sldMkLst>
           <pc:docMk/>
           <pc:sldMk cId="2676004845" sldId="275"/>
@@ -193,8 +223,15 @@
           <pc:sldMk cId="1038522690" sldId="276"/>
         </pc:sldMkLst>
       </pc:sldChg>
-      <pc:sldChg chg="addSp delSp modSp new mod modAnim">
-        <pc:chgData name="Eric Satoshi Suzuki Kishimoto" userId="615d45d0c0242e55" providerId="LiveId" clId="{6F5D32F4-460C-4518-BA03-CF0A81ED67E8}" dt="2021-01-03T18:17:27.113" v="342"/>
+      <pc:sldChg chg="modTransition modAnim">
+        <pc:chgData name="Eric Satoshi Suzuki Kishimoto" userId="615d45d0c0242e55" providerId="LiveId" clId="{6F5D32F4-460C-4518-BA03-CF0A81ED67E8}" dt="2021-01-03T21:27:28.003" v="865"/>
+        <pc:sldMkLst>
+          <pc:docMk/>
+          <pc:sldMk cId="585273661" sldId="277"/>
+        </pc:sldMkLst>
+      </pc:sldChg>
+      <pc:sldChg chg="addSp delSp modSp new mod modTransition modAnim">
+        <pc:chgData name="Eric Satoshi Suzuki Kishimoto" userId="615d45d0c0242e55" providerId="LiveId" clId="{6F5D32F4-460C-4518-BA03-CF0A81ED67E8}" dt="2021-01-03T21:31:52.339" v="873"/>
         <pc:sldMkLst>
           <pc:docMk/>
           <pc:sldMk cId="414872159" sldId="278"/>
@@ -423,8 +460,8 @@
             <ac:spMk id="29" creationId="{132DFBC7-6DDF-4D75-B426-CA910F0911BD}"/>
           </ac:spMkLst>
         </pc:spChg>
-        <pc:spChg chg="add mod">
-          <ac:chgData name="Eric Satoshi Suzuki Kishimoto" userId="615d45d0c0242e55" providerId="LiveId" clId="{6F5D32F4-460C-4518-BA03-CF0A81ED67E8}" dt="2021-01-03T18:16:46.647" v="338" actId="1076"/>
+        <pc:spChg chg="add mod ord">
+          <ac:chgData name="Eric Satoshi Suzuki Kishimoto" userId="615d45d0c0242e55" providerId="LiveId" clId="{6F5D32F4-460C-4518-BA03-CF0A81ED67E8}" dt="2021-01-03T20:27:51.652" v="654" actId="166"/>
           <ac:spMkLst>
             <pc:docMk/>
             <pc:sldMk cId="414872159" sldId="278"/>
@@ -455,16 +492,16 @@
             <ac:spMk id="33" creationId="{09F911E6-0FDC-4FEA-A2E0-37990C533369}"/>
           </ac:spMkLst>
         </pc:spChg>
-        <pc:spChg chg="add mod">
-          <ac:chgData name="Eric Satoshi Suzuki Kishimoto" userId="615d45d0c0242e55" providerId="LiveId" clId="{6F5D32F4-460C-4518-BA03-CF0A81ED67E8}" dt="2021-01-03T18:16:55.577" v="340" actId="1076"/>
+        <pc:spChg chg="add mod ord">
+          <ac:chgData name="Eric Satoshi Suzuki Kishimoto" userId="615d45d0c0242e55" providerId="LiveId" clId="{6F5D32F4-460C-4518-BA03-CF0A81ED67E8}" dt="2021-01-03T20:27:56.552" v="656" actId="166"/>
           <ac:spMkLst>
             <pc:docMk/>
             <pc:sldMk cId="414872159" sldId="278"/>
             <ac:spMk id="34" creationId="{64AABF60-40CA-4BE7-A249-D848091A3DA1}"/>
           </ac:spMkLst>
         </pc:spChg>
-        <pc:spChg chg="add del mod">
-          <ac:chgData name="Eric Satoshi Suzuki Kishimoto" userId="615d45d0c0242e55" providerId="LiveId" clId="{6F5D32F4-460C-4518-BA03-CF0A81ED67E8}" dt="2021-01-03T18:16:50.993" v="339" actId="1076"/>
+        <pc:spChg chg="add del mod ord">
+          <ac:chgData name="Eric Satoshi Suzuki Kishimoto" userId="615d45d0c0242e55" providerId="LiveId" clId="{6F5D32F4-460C-4518-BA03-CF0A81ED67E8}" dt="2021-01-03T20:27:54.087" v="655" actId="166"/>
           <ac:spMkLst>
             <pc:docMk/>
             <pc:sldMk cId="414872159" sldId="278"/>
@@ -552,12 +589,36 @@
           </ac:spMkLst>
         </pc:spChg>
       </pc:sldChg>
-      <pc:sldChg chg="modSp add mod modAnim">
-        <pc:chgData name="Eric Satoshi Suzuki Kishimoto" userId="615d45d0c0242e55" providerId="LiveId" clId="{6F5D32F4-460C-4518-BA03-CF0A81ED67E8}" dt="2021-01-03T18:18:53.423" v="377"/>
+      <pc:sldChg chg="modSp add mod modTransition modAnim">
+        <pc:chgData name="Eric Satoshi Suzuki Kishimoto" userId="615d45d0c0242e55" providerId="LiveId" clId="{6F5D32F4-460C-4518-BA03-CF0A81ED67E8}" dt="2021-01-03T21:32:34.765" v="876"/>
         <pc:sldMkLst>
           <pc:docMk/>
           <pc:sldMk cId="281458143" sldId="279"/>
         </pc:sldMkLst>
+        <pc:spChg chg="ord">
+          <ac:chgData name="Eric Satoshi Suzuki Kishimoto" userId="615d45d0c0242e55" providerId="LiveId" clId="{6F5D32F4-460C-4518-BA03-CF0A81ED67E8}" dt="2021-01-03T20:28:03.012" v="657" actId="166"/>
+          <ac:spMkLst>
+            <pc:docMk/>
+            <pc:sldMk cId="281458143" sldId="279"/>
+            <ac:spMk id="30" creationId="{8F764D65-9911-48D7-B153-21D05D9AEA44}"/>
+          </ac:spMkLst>
+        </pc:spChg>
+        <pc:spChg chg="ord">
+          <ac:chgData name="Eric Satoshi Suzuki Kishimoto" userId="615d45d0c0242e55" providerId="LiveId" clId="{6F5D32F4-460C-4518-BA03-CF0A81ED67E8}" dt="2021-01-03T20:29:34.487" v="669" actId="166"/>
+          <ac:spMkLst>
+            <pc:docMk/>
+            <pc:sldMk cId="281458143" sldId="279"/>
+            <ac:spMk id="34" creationId="{64AABF60-40CA-4BE7-A249-D848091A3DA1}"/>
+          </ac:spMkLst>
+        </pc:spChg>
+        <pc:spChg chg="ord">
+          <ac:chgData name="Eric Satoshi Suzuki Kishimoto" userId="615d45d0c0242e55" providerId="LiveId" clId="{6F5D32F4-460C-4518-BA03-CF0A81ED67E8}" dt="2021-01-03T20:28:05.514" v="658" actId="166"/>
+          <ac:spMkLst>
+            <pc:docMk/>
+            <pc:sldMk cId="281458143" sldId="279"/>
+            <ac:spMk id="35" creationId="{728BAF09-477E-496C-9FF3-A45F5C1D0058}"/>
+          </ac:spMkLst>
+        </pc:spChg>
         <pc:spChg chg="mod">
           <ac:chgData name="Eric Satoshi Suzuki Kishimoto" userId="615d45d0c0242e55" providerId="LiveId" clId="{6F5D32F4-460C-4518-BA03-CF0A81ED67E8}" dt="2021-01-03T18:18:18.808" v="364" actId="27636"/>
           <ac:spMkLst>
@@ -620,6 +681,245 @@
             <ac:spMk id="40" creationId="{32CC543A-4C48-456F-8C3A-1B1878529898}"/>
           </ac:spMkLst>
         </pc:spChg>
+      </pc:sldChg>
+      <pc:sldChg chg="addSp delSp modSp new mod modTransition modAnim">
+        <pc:chgData name="Eric Satoshi Suzuki Kishimoto" userId="615d45d0c0242e55" providerId="LiveId" clId="{6F5D32F4-460C-4518-BA03-CF0A81ED67E8}" dt="2021-01-03T21:27:34.030" v="869"/>
+        <pc:sldMkLst>
+          <pc:docMk/>
+          <pc:sldMk cId="2082270454" sldId="280"/>
+        </pc:sldMkLst>
+        <pc:spChg chg="mod">
+          <ac:chgData name="Eric Satoshi Suzuki Kishimoto" userId="615d45d0c0242e55" providerId="LiveId" clId="{6F5D32F4-460C-4518-BA03-CF0A81ED67E8}" dt="2021-01-03T21:21:01.525" v="801" actId="1076"/>
+          <ac:spMkLst>
+            <pc:docMk/>
+            <pc:sldMk cId="2082270454" sldId="280"/>
+            <ac:spMk id="2" creationId="{716BA79B-0882-48B3-992D-4702396F83B1}"/>
+          </ac:spMkLst>
+        </pc:spChg>
+        <pc:spChg chg="del">
+          <ac:chgData name="Eric Satoshi Suzuki Kishimoto" userId="615d45d0c0242e55" providerId="LiveId" clId="{6F5D32F4-460C-4518-BA03-CF0A81ED67E8}" dt="2021-01-03T18:48:55.413" v="411" actId="478"/>
+          <ac:spMkLst>
+            <pc:docMk/>
+            <pc:sldMk cId="2082270454" sldId="280"/>
+            <ac:spMk id="3" creationId="{7A567815-EAB1-478F-8E05-9BD16BDD44DF}"/>
+          </ac:spMkLst>
+        </pc:spChg>
+        <pc:spChg chg="add mod">
+          <ac:chgData name="Eric Satoshi Suzuki Kishimoto" userId="615d45d0c0242e55" providerId="LiveId" clId="{6F5D32F4-460C-4518-BA03-CF0A81ED67E8}" dt="2021-01-03T21:20:12.140" v="792" actId="1076"/>
+          <ac:spMkLst>
+            <pc:docMk/>
+            <pc:sldMk cId="2082270454" sldId="280"/>
+            <ac:spMk id="8" creationId="{7CD7BF7D-45F5-4162-A6F4-4B0F42ECB9BA}"/>
+          </ac:spMkLst>
+        </pc:spChg>
+        <pc:spChg chg="add mod ord">
+          <ac:chgData name="Eric Satoshi Suzuki Kishimoto" userId="615d45d0c0242e55" providerId="LiveId" clId="{6F5D32F4-460C-4518-BA03-CF0A81ED67E8}" dt="2021-01-03T21:20:11.808" v="790" actId="1076"/>
+          <ac:spMkLst>
+            <pc:docMk/>
+            <pc:sldMk cId="2082270454" sldId="280"/>
+            <ac:spMk id="9" creationId="{A4DF06A4-5715-4B28-8A64-6BB186AE799D}"/>
+          </ac:spMkLst>
+        </pc:spChg>
+        <pc:spChg chg="add mod">
+          <ac:chgData name="Eric Satoshi Suzuki Kishimoto" userId="615d45d0c0242e55" providerId="LiveId" clId="{6F5D32F4-460C-4518-BA03-CF0A81ED67E8}" dt="2021-01-03T21:21:19.329" v="804" actId="1076"/>
+          <ac:spMkLst>
+            <pc:docMk/>
+            <pc:sldMk cId="2082270454" sldId="280"/>
+            <ac:spMk id="10" creationId="{988AFC0B-1C51-4398-B61B-48B98DB2EE2D}"/>
+          </ac:spMkLst>
+        </pc:spChg>
+        <pc:spChg chg="add mod ord">
+          <ac:chgData name="Eric Satoshi Suzuki Kishimoto" userId="615d45d0c0242e55" providerId="LiveId" clId="{6F5D32F4-460C-4518-BA03-CF0A81ED67E8}" dt="2021-01-03T21:21:09.463" v="803" actId="1076"/>
+          <ac:spMkLst>
+            <pc:docMk/>
+            <pc:sldMk cId="2082270454" sldId="280"/>
+            <ac:spMk id="11" creationId="{B7951EF6-CF3B-4FE7-B762-2A6074370D3F}"/>
+          </ac:spMkLst>
+        </pc:spChg>
+        <pc:spChg chg="add mod">
+          <ac:chgData name="Eric Satoshi Suzuki Kishimoto" userId="615d45d0c0242e55" providerId="LiveId" clId="{6F5D32F4-460C-4518-BA03-CF0A81ED67E8}" dt="2021-01-03T21:21:06.174" v="802" actId="1076"/>
+          <ac:spMkLst>
+            <pc:docMk/>
+            <pc:sldMk cId="2082270454" sldId="280"/>
+            <ac:spMk id="12" creationId="{EB857D8A-A542-484F-BC56-4789ED50BD6C}"/>
+          </ac:spMkLst>
+        </pc:spChg>
+        <pc:spChg chg="add mod">
+          <ac:chgData name="Eric Satoshi Suzuki Kishimoto" userId="615d45d0c0242e55" providerId="LiveId" clId="{6F5D32F4-460C-4518-BA03-CF0A81ED67E8}" dt="2021-01-03T21:24:50.145" v="837" actId="1076"/>
+          <ac:spMkLst>
+            <pc:docMk/>
+            <pc:sldMk cId="2082270454" sldId="280"/>
+            <ac:spMk id="13" creationId="{8A764A45-CA7F-4C46-8D2D-D3F8E1F45AFB}"/>
+          </ac:spMkLst>
+        </pc:spChg>
+        <pc:spChg chg="add del mod">
+          <ac:chgData name="Eric Satoshi Suzuki Kishimoto" userId="615d45d0c0242e55" providerId="LiveId" clId="{6F5D32F4-460C-4518-BA03-CF0A81ED67E8}" dt="2021-01-03T20:22:49.959" v="595"/>
+          <ac:spMkLst>
+            <pc:docMk/>
+            <pc:sldMk cId="2082270454" sldId="280"/>
+            <ac:spMk id="14" creationId="{9C782870-42CE-4B44-AE43-50ED20C706FB}"/>
+          </ac:spMkLst>
+        </pc:spChg>
+        <pc:spChg chg="add mod">
+          <ac:chgData name="Eric Satoshi Suzuki Kishimoto" userId="615d45d0c0242e55" providerId="LiveId" clId="{6F5D32F4-460C-4518-BA03-CF0A81ED67E8}" dt="2021-01-03T21:25:24.862" v="841" actId="1076"/>
+          <ac:spMkLst>
+            <pc:docMk/>
+            <pc:sldMk cId="2082270454" sldId="280"/>
+            <ac:spMk id="15" creationId="{88D20C66-6E02-4C7F-93D2-028FF2B51D9F}"/>
+          </ac:spMkLst>
+        </pc:spChg>
+        <pc:spChg chg="add mod ord">
+          <ac:chgData name="Eric Satoshi Suzuki Kishimoto" userId="615d45d0c0242e55" providerId="LiveId" clId="{6F5D32F4-460C-4518-BA03-CF0A81ED67E8}" dt="2021-01-03T21:21:19.329" v="804" actId="1076"/>
+          <ac:spMkLst>
+            <pc:docMk/>
+            <pc:sldMk cId="2082270454" sldId="280"/>
+            <ac:spMk id="16" creationId="{5AD0886D-2E5E-47EB-AAD6-76498AE5F089}"/>
+          </ac:spMkLst>
+        </pc:spChg>
+        <pc:spChg chg="add del mod">
+          <ac:chgData name="Eric Satoshi Suzuki Kishimoto" userId="615d45d0c0242e55" providerId="LiveId" clId="{6F5D32F4-460C-4518-BA03-CF0A81ED67E8}" dt="2021-01-03T20:24:06.821" v="617" actId="478"/>
+          <ac:spMkLst>
+            <pc:docMk/>
+            <pc:sldMk cId="2082270454" sldId="280"/>
+            <ac:spMk id="17" creationId="{72D1881F-2B61-4EFD-955C-4F919EF11330}"/>
+          </ac:spMkLst>
+        </pc:spChg>
+        <pc:spChg chg="add mod ord">
+          <ac:chgData name="Eric Satoshi Suzuki Kishimoto" userId="615d45d0c0242e55" providerId="LiveId" clId="{6F5D32F4-460C-4518-BA03-CF0A81ED67E8}" dt="2021-01-03T21:21:06.174" v="802" actId="1076"/>
+          <ac:spMkLst>
+            <pc:docMk/>
+            <pc:sldMk cId="2082270454" sldId="280"/>
+            <ac:spMk id="18" creationId="{71DDC74E-DDE4-429A-8C4D-27FD78A64FAF}"/>
+          </ac:spMkLst>
+        </pc:spChg>
+        <pc:spChg chg="add mod">
+          <ac:chgData name="Eric Satoshi Suzuki Kishimoto" userId="615d45d0c0242e55" providerId="LiveId" clId="{6F5D32F4-460C-4518-BA03-CF0A81ED67E8}" dt="2021-01-03T21:25:15.811" v="840" actId="1076"/>
+          <ac:spMkLst>
+            <pc:docMk/>
+            <pc:sldMk cId="2082270454" sldId="280"/>
+            <ac:spMk id="19" creationId="{7E1CFB50-08E5-46C9-ACD1-C89A362CBED3}"/>
+          </ac:spMkLst>
+        </pc:spChg>
+        <pc:spChg chg="add del mod">
+          <ac:chgData name="Eric Satoshi Suzuki Kishimoto" userId="615d45d0c0242e55" providerId="LiveId" clId="{6F5D32F4-460C-4518-BA03-CF0A81ED67E8}" dt="2021-01-03T21:24:26.883" v="836" actId="478"/>
+          <ac:spMkLst>
+            <pc:docMk/>
+            <pc:sldMk cId="2082270454" sldId="280"/>
+            <ac:spMk id="44" creationId="{7059D1BD-6845-4DC2-8200-4C469521177C}"/>
+          </ac:spMkLst>
+        </pc:spChg>
+        <pc:grpChg chg="mod">
+          <ac:chgData name="Eric Satoshi Suzuki Kishimoto" userId="615d45d0c0242e55" providerId="LiveId" clId="{6F5D32F4-460C-4518-BA03-CF0A81ED67E8}" dt="2021-01-03T18:49:15.732" v="418"/>
+          <ac:grpSpMkLst>
+            <pc:docMk/>
+            <pc:sldMk cId="2082270454" sldId="280"/>
+            <ac:grpSpMk id="7" creationId="{683B6B79-423E-4350-92FD-3CC2EF7F02FB}"/>
+          </ac:grpSpMkLst>
+        </pc:grpChg>
+        <pc:inkChg chg="add del mod">
+          <ac:chgData name="Eric Satoshi Suzuki Kishimoto" userId="615d45d0c0242e55" providerId="LiveId" clId="{6F5D32F4-460C-4518-BA03-CF0A81ED67E8}" dt="2021-01-03T18:49:16.094" v="419" actId="9405"/>
+          <ac:inkMkLst>
+            <pc:docMk/>
+            <pc:sldMk cId="2082270454" sldId="280"/>
+            <ac:inkMk id="4" creationId="{3A20732A-1CE0-4399-8BF0-F645684BF0BF}"/>
+          </ac:inkMkLst>
+        </pc:inkChg>
+        <pc:inkChg chg="add del mod">
+          <ac:chgData name="Eric Satoshi Suzuki Kishimoto" userId="615d45d0c0242e55" providerId="LiveId" clId="{6F5D32F4-460C-4518-BA03-CF0A81ED67E8}" dt="2021-01-03T18:49:15.732" v="418"/>
+          <ac:inkMkLst>
+            <pc:docMk/>
+            <pc:sldMk cId="2082270454" sldId="280"/>
+            <ac:inkMk id="5" creationId="{5FADD4A8-4863-4DC5-B74D-88A09E2831FA}"/>
+          </ac:inkMkLst>
+        </pc:inkChg>
+        <pc:inkChg chg="add del">
+          <ac:chgData name="Eric Satoshi Suzuki Kishimoto" userId="615d45d0c0242e55" providerId="LiveId" clId="{6F5D32F4-460C-4518-BA03-CF0A81ED67E8}" dt="2021-01-03T18:49:15.449" v="415" actId="9405"/>
+          <ac:inkMkLst>
+            <pc:docMk/>
+            <pc:sldMk cId="2082270454" sldId="280"/>
+            <ac:inkMk id="6" creationId="{465DA9E0-D76C-4A22-8703-D642099A5DFA}"/>
+          </ac:inkMkLst>
+        </pc:inkChg>
+        <pc:cxnChg chg="add mod">
+          <ac:chgData name="Eric Satoshi Suzuki Kishimoto" userId="615d45d0c0242e55" providerId="LiveId" clId="{6F5D32F4-460C-4518-BA03-CF0A81ED67E8}" dt="2021-01-03T21:21:30.254" v="806" actId="14100"/>
+          <ac:cxnSpMkLst>
+            <pc:docMk/>
+            <pc:sldMk cId="2082270454" sldId="280"/>
+            <ac:cxnSpMk id="21" creationId="{7C453BB8-6EF5-41E6-AA6F-CA4F716EBE52}"/>
+          </ac:cxnSpMkLst>
+        </pc:cxnChg>
+        <pc:cxnChg chg="add mod">
+          <ac:chgData name="Eric Satoshi Suzuki Kishimoto" userId="615d45d0c0242e55" providerId="LiveId" clId="{6F5D32F4-460C-4518-BA03-CF0A81ED67E8}" dt="2021-01-03T21:21:45.733" v="808" actId="13822"/>
+          <ac:cxnSpMkLst>
+            <pc:docMk/>
+            <pc:sldMk cId="2082270454" sldId="280"/>
+            <ac:cxnSpMk id="25" creationId="{B8EE08D3-A626-4E15-9A89-4E5AEBD923F0}"/>
+          </ac:cxnSpMkLst>
+        </pc:cxnChg>
+        <pc:cxnChg chg="add mod">
+          <ac:chgData name="Eric Satoshi Suzuki Kishimoto" userId="615d45d0c0242e55" providerId="LiveId" clId="{6F5D32F4-460C-4518-BA03-CF0A81ED67E8}" dt="2021-01-03T21:21:53.025" v="810" actId="1076"/>
+          <ac:cxnSpMkLst>
+            <pc:docMk/>
+            <pc:sldMk cId="2082270454" sldId="280"/>
+            <ac:cxnSpMk id="26" creationId="{2DBEDA9A-FBA6-4A21-A2DD-389391A6BC2B}"/>
+          </ac:cxnSpMkLst>
+        </pc:cxnChg>
+        <pc:cxnChg chg="add del mod">
+          <ac:chgData name="Eric Satoshi Suzuki Kishimoto" userId="615d45d0c0242e55" providerId="LiveId" clId="{6F5D32F4-460C-4518-BA03-CF0A81ED67E8}" dt="2021-01-03T21:22:31.543" v="818" actId="478"/>
+          <ac:cxnSpMkLst>
+            <pc:docMk/>
+            <pc:sldMk cId="2082270454" sldId="280"/>
+            <ac:cxnSpMk id="28" creationId="{D3F30A61-095A-4D9F-AF74-0EC56737F567}"/>
+          </ac:cxnSpMkLst>
+        </pc:cxnChg>
+        <pc:cxnChg chg="add del mod">
+          <ac:chgData name="Eric Satoshi Suzuki Kishimoto" userId="615d45d0c0242e55" providerId="LiveId" clId="{6F5D32F4-460C-4518-BA03-CF0A81ED67E8}" dt="2021-01-03T21:23:11.571" v="823" actId="478"/>
+          <ac:cxnSpMkLst>
+            <pc:docMk/>
+            <pc:sldMk cId="2082270454" sldId="280"/>
+            <ac:cxnSpMk id="31" creationId="{D1353F08-ADAE-43D1-95E2-88DE3A7611E1}"/>
+          </ac:cxnSpMkLst>
+        </pc:cxnChg>
+        <pc:cxnChg chg="add del mod">
+          <ac:chgData name="Eric Satoshi Suzuki Kishimoto" userId="615d45d0c0242e55" providerId="LiveId" clId="{6F5D32F4-460C-4518-BA03-CF0A81ED67E8}" dt="2021-01-03T21:23:48.016" v="832" actId="478"/>
+          <ac:cxnSpMkLst>
+            <pc:docMk/>
+            <pc:sldMk cId="2082270454" sldId="280"/>
+            <ac:cxnSpMk id="35" creationId="{F7E65DED-1439-4A5E-B7D4-A42BE1BB33BE}"/>
+          </ac:cxnSpMkLst>
+        </pc:cxnChg>
+        <pc:cxnChg chg="add del">
+          <ac:chgData name="Eric Satoshi Suzuki Kishimoto" userId="615d45d0c0242e55" providerId="LiveId" clId="{6F5D32F4-460C-4518-BA03-CF0A81ED67E8}" dt="2021-01-03T21:24:06.446" v="834" actId="478"/>
+          <ac:cxnSpMkLst>
+            <pc:docMk/>
+            <pc:sldMk cId="2082270454" sldId="280"/>
+            <ac:cxnSpMk id="43" creationId="{4F593082-DCC1-42A7-9DE1-D646C346565A}"/>
+          </ac:cxnSpMkLst>
+        </pc:cxnChg>
+        <pc:cxnChg chg="add mod">
+          <ac:chgData name="Eric Satoshi Suzuki Kishimoto" userId="615d45d0c0242e55" providerId="LiveId" clId="{6F5D32F4-460C-4518-BA03-CF0A81ED67E8}" dt="2021-01-03T21:25:07.657" v="839" actId="13822"/>
+          <ac:cxnSpMkLst>
+            <pc:docMk/>
+            <pc:sldMk cId="2082270454" sldId="280"/>
+            <ac:cxnSpMk id="46" creationId="{64C0EC10-7B51-4F43-813D-74CE1288800C}"/>
+          </ac:cxnSpMkLst>
+        </pc:cxnChg>
+        <pc:cxnChg chg="add mod">
+          <ac:chgData name="Eric Satoshi Suzuki Kishimoto" userId="615d45d0c0242e55" providerId="LiveId" clId="{6F5D32F4-460C-4518-BA03-CF0A81ED67E8}" dt="2021-01-03T21:25:37.253" v="843" actId="13822"/>
+          <ac:cxnSpMkLst>
+            <pc:docMk/>
+            <pc:sldMk cId="2082270454" sldId="280"/>
+            <ac:cxnSpMk id="48" creationId="{B6379A43-2633-49AB-A658-83F8370B100A}"/>
+          </ac:cxnSpMkLst>
+        </pc:cxnChg>
+        <pc:cxnChg chg="add mod">
+          <ac:chgData name="Eric Satoshi Suzuki Kishimoto" userId="615d45d0c0242e55" providerId="LiveId" clId="{6F5D32F4-460C-4518-BA03-CF0A81ED67E8}" dt="2021-01-03T21:25:55.109" v="845" actId="13822"/>
+          <ac:cxnSpMkLst>
+            <pc:docMk/>
+            <pc:sldMk cId="2082270454" sldId="280"/>
+            <ac:cxnSpMk id="50" creationId="{E022D953-11DD-4E81-91A3-42814F4EB04B}"/>
+          </ac:cxnSpMkLst>
+        </pc:cxnChg>
       </pc:sldChg>
     </pc:docChg>
   </pc:docChgLst>
@@ -1482,7 +1782,7 @@
           <a:p>
             <a:fld id="{A997A685-9FAA-4505-8051-9DBDC940A326}" type="slidenum">
               <a:rPr lang="pt-BR" smtClean="0"/>
-              <a:t>8</a:t>
+              <a:t>9</a:t>
             </a:fld>
             <a:endParaRPr lang="pt-BR"/>
           </a:p>
@@ -7399,6 +7699,17 @@
           <a:p>
             <a:pPr rtl="0"/>
             <a:r>
+              <a:rPr lang="pt-BR" dirty="0" err="1">
+                <a:solidFill>
+                  <a:schemeClr val="accent1">
+                    <a:lumMod val="40000"/>
+                    <a:lumOff val="60000"/>
+                  </a:schemeClr>
+                </a:solidFill>
+              </a:rPr>
+              <a:t>Snake</a:t>
+            </a:r>
+            <a:r>
               <a:rPr lang="pt-BR" dirty="0">
                 <a:solidFill>
                   <a:schemeClr val="accent1">
@@ -7407,8 +7718,27 @@
                   </a:schemeClr>
                 </a:solidFill>
               </a:rPr>
-              <a:t>Tt005-Programação de alto desempenho</a:t>
-            </a:r>
+              <a:t> </a:t>
+            </a:r>
+            <a:r>
+              <a:rPr lang="pt-BR" dirty="0" err="1">
+                <a:solidFill>
+                  <a:schemeClr val="accent1">
+                    <a:lumMod val="40000"/>
+                    <a:lumOff val="60000"/>
+                  </a:schemeClr>
+                </a:solidFill>
+              </a:rPr>
+              <a:t>charmers</a:t>
+            </a:r>
+            <a:endParaRPr lang="pt-BR" dirty="0">
+              <a:solidFill>
+                <a:schemeClr val="accent1">
+                  <a:lumMod val="40000"/>
+                  <a:lumOff val="60000"/>
+                </a:schemeClr>
+              </a:solidFill>
+            </a:endParaRPr>
           </a:p>
         </p:txBody>
       </p:sp>
@@ -7422,6 +7752,18 @@
   <p:clrMapOvr>
     <a:masterClrMapping/>
   </p:clrMapOvr>
+  <mc:AlternateContent xmlns:mc="http://schemas.openxmlformats.org/markup-compatibility/2006">
+    <mc:Choice xmlns:p14="http://schemas.microsoft.com/office/powerpoint/2010/main" Requires="p14">
+      <p:transition spd="med" p14:dur="700">
+        <p:fade/>
+      </p:transition>
+    </mc:Choice>
+    <mc:Fallback>
+      <p:transition spd="med">
+        <p:fade/>
+      </p:transition>
+    </mc:Fallback>
+  </mc:AlternateContent>
 </p:sld>
 </file>
 
@@ -7548,6 +7890,295 @@
   <p:clrMapOvr>
     <a:masterClrMapping/>
   </p:clrMapOvr>
+  <mc:AlternateContent xmlns:mc="http://schemas.openxmlformats.org/markup-compatibility/2006">
+    <mc:Choice xmlns:p14="http://schemas.microsoft.com/office/powerpoint/2010/main" Requires="p14">
+      <p:transition spd="med" p14:dur="700">
+        <p:fade/>
+      </p:transition>
+    </mc:Choice>
+    <mc:Fallback>
+      <p:transition spd="med">
+        <p:fade/>
+      </p:transition>
+    </mc:Fallback>
+  </mc:AlternateContent>
+  <p:timing>
+    <p:tnLst>
+      <p:par>
+        <p:cTn id="1" dur="indefinite" restart="never" nodeType="tmRoot">
+          <p:childTnLst>
+            <p:seq concurrent="1" nextAc="seek">
+              <p:cTn id="2" dur="indefinite" nodeType="mainSeq">
+                <p:childTnLst>
+                  <p:par>
+                    <p:cTn id="3" fill="hold">
+                      <p:stCondLst>
+                        <p:cond delay="indefinite"/>
+                      </p:stCondLst>
+                      <p:childTnLst>
+                        <p:par>
+                          <p:cTn id="4" fill="hold">
+                            <p:stCondLst>
+                              <p:cond delay="0"/>
+                            </p:stCondLst>
+                            <p:childTnLst>
+                              <p:par>
+                                <p:cTn id="5" presetID="22" presetClass="entr" presetSubtype="4" fill="hold" grpId="0" nodeType="clickEffect">
+                                  <p:stCondLst>
+                                    <p:cond delay="0"/>
+                                  </p:stCondLst>
+                                  <p:childTnLst>
+                                    <p:set>
+                                      <p:cBhvr>
+                                        <p:cTn id="6" dur="1" fill="hold">
+                                          <p:stCondLst>
+                                            <p:cond delay="0"/>
+                                          </p:stCondLst>
+                                        </p:cTn>
+                                        <p:tgtEl>
+                                          <p:spTgt spid="6">
+                                            <p:txEl>
+                                              <p:pRg st="0" end="0"/>
+                                            </p:txEl>
+                                          </p:spTgt>
+                                        </p:tgtEl>
+                                        <p:attrNameLst>
+                                          <p:attrName>style.visibility</p:attrName>
+                                        </p:attrNameLst>
+                                      </p:cBhvr>
+                                      <p:to>
+                                        <p:strVal val="visible"/>
+                                      </p:to>
+                                    </p:set>
+                                    <p:animEffect transition="in" filter="wipe(down)">
+                                      <p:cBhvr>
+                                        <p:cTn id="7" dur="500"/>
+                                        <p:tgtEl>
+                                          <p:spTgt spid="6">
+                                            <p:txEl>
+                                              <p:pRg st="0" end="0"/>
+                                            </p:txEl>
+                                          </p:spTgt>
+                                        </p:tgtEl>
+                                      </p:cBhvr>
+                                    </p:animEffect>
+                                  </p:childTnLst>
+                                </p:cTn>
+                              </p:par>
+                            </p:childTnLst>
+                          </p:cTn>
+                        </p:par>
+                      </p:childTnLst>
+                    </p:cTn>
+                  </p:par>
+                  <p:par>
+                    <p:cTn id="8" fill="hold">
+                      <p:stCondLst>
+                        <p:cond delay="indefinite"/>
+                      </p:stCondLst>
+                      <p:childTnLst>
+                        <p:par>
+                          <p:cTn id="9" fill="hold">
+                            <p:stCondLst>
+                              <p:cond delay="0"/>
+                            </p:stCondLst>
+                            <p:childTnLst>
+                              <p:par>
+                                <p:cTn id="10" presetID="22" presetClass="entr" presetSubtype="4" fill="hold" grpId="0" nodeType="clickEffect">
+                                  <p:stCondLst>
+                                    <p:cond delay="0"/>
+                                  </p:stCondLst>
+                                  <p:childTnLst>
+                                    <p:set>
+                                      <p:cBhvr>
+                                        <p:cTn id="11" dur="1" fill="hold">
+                                          <p:stCondLst>
+                                            <p:cond delay="0"/>
+                                          </p:stCondLst>
+                                        </p:cTn>
+                                        <p:tgtEl>
+                                          <p:spTgt spid="6">
+                                            <p:txEl>
+                                              <p:pRg st="1" end="1"/>
+                                            </p:txEl>
+                                          </p:spTgt>
+                                        </p:tgtEl>
+                                        <p:attrNameLst>
+                                          <p:attrName>style.visibility</p:attrName>
+                                        </p:attrNameLst>
+                                      </p:cBhvr>
+                                      <p:to>
+                                        <p:strVal val="visible"/>
+                                      </p:to>
+                                    </p:set>
+                                    <p:animEffect transition="in" filter="wipe(down)">
+                                      <p:cBhvr>
+                                        <p:cTn id="12" dur="500"/>
+                                        <p:tgtEl>
+                                          <p:spTgt spid="6">
+                                            <p:txEl>
+                                              <p:pRg st="1" end="1"/>
+                                            </p:txEl>
+                                          </p:spTgt>
+                                        </p:tgtEl>
+                                      </p:cBhvr>
+                                    </p:animEffect>
+                                  </p:childTnLst>
+                                </p:cTn>
+                              </p:par>
+                            </p:childTnLst>
+                          </p:cTn>
+                        </p:par>
+                      </p:childTnLst>
+                    </p:cTn>
+                  </p:par>
+                  <p:par>
+                    <p:cTn id="13" fill="hold">
+                      <p:stCondLst>
+                        <p:cond delay="indefinite"/>
+                      </p:stCondLst>
+                      <p:childTnLst>
+                        <p:par>
+                          <p:cTn id="14" fill="hold">
+                            <p:stCondLst>
+                              <p:cond delay="0"/>
+                            </p:stCondLst>
+                            <p:childTnLst>
+                              <p:par>
+                                <p:cTn id="15" presetID="22" presetClass="entr" presetSubtype="4" fill="hold" grpId="0" nodeType="clickEffect">
+                                  <p:stCondLst>
+                                    <p:cond delay="0"/>
+                                  </p:stCondLst>
+                                  <p:childTnLst>
+                                    <p:set>
+                                      <p:cBhvr>
+                                        <p:cTn id="16" dur="1" fill="hold">
+                                          <p:stCondLst>
+                                            <p:cond delay="0"/>
+                                          </p:stCondLst>
+                                        </p:cTn>
+                                        <p:tgtEl>
+                                          <p:spTgt spid="6">
+                                            <p:txEl>
+                                              <p:pRg st="2" end="2"/>
+                                            </p:txEl>
+                                          </p:spTgt>
+                                        </p:tgtEl>
+                                        <p:attrNameLst>
+                                          <p:attrName>style.visibility</p:attrName>
+                                        </p:attrNameLst>
+                                      </p:cBhvr>
+                                      <p:to>
+                                        <p:strVal val="visible"/>
+                                      </p:to>
+                                    </p:set>
+                                    <p:animEffect transition="in" filter="wipe(down)">
+                                      <p:cBhvr>
+                                        <p:cTn id="17" dur="500"/>
+                                        <p:tgtEl>
+                                          <p:spTgt spid="6">
+                                            <p:txEl>
+                                              <p:pRg st="2" end="2"/>
+                                            </p:txEl>
+                                          </p:spTgt>
+                                        </p:tgtEl>
+                                      </p:cBhvr>
+                                    </p:animEffect>
+                                  </p:childTnLst>
+                                </p:cTn>
+                              </p:par>
+                            </p:childTnLst>
+                          </p:cTn>
+                        </p:par>
+                      </p:childTnLst>
+                    </p:cTn>
+                  </p:par>
+                  <p:par>
+                    <p:cTn id="18" fill="hold">
+                      <p:stCondLst>
+                        <p:cond delay="indefinite"/>
+                      </p:stCondLst>
+                      <p:childTnLst>
+                        <p:par>
+                          <p:cTn id="19" fill="hold">
+                            <p:stCondLst>
+                              <p:cond delay="0"/>
+                            </p:stCondLst>
+                            <p:childTnLst>
+                              <p:par>
+                                <p:cTn id="20" presetID="22" presetClass="entr" presetSubtype="4" fill="hold" grpId="0" nodeType="clickEffect">
+                                  <p:stCondLst>
+                                    <p:cond delay="0"/>
+                                  </p:stCondLst>
+                                  <p:childTnLst>
+                                    <p:set>
+                                      <p:cBhvr>
+                                        <p:cTn id="21" dur="1" fill="hold">
+                                          <p:stCondLst>
+                                            <p:cond delay="0"/>
+                                          </p:stCondLst>
+                                        </p:cTn>
+                                        <p:tgtEl>
+                                          <p:spTgt spid="6">
+                                            <p:txEl>
+                                              <p:pRg st="3" end="3"/>
+                                            </p:txEl>
+                                          </p:spTgt>
+                                        </p:tgtEl>
+                                        <p:attrNameLst>
+                                          <p:attrName>style.visibility</p:attrName>
+                                        </p:attrNameLst>
+                                      </p:cBhvr>
+                                      <p:to>
+                                        <p:strVal val="visible"/>
+                                      </p:to>
+                                    </p:set>
+                                    <p:animEffect transition="in" filter="wipe(down)">
+                                      <p:cBhvr>
+                                        <p:cTn id="22" dur="500"/>
+                                        <p:tgtEl>
+                                          <p:spTgt spid="6">
+                                            <p:txEl>
+                                              <p:pRg st="3" end="3"/>
+                                            </p:txEl>
+                                          </p:spTgt>
+                                        </p:tgtEl>
+                                      </p:cBhvr>
+                                    </p:animEffect>
+                                  </p:childTnLst>
+                                </p:cTn>
+                              </p:par>
+                            </p:childTnLst>
+                          </p:cTn>
+                        </p:par>
+                      </p:childTnLst>
+                    </p:cTn>
+                  </p:par>
+                </p:childTnLst>
+              </p:cTn>
+              <p:prevCondLst>
+                <p:cond evt="onPrev" delay="0">
+                  <p:tgtEl>
+                    <p:sldTgt/>
+                  </p:tgtEl>
+                </p:cond>
+              </p:prevCondLst>
+              <p:nextCondLst>
+                <p:cond evt="onNext" delay="0">
+                  <p:tgtEl>
+                    <p:sldTgt/>
+                  </p:tgtEl>
+                </p:cond>
+              </p:nextCondLst>
+            </p:seq>
+          </p:childTnLst>
+        </p:cTn>
+      </p:par>
+    </p:tnLst>
+    <p:bldLst>
+      <p:bldP spid="6" grpId="0" uiExpand="1" build="p"/>
+    </p:bldLst>
+  </p:timing>
 </p:sld>
 </file>
 
@@ -7667,6 +8298,295 @@
   <p:clrMapOvr>
     <a:masterClrMapping/>
   </p:clrMapOvr>
+  <mc:AlternateContent xmlns:mc="http://schemas.openxmlformats.org/markup-compatibility/2006">
+    <mc:Choice xmlns:p14="http://schemas.microsoft.com/office/powerpoint/2010/main" Requires="p14">
+      <p:transition spd="med" p14:dur="700">
+        <p:fade/>
+      </p:transition>
+    </mc:Choice>
+    <mc:Fallback>
+      <p:transition spd="med">
+        <p:fade/>
+      </p:transition>
+    </mc:Fallback>
+  </mc:AlternateContent>
+  <p:timing>
+    <p:tnLst>
+      <p:par>
+        <p:cTn id="1" dur="indefinite" restart="never" nodeType="tmRoot">
+          <p:childTnLst>
+            <p:seq concurrent="1" nextAc="seek">
+              <p:cTn id="2" dur="indefinite" nodeType="mainSeq">
+                <p:childTnLst>
+                  <p:par>
+                    <p:cTn id="3" fill="hold">
+                      <p:stCondLst>
+                        <p:cond delay="indefinite"/>
+                      </p:stCondLst>
+                      <p:childTnLst>
+                        <p:par>
+                          <p:cTn id="4" fill="hold">
+                            <p:stCondLst>
+                              <p:cond delay="0"/>
+                            </p:stCondLst>
+                            <p:childTnLst>
+                              <p:par>
+                                <p:cTn id="5" presetID="22" presetClass="entr" presetSubtype="4" fill="hold" grpId="0" nodeType="clickEffect">
+                                  <p:stCondLst>
+                                    <p:cond delay="0"/>
+                                  </p:stCondLst>
+                                  <p:childTnLst>
+                                    <p:set>
+                                      <p:cBhvr>
+                                        <p:cTn id="6" dur="1" fill="hold">
+                                          <p:stCondLst>
+                                            <p:cond delay="0"/>
+                                          </p:stCondLst>
+                                        </p:cTn>
+                                        <p:tgtEl>
+                                          <p:spTgt spid="4">
+                                            <p:txEl>
+                                              <p:pRg st="0" end="0"/>
+                                            </p:txEl>
+                                          </p:spTgt>
+                                        </p:tgtEl>
+                                        <p:attrNameLst>
+                                          <p:attrName>style.visibility</p:attrName>
+                                        </p:attrNameLst>
+                                      </p:cBhvr>
+                                      <p:to>
+                                        <p:strVal val="visible"/>
+                                      </p:to>
+                                    </p:set>
+                                    <p:animEffect transition="in" filter="wipe(down)">
+                                      <p:cBhvr>
+                                        <p:cTn id="7" dur="500"/>
+                                        <p:tgtEl>
+                                          <p:spTgt spid="4">
+                                            <p:txEl>
+                                              <p:pRg st="0" end="0"/>
+                                            </p:txEl>
+                                          </p:spTgt>
+                                        </p:tgtEl>
+                                      </p:cBhvr>
+                                    </p:animEffect>
+                                  </p:childTnLst>
+                                </p:cTn>
+                              </p:par>
+                            </p:childTnLst>
+                          </p:cTn>
+                        </p:par>
+                      </p:childTnLst>
+                    </p:cTn>
+                  </p:par>
+                  <p:par>
+                    <p:cTn id="8" fill="hold">
+                      <p:stCondLst>
+                        <p:cond delay="indefinite"/>
+                      </p:stCondLst>
+                      <p:childTnLst>
+                        <p:par>
+                          <p:cTn id="9" fill="hold">
+                            <p:stCondLst>
+                              <p:cond delay="0"/>
+                            </p:stCondLst>
+                            <p:childTnLst>
+                              <p:par>
+                                <p:cTn id="10" presetID="22" presetClass="entr" presetSubtype="4" fill="hold" grpId="0" nodeType="clickEffect">
+                                  <p:stCondLst>
+                                    <p:cond delay="0"/>
+                                  </p:stCondLst>
+                                  <p:childTnLst>
+                                    <p:set>
+                                      <p:cBhvr>
+                                        <p:cTn id="11" dur="1" fill="hold">
+                                          <p:stCondLst>
+                                            <p:cond delay="0"/>
+                                          </p:stCondLst>
+                                        </p:cTn>
+                                        <p:tgtEl>
+                                          <p:spTgt spid="4">
+                                            <p:txEl>
+                                              <p:pRg st="1" end="1"/>
+                                            </p:txEl>
+                                          </p:spTgt>
+                                        </p:tgtEl>
+                                        <p:attrNameLst>
+                                          <p:attrName>style.visibility</p:attrName>
+                                        </p:attrNameLst>
+                                      </p:cBhvr>
+                                      <p:to>
+                                        <p:strVal val="visible"/>
+                                      </p:to>
+                                    </p:set>
+                                    <p:animEffect transition="in" filter="wipe(down)">
+                                      <p:cBhvr>
+                                        <p:cTn id="12" dur="500"/>
+                                        <p:tgtEl>
+                                          <p:spTgt spid="4">
+                                            <p:txEl>
+                                              <p:pRg st="1" end="1"/>
+                                            </p:txEl>
+                                          </p:spTgt>
+                                        </p:tgtEl>
+                                      </p:cBhvr>
+                                    </p:animEffect>
+                                  </p:childTnLst>
+                                </p:cTn>
+                              </p:par>
+                            </p:childTnLst>
+                          </p:cTn>
+                        </p:par>
+                      </p:childTnLst>
+                    </p:cTn>
+                  </p:par>
+                  <p:par>
+                    <p:cTn id="13" fill="hold">
+                      <p:stCondLst>
+                        <p:cond delay="indefinite"/>
+                      </p:stCondLst>
+                      <p:childTnLst>
+                        <p:par>
+                          <p:cTn id="14" fill="hold">
+                            <p:stCondLst>
+                              <p:cond delay="0"/>
+                            </p:stCondLst>
+                            <p:childTnLst>
+                              <p:par>
+                                <p:cTn id="15" presetID="22" presetClass="entr" presetSubtype="4" fill="hold" grpId="0" nodeType="clickEffect">
+                                  <p:stCondLst>
+                                    <p:cond delay="0"/>
+                                  </p:stCondLst>
+                                  <p:childTnLst>
+                                    <p:set>
+                                      <p:cBhvr>
+                                        <p:cTn id="16" dur="1" fill="hold">
+                                          <p:stCondLst>
+                                            <p:cond delay="0"/>
+                                          </p:stCondLst>
+                                        </p:cTn>
+                                        <p:tgtEl>
+                                          <p:spTgt spid="4">
+                                            <p:txEl>
+                                              <p:pRg st="2" end="2"/>
+                                            </p:txEl>
+                                          </p:spTgt>
+                                        </p:tgtEl>
+                                        <p:attrNameLst>
+                                          <p:attrName>style.visibility</p:attrName>
+                                        </p:attrNameLst>
+                                      </p:cBhvr>
+                                      <p:to>
+                                        <p:strVal val="visible"/>
+                                      </p:to>
+                                    </p:set>
+                                    <p:animEffect transition="in" filter="wipe(down)">
+                                      <p:cBhvr>
+                                        <p:cTn id="17" dur="500"/>
+                                        <p:tgtEl>
+                                          <p:spTgt spid="4">
+                                            <p:txEl>
+                                              <p:pRg st="2" end="2"/>
+                                            </p:txEl>
+                                          </p:spTgt>
+                                        </p:tgtEl>
+                                      </p:cBhvr>
+                                    </p:animEffect>
+                                  </p:childTnLst>
+                                </p:cTn>
+                              </p:par>
+                            </p:childTnLst>
+                          </p:cTn>
+                        </p:par>
+                      </p:childTnLst>
+                    </p:cTn>
+                  </p:par>
+                  <p:par>
+                    <p:cTn id="18" fill="hold">
+                      <p:stCondLst>
+                        <p:cond delay="indefinite"/>
+                      </p:stCondLst>
+                      <p:childTnLst>
+                        <p:par>
+                          <p:cTn id="19" fill="hold">
+                            <p:stCondLst>
+                              <p:cond delay="0"/>
+                            </p:stCondLst>
+                            <p:childTnLst>
+                              <p:par>
+                                <p:cTn id="20" presetID="22" presetClass="entr" presetSubtype="4" fill="hold" grpId="0" nodeType="clickEffect">
+                                  <p:stCondLst>
+                                    <p:cond delay="0"/>
+                                  </p:stCondLst>
+                                  <p:childTnLst>
+                                    <p:set>
+                                      <p:cBhvr>
+                                        <p:cTn id="21" dur="1" fill="hold">
+                                          <p:stCondLst>
+                                            <p:cond delay="0"/>
+                                          </p:stCondLst>
+                                        </p:cTn>
+                                        <p:tgtEl>
+                                          <p:spTgt spid="4">
+                                            <p:txEl>
+                                              <p:pRg st="3" end="3"/>
+                                            </p:txEl>
+                                          </p:spTgt>
+                                        </p:tgtEl>
+                                        <p:attrNameLst>
+                                          <p:attrName>style.visibility</p:attrName>
+                                        </p:attrNameLst>
+                                      </p:cBhvr>
+                                      <p:to>
+                                        <p:strVal val="visible"/>
+                                      </p:to>
+                                    </p:set>
+                                    <p:animEffect transition="in" filter="wipe(down)">
+                                      <p:cBhvr>
+                                        <p:cTn id="22" dur="500"/>
+                                        <p:tgtEl>
+                                          <p:spTgt spid="4">
+                                            <p:txEl>
+                                              <p:pRg st="3" end="3"/>
+                                            </p:txEl>
+                                          </p:spTgt>
+                                        </p:tgtEl>
+                                      </p:cBhvr>
+                                    </p:animEffect>
+                                  </p:childTnLst>
+                                </p:cTn>
+                              </p:par>
+                            </p:childTnLst>
+                          </p:cTn>
+                        </p:par>
+                      </p:childTnLst>
+                    </p:cTn>
+                  </p:par>
+                </p:childTnLst>
+              </p:cTn>
+              <p:prevCondLst>
+                <p:cond evt="onPrev" delay="0">
+                  <p:tgtEl>
+                    <p:sldTgt/>
+                  </p:tgtEl>
+                </p:cond>
+              </p:prevCondLst>
+              <p:nextCondLst>
+                <p:cond evt="onNext" delay="0">
+                  <p:tgtEl>
+                    <p:sldTgt/>
+                  </p:tgtEl>
+                </p:cond>
+              </p:nextCondLst>
+            </p:seq>
+          </p:childTnLst>
+        </p:cTn>
+      </p:par>
+    </p:tnLst>
+    <p:bldLst>
+      <p:bldP spid="4" grpId="0" build="p"/>
+    </p:bldLst>
+  </p:timing>
 </p:sld>
 </file>
 
@@ -7787,6 +8707,295 @@
   <p:clrMapOvr>
     <a:masterClrMapping/>
   </p:clrMapOvr>
+  <mc:AlternateContent xmlns:mc="http://schemas.openxmlformats.org/markup-compatibility/2006">
+    <mc:Choice xmlns:p14="http://schemas.microsoft.com/office/powerpoint/2010/main" Requires="p14">
+      <p:transition spd="med" p14:dur="700">
+        <p:fade/>
+      </p:transition>
+    </mc:Choice>
+    <mc:Fallback>
+      <p:transition spd="med">
+        <p:fade/>
+      </p:transition>
+    </mc:Fallback>
+  </mc:AlternateContent>
+  <p:timing>
+    <p:tnLst>
+      <p:par>
+        <p:cTn id="1" dur="indefinite" restart="never" nodeType="tmRoot">
+          <p:childTnLst>
+            <p:seq concurrent="1" nextAc="seek">
+              <p:cTn id="2" dur="indefinite" nodeType="mainSeq">
+                <p:childTnLst>
+                  <p:par>
+                    <p:cTn id="3" fill="hold">
+                      <p:stCondLst>
+                        <p:cond delay="indefinite"/>
+                      </p:stCondLst>
+                      <p:childTnLst>
+                        <p:par>
+                          <p:cTn id="4" fill="hold">
+                            <p:stCondLst>
+                              <p:cond delay="0"/>
+                            </p:stCondLst>
+                            <p:childTnLst>
+                              <p:par>
+                                <p:cTn id="5" presetID="22" presetClass="entr" presetSubtype="4" fill="hold" grpId="0" nodeType="clickEffect">
+                                  <p:stCondLst>
+                                    <p:cond delay="0"/>
+                                  </p:stCondLst>
+                                  <p:childTnLst>
+                                    <p:set>
+                                      <p:cBhvr>
+                                        <p:cTn id="6" dur="1" fill="hold">
+                                          <p:stCondLst>
+                                            <p:cond delay="0"/>
+                                          </p:stCondLst>
+                                        </p:cTn>
+                                        <p:tgtEl>
+                                          <p:spTgt spid="3">
+                                            <p:txEl>
+                                              <p:pRg st="0" end="0"/>
+                                            </p:txEl>
+                                          </p:spTgt>
+                                        </p:tgtEl>
+                                        <p:attrNameLst>
+                                          <p:attrName>style.visibility</p:attrName>
+                                        </p:attrNameLst>
+                                      </p:cBhvr>
+                                      <p:to>
+                                        <p:strVal val="visible"/>
+                                      </p:to>
+                                    </p:set>
+                                    <p:animEffect transition="in" filter="wipe(down)">
+                                      <p:cBhvr>
+                                        <p:cTn id="7" dur="500"/>
+                                        <p:tgtEl>
+                                          <p:spTgt spid="3">
+                                            <p:txEl>
+                                              <p:pRg st="0" end="0"/>
+                                            </p:txEl>
+                                          </p:spTgt>
+                                        </p:tgtEl>
+                                      </p:cBhvr>
+                                    </p:animEffect>
+                                  </p:childTnLst>
+                                </p:cTn>
+                              </p:par>
+                            </p:childTnLst>
+                          </p:cTn>
+                        </p:par>
+                      </p:childTnLst>
+                    </p:cTn>
+                  </p:par>
+                  <p:par>
+                    <p:cTn id="8" fill="hold">
+                      <p:stCondLst>
+                        <p:cond delay="indefinite"/>
+                      </p:stCondLst>
+                      <p:childTnLst>
+                        <p:par>
+                          <p:cTn id="9" fill="hold">
+                            <p:stCondLst>
+                              <p:cond delay="0"/>
+                            </p:stCondLst>
+                            <p:childTnLst>
+                              <p:par>
+                                <p:cTn id="10" presetID="22" presetClass="entr" presetSubtype="4" fill="hold" grpId="0" nodeType="clickEffect">
+                                  <p:stCondLst>
+                                    <p:cond delay="0"/>
+                                  </p:stCondLst>
+                                  <p:childTnLst>
+                                    <p:set>
+                                      <p:cBhvr>
+                                        <p:cTn id="11" dur="1" fill="hold">
+                                          <p:stCondLst>
+                                            <p:cond delay="0"/>
+                                          </p:stCondLst>
+                                        </p:cTn>
+                                        <p:tgtEl>
+                                          <p:spTgt spid="3">
+                                            <p:txEl>
+                                              <p:pRg st="1" end="1"/>
+                                            </p:txEl>
+                                          </p:spTgt>
+                                        </p:tgtEl>
+                                        <p:attrNameLst>
+                                          <p:attrName>style.visibility</p:attrName>
+                                        </p:attrNameLst>
+                                      </p:cBhvr>
+                                      <p:to>
+                                        <p:strVal val="visible"/>
+                                      </p:to>
+                                    </p:set>
+                                    <p:animEffect transition="in" filter="wipe(down)">
+                                      <p:cBhvr>
+                                        <p:cTn id="12" dur="500"/>
+                                        <p:tgtEl>
+                                          <p:spTgt spid="3">
+                                            <p:txEl>
+                                              <p:pRg st="1" end="1"/>
+                                            </p:txEl>
+                                          </p:spTgt>
+                                        </p:tgtEl>
+                                      </p:cBhvr>
+                                    </p:animEffect>
+                                  </p:childTnLst>
+                                </p:cTn>
+                              </p:par>
+                            </p:childTnLst>
+                          </p:cTn>
+                        </p:par>
+                      </p:childTnLst>
+                    </p:cTn>
+                  </p:par>
+                  <p:par>
+                    <p:cTn id="13" fill="hold">
+                      <p:stCondLst>
+                        <p:cond delay="indefinite"/>
+                      </p:stCondLst>
+                      <p:childTnLst>
+                        <p:par>
+                          <p:cTn id="14" fill="hold">
+                            <p:stCondLst>
+                              <p:cond delay="0"/>
+                            </p:stCondLst>
+                            <p:childTnLst>
+                              <p:par>
+                                <p:cTn id="15" presetID="22" presetClass="entr" presetSubtype="4" fill="hold" grpId="0" nodeType="clickEffect">
+                                  <p:stCondLst>
+                                    <p:cond delay="0"/>
+                                  </p:stCondLst>
+                                  <p:childTnLst>
+                                    <p:set>
+                                      <p:cBhvr>
+                                        <p:cTn id="16" dur="1" fill="hold">
+                                          <p:stCondLst>
+                                            <p:cond delay="0"/>
+                                          </p:stCondLst>
+                                        </p:cTn>
+                                        <p:tgtEl>
+                                          <p:spTgt spid="3">
+                                            <p:txEl>
+                                              <p:pRg st="2" end="2"/>
+                                            </p:txEl>
+                                          </p:spTgt>
+                                        </p:tgtEl>
+                                        <p:attrNameLst>
+                                          <p:attrName>style.visibility</p:attrName>
+                                        </p:attrNameLst>
+                                      </p:cBhvr>
+                                      <p:to>
+                                        <p:strVal val="visible"/>
+                                      </p:to>
+                                    </p:set>
+                                    <p:animEffect transition="in" filter="wipe(down)">
+                                      <p:cBhvr>
+                                        <p:cTn id="17" dur="500"/>
+                                        <p:tgtEl>
+                                          <p:spTgt spid="3">
+                                            <p:txEl>
+                                              <p:pRg st="2" end="2"/>
+                                            </p:txEl>
+                                          </p:spTgt>
+                                        </p:tgtEl>
+                                      </p:cBhvr>
+                                    </p:animEffect>
+                                  </p:childTnLst>
+                                </p:cTn>
+                              </p:par>
+                            </p:childTnLst>
+                          </p:cTn>
+                        </p:par>
+                      </p:childTnLst>
+                    </p:cTn>
+                  </p:par>
+                  <p:par>
+                    <p:cTn id="18" fill="hold">
+                      <p:stCondLst>
+                        <p:cond delay="indefinite"/>
+                      </p:stCondLst>
+                      <p:childTnLst>
+                        <p:par>
+                          <p:cTn id="19" fill="hold">
+                            <p:stCondLst>
+                              <p:cond delay="0"/>
+                            </p:stCondLst>
+                            <p:childTnLst>
+                              <p:par>
+                                <p:cTn id="20" presetID="22" presetClass="entr" presetSubtype="4" fill="hold" grpId="0" nodeType="clickEffect">
+                                  <p:stCondLst>
+                                    <p:cond delay="0"/>
+                                  </p:stCondLst>
+                                  <p:childTnLst>
+                                    <p:set>
+                                      <p:cBhvr>
+                                        <p:cTn id="21" dur="1" fill="hold">
+                                          <p:stCondLst>
+                                            <p:cond delay="0"/>
+                                          </p:stCondLst>
+                                        </p:cTn>
+                                        <p:tgtEl>
+                                          <p:spTgt spid="3">
+                                            <p:txEl>
+                                              <p:pRg st="3" end="3"/>
+                                            </p:txEl>
+                                          </p:spTgt>
+                                        </p:tgtEl>
+                                        <p:attrNameLst>
+                                          <p:attrName>style.visibility</p:attrName>
+                                        </p:attrNameLst>
+                                      </p:cBhvr>
+                                      <p:to>
+                                        <p:strVal val="visible"/>
+                                      </p:to>
+                                    </p:set>
+                                    <p:animEffect transition="in" filter="wipe(down)">
+                                      <p:cBhvr>
+                                        <p:cTn id="22" dur="500"/>
+                                        <p:tgtEl>
+                                          <p:spTgt spid="3">
+                                            <p:txEl>
+                                              <p:pRg st="3" end="3"/>
+                                            </p:txEl>
+                                          </p:spTgt>
+                                        </p:tgtEl>
+                                      </p:cBhvr>
+                                    </p:animEffect>
+                                  </p:childTnLst>
+                                </p:cTn>
+                              </p:par>
+                            </p:childTnLst>
+                          </p:cTn>
+                        </p:par>
+                      </p:childTnLst>
+                    </p:cTn>
+                  </p:par>
+                </p:childTnLst>
+              </p:cTn>
+              <p:prevCondLst>
+                <p:cond evt="onPrev" delay="0">
+                  <p:tgtEl>
+                    <p:sldTgt/>
+                  </p:tgtEl>
+                </p:cond>
+              </p:prevCondLst>
+              <p:nextCondLst>
+                <p:cond evt="onNext" delay="0">
+                  <p:tgtEl>
+                    <p:sldTgt/>
+                  </p:tgtEl>
+                </p:cond>
+              </p:nextCondLst>
+            </p:seq>
+          </p:childTnLst>
+        </p:cTn>
+      </p:par>
+    </p:tnLst>
+    <p:bldLst>
+      <p:bldP spid="3" grpId="0" build="p"/>
+    </p:bldLst>
+  </p:timing>
 </p:sld>
 </file>
 
@@ -7897,132 +9106,6 @@
       </p:sp>
       <p:sp>
         <p:nvSpPr>
-          <p:cNvPr id="30" name="CaixaDeTexto 29">
-            <a:extLst>
-              <a:ext uri="{FF2B5EF4-FFF2-40B4-BE49-F238E27FC236}">
-                <a16:creationId xmlns:a16="http://schemas.microsoft.com/office/drawing/2014/main" id="{8F764D65-9911-48D7-B153-21D05D9AEA44}"/>
-              </a:ext>
-            </a:extLst>
-          </p:cNvPr>
-          <p:cNvSpPr txBox="1"/>
-          <p:nvPr/>
-        </p:nvSpPr>
-        <p:spPr>
-          <a:xfrm>
-            <a:off x="1259312" y="4115708"/>
-            <a:ext cx="393056" cy="584775"/>
-          </a:xfrm>
-          <a:prstGeom prst="rect">
-            <a:avLst/>
-          </a:prstGeom>
-          <a:noFill/>
-        </p:spPr>
-        <p:txBody>
-          <a:bodyPr wrap="none" rtlCol="0">
-            <a:spAutoFit/>
-          </a:bodyPr>
-          <a:lstStyle/>
-          <a:p>
-            <a:r>
-              <a:rPr lang="pt-BR" sz="3200" dirty="0">
-                <a:solidFill>
-                  <a:schemeClr val="bg1">
-                    <a:lumMod val="95000"/>
-                    <a:lumOff val="5000"/>
-                  </a:schemeClr>
-                </a:solidFill>
-              </a:rPr>
-              <a:t>1</a:t>
-            </a:r>
-          </a:p>
-        </p:txBody>
-      </p:sp>
-      <p:sp>
-        <p:nvSpPr>
-          <p:cNvPr id="34" name="CaixaDeTexto 33">
-            <a:extLst>
-              <a:ext uri="{FF2B5EF4-FFF2-40B4-BE49-F238E27FC236}">
-                <a16:creationId xmlns:a16="http://schemas.microsoft.com/office/drawing/2014/main" id="{64AABF60-40CA-4BE7-A249-D848091A3DA1}"/>
-              </a:ext>
-            </a:extLst>
-          </p:cNvPr>
-          <p:cNvSpPr txBox="1"/>
-          <p:nvPr/>
-        </p:nvSpPr>
-        <p:spPr>
-          <a:xfrm>
-            <a:off x="3942433" y="4115708"/>
-            <a:ext cx="393056" cy="584775"/>
-          </a:xfrm>
-          <a:prstGeom prst="rect">
-            <a:avLst/>
-          </a:prstGeom>
-          <a:noFill/>
-        </p:spPr>
-        <p:txBody>
-          <a:bodyPr wrap="none" rtlCol="0">
-            <a:spAutoFit/>
-          </a:bodyPr>
-          <a:lstStyle/>
-          <a:p>
-            <a:r>
-              <a:rPr lang="pt-BR" sz="3200" dirty="0">
-                <a:solidFill>
-                  <a:schemeClr val="bg1">
-                    <a:lumMod val="95000"/>
-                    <a:lumOff val="5000"/>
-                  </a:schemeClr>
-                </a:solidFill>
-              </a:rPr>
-              <a:t>3</a:t>
-            </a:r>
-          </a:p>
-        </p:txBody>
-      </p:sp>
-      <p:sp>
-        <p:nvSpPr>
-          <p:cNvPr id="35" name="CaixaDeTexto 34">
-            <a:extLst>
-              <a:ext uri="{FF2B5EF4-FFF2-40B4-BE49-F238E27FC236}">
-                <a16:creationId xmlns:a16="http://schemas.microsoft.com/office/drawing/2014/main" id="{728BAF09-477E-496C-9FF3-A45F5C1D0058}"/>
-              </a:ext>
-            </a:extLst>
-          </p:cNvPr>
-          <p:cNvSpPr txBox="1"/>
-          <p:nvPr/>
-        </p:nvSpPr>
-        <p:spPr>
-          <a:xfrm>
-            <a:off x="2614175" y="4115707"/>
-            <a:ext cx="393056" cy="584775"/>
-          </a:xfrm>
-          <a:prstGeom prst="rect">
-            <a:avLst/>
-          </a:prstGeom>
-          <a:noFill/>
-        </p:spPr>
-        <p:txBody>
-          <a:bodyPr wrap="none" rtlCol="0">
-            <a:spAutoFit/>
-          </a:bodyPr>
-          <a:lstStyle/>
-          <a:p>
-            <a:r>
-              <a:rPr lang="pt-BR" sz="3200" dirty="0">
-                <a:solidFill>
-                  <a:schemeClr val="bg1">
-                    <a:lumMod val="95000"/>
-                    <a:lumOff val="5000"/>
-                  </a:schemeClr>
-                </a:solidFill>
-              </a:rPr>
-              <a:t>2</a:t>
-            </a:r>
-          </a:p>
-        </p:txBody>
-      </p:sp>
-      <p:sp>
-        <p:nvSpPr>
           <p:cNvPr id="40" name="Título 1">
             <a:extLst>
               <a:ext uri="{FF2B5EF4-FFF2-40B4-BE49-F238E27FC236}">
@@ -8265,6 +9348,132 @@
           </a:p>
         </p:txBody>
       </p:sp>
+      <p:sp>
+        <p:nvSpPr>
+          <p:cNvPr id="30" name="CaixaDeTexto 29">
+            <a:extLst>
+              <a:ext uri="{FF2B5EF4-FFF2-40B4-BE49-F238E27FC236}">
+                <a16:creationId xmlns:a16="http://schemas.microsoft.com/office/drawing/2014/main" id="{8F764D65-9911-48D7-B153-21D05D9AEA44}"/>
+              </a:ext>
+            </a:extLst>
+          </p:cNvPr>
+          <p:cNvSpPr txBox="1"/>
+          <p:nvPr/>
+        </p:nvSpPr>
+        <p:spPr>
+          <a:xfrm>
+            <a:off x="1259312" y="4115708"/>
+            <a:ext cx="393056" cy="584775"/>
+          </a:xfrm>
+          <a:prstGeom prst="rect">
+            <a:avLst/>
+          </a:prstGeom>
+          <a:noFill/>
+        </p:spPr>
+        <p:txBody>
+          <a:bodyPr wrap="none" rtlCol="0">
+            <a:spAutoFit/>
+          </a:bodyPr>
+          <a:lstStyle/>
+          <a:p>
+            <a:r>
+              <a:rPr lang="pt-BR" sz="3200" dirty="0">
+                <a:solidFill>
+                  <a:schemeClr val="bg1">
+                    <a:lumMod val="95000"/>
+                    <a:lumOff val="5000"/>
+                  </a:schemeClr>
+                </a:solidFill>
+              </a:rPr>
+              <a:t>1</a:t>
+            </a:r>
+          </a:p>
+        </p:txBody>
+      </p:sp>
+      <p:sp>
+        <p:nvSpPr>
+          <p:cNvPr id="35" name="CaixaDeTexto 34">
+            <a:extLst>
+              <a:ext uri="{FF2B5EF4-FFF2-40B4-BE49-F238E27FC236}">
+                <a16:creationId xmlns:a16="http://schemas.microsoft.com/office/drawing/2014/main" id="{728BAF09-477E-496C-9FF3-A45F5C1D0058}"/>
+              </a:ext>
+            </a:extLst>
+          </p:cNvPr>
+          <p:cNvSpPr txBox="1"/>
+          <p:nvPr/>
+        </p:nvSpPr>
+        <p:spPr>
+          <a:xfrm>
+            <a:off x="2614175" y="4115707"/>
+            <a:ext cx="393056" cy="584775"/>
+          </a:xfrm>
+          <a:prstGeom prst="rect">
+            <a:avLst/>
+          </a:prstGeom>
+          <a:noFill/>
+        </p:spPr>
+        <p:txBody>
+          <a:bodyPr wrap="none" rtlCol="0">
+            <a:spAutoFit/>
+          </a:bodyPr>
+          <a:lstStyle/>
+          <a:p>
+            <a:r>
+              <a:rPr lang="pt-BR" sz="3200" dirty="0">
+                <a:solidFill>
+                  <a:schemeClr val="bg1">
+                    <a:lumMod val="95000"/>
+                    <a:lumOff val="5000"/>
+                  </a:schemeClr>
+                </a:solidFill>
+              </a:rPr>
+              <a:t>2</a:t>
+            </a:r>
+          </a:p>
+        </p:txBody>
+      </p:sp>
+      <p:sp>
+        <p:nvSpPr>
+          <p:cNvPr id="34" name="CaixaDeTexto 33">
+            <a:extLst>
+              <a:ext uri="{FF2B5EF4-FFF2-40B4-BE49-F238E27FC236}">
+                <a16:creationId xmlns:a16="http://schemas.microsoft.com/office/drawing/2014/main" id="{64AABF60-40CA-4BE7-A249-D848091A3DA1}"/>
+              </a:ext>
+            </a:extLst>
+          </p:cNvPr>
+          <p:cNvSpPr txBox="1"/>
+          <p:nvPr/>
+        </p:nvSpPr>
+        <p:spPr>
+          <a:xfrm>
+            <a:off x="3942433" y="4115708"/>
+            <a:ext cx="393056" cy="584775"/>
+          </a:xfrm>
+          <a:prstGeom prst="rect">
+            <a:avLst/>
+          </a:prstGeom>
+          <a:noFill/>
+        </p:spPr>
+        <p:txBody>
+          <a:bodyPr wrap="none" rtlCol="0">
+            <a:spAutoFit/>
+          </a:bodyPr>
+          <a:lstStyle/>
+          <a:p>
+            <a:r>
+              <a:rPr lang="pt-BR" sz="3200" dirty="0">
+                <a:solidFill>
+                  <a:schemeClr val="bg1">
+                    <a:lumMod val="95000"/>
+                    <a:lumOff val="5000"/>
+                  </a:schemeClr>
+                </a:solidFill>
+              </a:rPr>
+              <a:t>3</a:t>
+            </a:r>
+          </a:p>
+        </p:txBody>
+      </p:sp>
     </p:spTree>
     <p:extLst>
       <p:ext uri="{BB962C8B-B14F-4D97-AF65-F5344CB8AC3E}">
@@ -8275,6 +9484,18 @@
   <p:clrMapOvr>
     <a:masterClrMapping/>
   </p:clrMapOvr>
+  <mc:AlternateContent xmlns:mc="http://schemas.openxmlformats.org/markup-compatibility/2006">
+    <mc:Choice xmlns:p14="http://schemas.microsoft.com/office/powerpoint/2010/main" Requires="p14">
+      <p:transition spd="med" p14:dur="700">
+        <p:fade/>
+      </p:transition>
+    </mc:Choice>
+    <mc:Fallback>
+      <p:transition spd="med">
+        <p:fade/>
+      </p:transition>
+    </mc:Fallback>
+  </mc:AlternateContent>
   <p:timing>
     <p:tnLst>
       <p:par>
@@ -8303,7 +9524,7 @@
                                   <p:childTnLst>
                                     <p:animMotion origin="layout" path="M -1.04167E-6 -4.07407E-6 L 0.21979 -0.21597 " pathEditMode="relative" rAng="0" ptsTypes="AA">
                                       <p:cBhvr>
-                                        <p:cTn id="6" dur="2000" fill="hold"/>
+                                        <p:cTn id="6" dur="1000" fill="hold"/>
                                         <p:tgtEl>
                                           <p:spTgt spid="30"/>
                                         </p:tgtEl>
@@ -8343,7 +9564,7 @@
                                   <p:childTnLst>
                                     <p:animMotion origin="layout" path="M 1.25E-6 -4.07407E-6 L -0.00039 -0.21643 " pathEditMode="relative" rAng="0" ptsTypes="AA">
                                       <p:cBhvr>
-                                        <p:cTn id="10" dur="2000" fill="hold"/>
+                                        <p:cTn id="10" dur="1000" fill="hold"/>
                                         <p:tgtEl>
                                           <p:spTgt spid="35"/>
                                         </p:tgtEl>
@@ -8383,7 +9604,7 @@
                                   <p:childTnLst>
                                     <p:animMotion origin="layout" path="M -3.125E-6 -4.07407E-6 L 0.21784 -0.21458 " pathEditMode="relative" rAng="0" ptsTypes="AA">
                                       <p:cBhvr>
-                                        <p:cTn id="14" dur="2000" fill="hold"/>
+                                        <p:cTn id="14" dur="1000" fill="hold"/>
                                         <p:tgtEl>
                                           <p:spTgt spid="34"/>
                                         </p:tgtEl>
@@ -8426,8 +9647,8 @@
     </p:tnLst>
     <p:bldLst>
       <p:bldP spid="30" grpId="0"/>
+      <p:bldP spid="35" grpId="0"/>
       <p:bldP spid="34" grpId="0"/>
-      <p:bldP spid="35" grpId="0"/>
     </p:bldLst>
   </p:timing>
 </p:sld>
@@ -8540,132 +9761,6 @@
       </p:sp>
       <p:sp>
         <p:nvSpPr>
-          <p:cNvPr id="30" name="CaixaDeTexto 29">
-            <a:extLst>
-              <a:ext uri="{FF2B5EF4-FFF2-40B4-BE49-F238E27FC236}">
-                <a16:creationId xmlns:a16="http://schemas.microsoft.com/office/drawing/2014/main" id="{8F764D65-9911-48D7-B153-21D05D9AEA44}"/>
-              </a:ext>
-            </a:extLst>
-          </p:cNvPr>
-          <p:cNvSpPr txBox="1"/>
-          <p:nvPr/>
-        </p:nvSpPr>
-        <p:spPr>
-          <a:xfrm>
-            <a:off x="1259312" y="4115708"/>
-            <a:ext cx="393056" cy="584775"/>
-          </a:xfrm>
-          <a:prstGeom prst="rect">
-            <a:avLst/>
-          </a:prstGeom>
-          <a:noFill/>
-        </p:spPr>
-        <p:txBody>
-          <a:bodyPr wrap="none" rtlCol="0">
-            <a:spAutoFit/>
-          </a:bodyPr>
-          <a:lstStyle/>
-          <a:p>
-            <a:r>
-              <a:rPr lang="pt-BR" sz="3200" dirty="0">
-                <a:solidFill>
-                  <a:schemeClr val="bg1">
-                    <a:lumMod val="95000"/>
-                    <a:lumOff val="5000"/>
-                  </a:schemeClr>
-                </a:solidFill>
-              </a:rPr>
-              <a:t>1</a:t>
-            </a:r>
-          </a:p>
-        </p:txBody>
-      </p:sp>
-      <p:sp>
-        <p:nvSpPr>
-          <p:cNvPr id="34" name="CaixaDeTexto 33">
-            <a:extLst>
-              <a:ext uri="{FF2B5EF4-FFF2-40B4-BE49-F238E27FC236}">
-                <a16:creationId xmlns:a16="http://schemas.microsoft.com/office/drawing/2014/main" id="{64AABF60-40CA-4BE7-A249-D848091A3DA1}"/>
-              </a:ext>
-            </a:extLst>
-          </p:cNvPr>
-          <p:cNvSpPr txBox="1"/>
-          <p:nvPr/>
-        </p:nvSpPr>
-        <p:spPr>
-          <a:xfrm>
-            <a:off x="3942433" y="4115708"/>
-            <a:ext cx="393056" cy="584775"/>
-          </a:xfrm>
-          <a:prstGeom prst="rect">
-            <a:avLst/>
-          </a:prstGeom>
-          <a:noFill/>
-        </p:spPr>
-        <p:txBody>
-          <a:bodyPr wrap="none" rtlCol="0">
-            <a:spAutoFit/>
-          </a:bodyPr>
-          <a:lstStyle/>
-          <a:p>
-            <a:r>
-              <a:rPr lang="pt-BR" sz="3200" dirty="0">
-                <a:solidFill>
-                  <a:schemeClr val="bg1">
-                    <a:lumMod val="95000"/>
-                    <a:lumOff val="5000"/>
-                  </a:schemeClr>
-                </a:solidFill>
-              </a:rPr>
-              <a:t>3</a:t>
-            </a:r>
-          </a:p>
-        </p:txBody>
-      </p:sp>
-      <p:sp>
-        <p:nvSpPr>
-          <p:cNvPr id="35" name="CaixaDeTexto 34">
-            <a:extLst>
-              <a:ext uri="{FF2B5EF4-FFF2-40B4-BE49-F238E27FC236}">
-                <a16:creationId xmlns:a16="http://schemas.microsoft.com/office/drawing/2014/main" id="{728BAF09-477E-496C-9FF3-A45F5C1D0058}"/>
-              </a:ext>
-            </a:extLst>
-          </p:cNvPr>
-          <p:cNvSpPr txBox="1"/>
-          <p:nvPr/>
-        </p:nvSpPr>
-        <p:spPr>
-          <a:xfrm>
-            <a:off x="2614175" y="4115707"/>
-            <a:ext cx="393056" cy="584775"/>
-          </a:xfrm>
-          <a:prstGeom prst="rect">
-            <a:avLst/>
-          </a:prstGeom>
-          <a:noFill/>
-        </p:spPr>
-        <p:txBody>
-          <a:bodyPr wrap="none" rtlCol="0">
-            <a:spAutoFit/>
-          </a:bodyPr>
-          <a:lstStyle/>
-          <a:p>
-            <a:r>
-              <a:rPr lang="pt-BR" sz="3200" dirty="0">
-                <a:solidFill>
-                  <a:schemeClr val="bg1">
-                    <a:lumMod val="95000"/>
-                    <a:lumOff val="5000"/>
-                  </a:schemeClr>
-                </a:solidFill>
-              </a:rPr>
-              <a:t>2</a:t>
-            </a:r>
-          </a:p>
-        </p:txBody>
-      </p:sp>
-      <p:sp>
-        <p:nvSpPr>
           <p:cNvPr id="40" name="Título 1">
             <a:extLst>
               <a:ext uri="{FF2B5EF4-FFF2-40B4-BE49-F238E27FC236}">
@@ -8919,6 +10014,132 @@
           </a:p>
         </p:txBody>
       </p:sp>
+      <p:sp>
+        <p:nvSpPr>
+          <p:cNvPr id="30" name="CaixaDeTexto 29">
+            <a:extLst>
+              <a:ext uri="{FF2B5EF4-FFF2-40B4-BE49-F238E27FC236}">
+                <a16:creationId xmlns:a16="http://schemas.microsoft.com/office/drawing/2014/main" id="{8F764D65-9911-48D7-B153-21D05D9AEA44}"/>
+              </a:ext>
+            </a:extLst>
+          </p:cNvPr>
+          <p:cNvSpPr txBox="1"/>
+          <p:nvPr/>
+        </p:nvSpPr>
+        <p:spPr>
+          <a:xfrm>
+            <a:off x="1259312" y="4115708"/>
+            <a:ext cx="393056" cy="584775"/>
+          </a:xfrm>
+          <a:prstGeom prst="rect">
+            <a:avLst/>
+          </a:prstGeom>
+          <a:noFill/>
+        </p:spPr>
+        <p:txBody>
+          <a:bodyPr wrap="none" rtlCol="0">
+            <a:spAutoFit/>
+          </a:bodyPr>
+          <a:lstStyle/>
+          <a:p>
+            <a:r>
+              <a:rPr lang="pt-BR" sz="3200" dirty="0">
+                <a:solidFill>
+                  <a:schemeClr val="bg1">
+                    <a:lumMod val="95000"/>
+                    <a:lumOff val="5000"/>
+                  </a:schemeClr>
+                </a:solidFill>
+              </a:rPr>
+              <a:t>1</a:t>
+            </a:r>
+          </a:p>
+        </p:txBody>
+      </p:sp>
+      <p:sp>
+        <p:nvSpPr>
+          <p:cNvPr id="35" name="CaixaDeTexto 34">
+            <a:extLst>
+              <a:ext uri="{FF2B5EF4-FFF2-40B4-BE49-F238E27FC236}">
+                <a16:creationId xmlns:a16="http://schemas.microsoft.com/office/drawing/2014/main" id="{728BAF09-477E-496C-9FF3-A45F5C1D0058}"/>
+              </a:ext>
+            </a:extLst>
+          </p:cNvPr>
+          <p:cNvSpPr txBox="1"/>
+          <p:nvPr/>
+        </p:nvSpPr>
+        <p:spPr>
+          <a:xfrm>
+            <a:off x="2614175" y="4115707"/>
+            <a:ext cx="393056" cy="584775"/>
+          </a:xfrm>
+          <a:prstGeom prst="rect">
+            <a:avLst/>
+          </a:prstGeom>
+          <a:noFill/>
+        </p:spPr>
+        <p:txBody>
+          <a:bodyPr wrap="none" rtlCol="0">
+            <a:spAutoFit/>
+          </a:bodyPr>
+          <a:lstStyle/>
+          <a:p>
+            <a:r>
+              <a:rPr lang="pt-BR" sz="3200" dirty="0">
+                <a:solidFill>
+                  <a:schemeClr val="bg1">
+                    <a:lumMod val="95000"/>
+                    <a:lumOff val="5000"/>
+                  </a:schemeClr>
+                </a:solidFill>
+              </a:rPr>
+              <a:t>2</a:t>
+            </a:r>
+          </a:p>
+        </p:txBody>
+      </p:sp>
+      <p:sp>
+        <p:nvSpPr>
+          <p:cNvPr id="34" name="CaixaDeTexto 33">
+            <a:extLst>
+              <a:ext uri="{FF2B5EF4-FFF2-40B4-BE49-F238E27FC236}">
+                <a16:creationId xmlns:a16="http://schemas.microsoft.com/office/drawing/2014/main" id="{64AABF60-40CA-4BE7-A249-D848091A3DA1}"/>
+              </a:ext>
+            </a:extLst>
+          </p:cNvPr>
+          <p:cNvSpPr txBox="1"/>
+          <p:nvPr/>
+        </p:nvSpPr>
+        <p:spPr>
+          <a:xfrm>
+            <a:off x="3942433" y="4115708"/>
+            <a:ext cx="393056" cy="584775"/>
+          </a:xfrm>
+          <a:prstGeom prst="rect">
+            <a:avLst/>
+          </a:prstGeom>
+          <a:noFill/>
+        </p:spPr>
+        <p:txBody>
+          <a:bodyPr wrap="none" rtlCol="0">
+            <a:spAutoFit/>
+          </a:bodyPr>
+          <a:lstStyle/>
+          <a:p>
+            <a:r>
+              <a:rPr lang="pt-BR" sz="3200" dirty="0">
+                <a:solidFill>
+                  <a:schemeClr val="bg1">
+                    <a:lumMod val="95000"/>
+                    <a:lumOff val="5000"/>
+                  </a:schemeClr>
+                </a:solidFill>
+              </a:rPr>
+              <a:t>3</a:t>
+            </a:r>
+          </a:p>
+        </p:txBody>
+      </p:sp>
     </p:spTree>
     <p:extLst>
       <p:ext uri="{BB962C8B-B14F-4D97-AF65-F5344CB8AC3E}">
@@ -8929,6 +10150,18 @@
   <p:clrMapOvr>
     <a:masterClrMapping/>
   </p:clrMapOvr>
+  <mc:AlternateContent xmlns:mc="http://schemas.openxmlformats.org/markup-compatibility/2006">
+    <mc:Choice xmlns:p14="http://schemas.microsoft.com/office/powerpoint/2010/main" Requires="p14">
+      <p:transition spd="med" p14:dur="700">
+        <p:fade/>
+      </p:transition>
+    </mc:Choice>
+    <mc:Fallback>
+      <p:transition spd="med">
+        <p:fade/>
+      </p:transition>
+    </mc:Fallback>
+  </mc:AlternateContent>
   <p:timing>
     <p:tnLst>
       <p:par>
@@ -8957,7 +10190,7 @@
                                   <p:childTnLst>
                                     <p:animMotion origin="layout" path="M -1.04167E-6 -4.07407E-6 L 0.00169 -0.21713 " pathEditMode="relative" rAng="0" ptsTypes="AA">
                                       <p:cBhvr>
-                                        <p:cTn id="6" dur="2000" fill="hold"/>
+                                        <p:cTn id="6" dur="1000" fill="hold"/>
                                         <p:tgtEl>
                                           <p:spTgt spid="30"/>
                                         </p:tgtEl>
@@ -8997,7 +10230,7 @@
                                   <p:childTnLst>
                                     <p:animMotion origin="layout" path="M 1.25E-6 -4.07407E-6 L -0.00039 -0.21643 " pathEditMode="relative" rAng="0" ptsTypes="AA">
                                       <p:cBhvr>
-                                        <p:cTn id="10" dur="2000" fill="hold"/>
+                                        <p:cTn id="10" dur="1000" fill="hold"/>
                                         <p:tgtEl>
                                           <p:spTgt spid="35"/>
                                         </p:tgtEl>
@@ -9037,7 +10270,7 @@
                                   <p:childTnLst>
                                     <p:animMotion origin="layout" path="M 0.00065 -4.07407E-6 L 0.00039 -0.21597 " pathEditMode="relative" rAng="0" ptsTypes="AA">
                                       <p:cBhvr>
-                                        <p:cTn id="14" dur="2000" fill="hold"/>
+                                        <p:cTn id="14" dur="1000" fill="hold"/>
                                         <p:tgtEl>
                                           <p:spTgt spid="34"/>
                                         </p:tgtEl>
@@ -9080,8 +10313,8 @@
     </p:tnLst>
     <p:bldLst>
       <p:bldP spid="30" grpId="0"/>
+      <p:bldP spid="35" grpId="0"/>
       <p:bldP spid="34" grpId="0"/>
-      <p:bldP spid="35" grpId="0"/>
     </p:bldLst>
   </p:timing>
 </p:sld>
@@ -9199,10 +10432,1006 @@
   <p:clrMapOvr>
     <a:masterClrMapping/>
   </p:clrMapOvr>
+  <mc:AlternateContent xmlns:mc="http://schemas.openxmlformats.org/markup-compatibility/2006">
+    <mc:Choice xmlns:p14="http://schemas.microsoft.com/office/powerpoint/2010/main" Requires="p14">
+      <p:transition spd="med" p14:dur="700">
+        <p:fade/>
+      </p:transition>
+    </mc:Choice>
+    <mc:Fallback>
+      <p:transition spd="med">
+        <p:fade/>
+      </p:transition>
+    </mc:Fallback>
+  </mc:AlternateContent>
+  <p:timing>
+    <p:tnLst>
+      <p:par>
+        <p:cTn id="1" dur="indefinite" restart="never" nodeType="tmRoot">
+          <p:childTnLst>
+            <p:seq concurrent="1" nextAc="seek">
+              <p:cTn id="2" dur="indefinite" nodeType="mainSeq">
+                <p:childTnLst>
+                  <p:par>
+                    <p:cTn id="3" fill="hold">
+                      <p:stCondLst>
+                        <p:cond delay="indefinite"/>
+                      </p:stCondLst>
+                      <p:childTnLst>
+                        <p:par>
+                          <p:cTn id="4" fill="hold">
+                            <p:stCondLst>
+                              <p:cond delay="0"/>
+                            </p:stCondLst>
+                            <p:childTnLst>
+                              <p:par>
+                                <p:cTn id="5" presetID="22" presetClass="entr" presetSubtype="4" fill="hold" grpId="0" nodeType="clickEffect">
+                                  <p:stCondLst>
+                                    <p:cond delay="0"/>
+                                  </p:stCondLst>
+                                  <p:childTnLst>
+                                    <p:set>
+                                      <p:cBhvr>
+                                        <p:cTn id="6" dur="1" fill="hold">
+                                          <p:stCondLst>
+                                            <p:cond delay="0"/>
+                                          </p:stCondLst>
+                                        </p:cTn>
+                                        <p:tgtEl>
+                                          <p:spTgt spid="3">
+                                            <p:txEl>
+                                              <p:pRg st="0" end="0"/>
+                                            </p:txEl>
+                                          </p:spTgt>
+                                        </p:tgtEl>
+                                        <p:attrNameLst>
+                                          <p:attrName>style.visibility</p:attrName>
+                                        </p:attrNameLst>
+                                      </p:cBhvr>
+                                      <p:to>
+                                        <p:strVal val="visible"/>
+                                      </p:to>
+                                    </p:set>
+                                    <p:animEffect transition="in" filter="wipe(down)">
+                                      <p:cBhvr>
+                                        <p:cTn id="7" dur="500"/>
+                                        <p:tgtEl>
+                                          <p:spTgt spid="3">
+                                            <p:txEl>
+                                              <p:pRg st="0" end="0"/>
+                                            </p:txEl>
+                                          </p:spTgt>
+                                        </p:tgtEl>
+                                      </p:cBhvr>
+                                    </p:animEffect>
+                                  </p:childTnLst>
+                                </p:cTn>
+                              </p:par>
+                            </p:childTnLst>
+                          </p:cTn>
+                        </p:par>
+                      </p:childTnLst>
+                    </p:cTn>
+                  </p:par>
+                  <p:par>
+                    <p:cTn id="8" fill="hold">
+                      <p:stCondLst>
+                        <p:cond delay="indefinite"/>
+                      </p:stCondLst>
+                      <p:childTnLst>
+                        <p:par>
+                          <p:cTn id="9" fill="hold">
+                            <p:stCondLst>
+                              <p:cond delay="0"/>
+                            </p:stCondLst>
+                            <p:childTnLst>
+                              <p:par>
+                                <p:cTn id="10" presetID="22" presetClass="entr" presetSubtype="4" fill="hold" grpId="0" nodeType="clickEffect">
+                                  <p:stCondLst>
+                                    <p:cond delay="0"/>
+                                  </p:stCondLst>
+                                  <p:childTnLst>
+                                    <p:set>
+                                      <p:cBhvr>
+                                        <p:cTn id="11" dur="1" fill="hold">
+                                          <p:stCondLst>
+                                            <p:cond delay="0"/>
+                                          </p:stCondLst>
+                                        </p:cTn>
+                                        <p:tgtEl>
+                                          <p:spTgt spid="3">
+                                            <p:txEl>
+                                              <p:pRg st="1" end="1"/>
+                                            </p:txEl>
+                                          </p:spTgt>
+                                        </p:tgtEl>
+                                        <p:attrNameLst>
+                                          <p:attrName>style.visibility</p:attrName>
+                                        </p:attrNameLst>
+                                      </p:cBhvr>
+                                      <p:to>
+                                        <p:strVal val="visible"/>
+                                      </p:to>
+                                    </p:set>
+                                    <p:animEffect transition="in" filter="wipe(down)">
+                                      <p:cBhvr>
+                                        <p:cTn id="12" dur="500"/>
+                                        <p:tgtEl>
+                                          <p:spTgt spid="3">
+                                            <p:txEl>
+                                              <p:pRg st="1" end="1"/>
+                                            </p:txEl>
+                                          </p:spTgt>
+                                        </p:tgtEl>
+                                      </p:cBhvr>
+                                    </p:animEffect>
+                                  </p:childTnLst>
+                                </p:cTn>
+                              </p:par>
+                            </p:childTnLst>
+                          </p:cTn>
+                        </p:par>
+                      </p:childTnLst>
+                    </p:cTn>
+                  </p:par>
+                  <p:par>
+                    <p:cTn id="13" fill="hold">
+                      <p:stCondLst>
+                        <p:cond delay="indefinite"/>
+                      </p:stCondLst>
+                      <p:childTnLst>
+                        <p:par>
+                          <p:cTn id="14" fill="hold">
+                            <p:stCondLst>
+                              <p:cond delay="0"/>
+                            </p:stCondLst>
+                            <p:childTnLst>
+                              <p:par>
+                                <p:cTn id="15" presetID="22" presetClass="entr" presetSubtype="4" fill="hold" grpId="0" nodeType="clickEffect">
+                                  <p:stCondLst>
+                                    <p:cond delay="0"/>
+                                  </p:stCondLst>
+                                  <p:childTnLst>
+                                    <p:set>
+                                      <p:cBhvr>
+                                        <p:cTn id="16" dur="1" fill="hold">
+                                          <p:stCondLst>
+                                            <p:cond delay="0"/>
+                                          </p:stCondLst>
+                                        </p:cTn>
+                                        <p:tgtEl>
+                                          <p:spTgt spid="3">
+                                            <p:txEl>
+                                              <p:pRg st="2" end="2"/>
+                                            </p:txEl>
+                                          </p:spTgt>
+                                        </p:tgtEl>
+                                        <p:attrNameLst>
+                                          <p:attrName>style.visibility</p:attrName>
+                                        </p:attrNameLst>
+                                      </p:cBhvr>
+                                      <p:to>
+                                        <p:strVal val="visible"/>
+                                      </p:to>
+                                    </p:set>
+                                    <p:animEffect transition="in" filter="wipe(down)">
+                                      <p:cBhvr>
+                                        <p:cTn id="17" dur="500"/>
+                                        <p:tgtEl>
+                                          <p:spTgt spid="3">
+                                            <p:txEl>
+                                              <p:pRg st="2" end="2"/>
+                                            </p:txEl>
+                                          </p:spTgt>
+                                        </p:tgtEl>
+                                      </p:cBhvr>
+                                    </p:animEffect>
+                                  </p:childTnLst>
+                                </p:cTn>
+                              </p:par>
+                            </p:childTnLst>
+                          </p:cTn>
+                        </p:par>
+                      </p:childTnLst>
+                    </p:cTn>
+                  </p:par>
+                  <p:par>
+                    <p:cTn id="18" fill="hold">
+                      <p:stCondLst>
+                        <p:cond delay="indefinite"/>
+                      </p:stCondLst>
+                      <p:childTnLst>
+                        <p:par>
+                          <p:cTn id="19" fill="hold">
+                            <p:stCondLst>
+                              <p:cond delay="0"/>
+                            </p:stCondLst>
+                            <p:childTnLst>
+                              <p:par>
+                                <p:cTn id="20" presetID="22" presetClass="entr" presetSubtype="4" fill="hold" grpId="0" nodeType="clickEffect">
+                                  <p:stCondLst>
+                                    <p:cond delay="0"/>
+                                  </p:stCondLst>
+                                  <p:childTnLst>
+                                    <p:set>
+                                      <p:cBhvr>
+                                        <p:cTn id="21" dur="1" fill="hold">
+                                          <p:stCondLst>
+                                            <p:cond delay="0"/>
+                                          </p:stCondLst>
+                                        </p:cTn>
+                                        <p:tgtEl>
+                                          <p:spTgt spid="3">
+                                            <p:txEl>
+                                              <p:pRg st="3" end="3"/>
+                                            </p:txEl>
+                                          </p:spTgt>
+                                        </p:tgtEl>
+                                        <p:attrNameLst>
+                                          <p:attrName>style.visibility</p:attrName>
+                                        </p:attrNameLst>
+                                      </p:cBhvr>
+                                      <p:to>
+                                        <p:strVal val="visible"/>
+                                      </p:to>
+                                    </p:set>
+                                    <p:animEffect transition="in" filter="wipe(down)">
+                                      <p:cBhvr>
+                                        <p:cTn id="22" dur="500"/>
+                                        <p:tgtEl>
+                                          <p:spTgt spid="3">
+                                            <p:txEl>
+                                              <p:pRg st="3" end="3"/>
+                                            </p:txEl>
+                                          </p:spTgt>
+                                        </p:tgtEl>
+                                      </p:cBhvr>
+                                    </p:animEffect>
+                                  </p:childTnLst>
+                                </p:cTn>
+                              </p:par>
+                            </p:childTnLst>
+                          </p:cTn>
+                        </p:par>
+                      </p:childTnLst>
+                    </p:cTn>
+                  </p:par>
+                </p:childTnLst>
+              </p:cTn>
+              <p:prevCondLst>
+                <p:cond evt="onPrev" delay="0">
+                  <p:tgtEl>
+                    <p:sldTgt/>
+                  </p:tgtEl>
+                </p:cond>
+              </p:prevCondLst>
+              <p:nextCondLst>
+                <p:cond evt="onNext" delay="0">
+                  <p:tgtEl>
+                    <p:sldTgt/>
+                  </p:tgtEl>
+                </p:cond>
+              </p:nextCondLst>
+            </p:seq>
+          </p:childTnLst>
+        </p:cTn>
+      </p:par>
+    </p:tnLst>
+    <p:bldLst>
+      <p:bldP spid="3" grpId="0" build="p"/>
+    </p:bldLst>
+  </p:timing>
 </p:sld>
 </file>
 
 <file path=ppt/slides/slide8.xml><?xml version="1.0" encoding="utf-8"?>
+<p:sld xmlns:a="http://schemas.openxmlformats.org/drawingml/2006/main" xmlns:r="http://schemas.openxmlformats.org/officeDocument/2006/relationships" xmlns:p="http://schemas.openxmlformats.org/presentationml/2006/main">
+  <p:cSld>
+    <p:spTree>
+      <p:nvGrpSpPr>
+        <p:cNvPr id="1" name=""/>
+        <p:cNvGrpSpPr/>
+        <p:nvPr/>
+      </p:nvGrpSpPr>
+      <p:grpSpPr>
+        <a:xfrm>
+          <a:off x="0" y="0"/>
+          <a:ext cx="0" cy="0"/>
+          <a:chOff x="0" y="0"/>
+          <a:chExt cx="0" cy="0"/>
+        </a:xfrm>
+      </p:grpSpPr>
+      <p:sp>
+        <p:nvSpPr>
+          <p:cNvPr id="11" name="CaixaDeTexto 10">
+            <a:extLst>
+              <a:ext uri="{FF2B5EF4-FFF2-40B4-BE49-F238E27FC236}">
+                <a16:creationId xmlns:a16="http://schemas.microsoft.com/office/drawing/2014/main" id="{B7951EF6-CF3B-4FE7-B762-2A6074370D3F}"/>
+              </a:ext>
+            </a:extLst>
+          </p:cNvPr>
+          <p:cNvSpPr txBox="1"/>
+          <p:nvPr/>
+        </p:nvSpPr>
+        <p:spPr>
+          <a:xfrm>
+            <a:off x="6895247" y="2425705"/>
+            <a:ext cx="567784" cy="369332"/>
+          </a:xfrm>
+          <a:prstGeom prst="rect">
+            <a:avLst/>
+          </a:prstGeom>
+          <a:noFill/>
+        </p:spPr>
+        <p:txBody>
+          <a:bodyPr wrap="none" rtlCol="0">
+            <a:spAutoFit/>
+          </a:bodyPr>
+          <a:lstStyle/>
+          <a:p>
+            <a:r>
+              <a:rPr lang="pt-BR" dirty="0" err="1"/>
+              <a:t>lib.c</a:t>
+            </a:r>
+            <a:endParaRPr lang="pt-BR" dirty="0"/>
+          </a:p>
+        </p:txBody>
+      </p:sp>
+      <p:sp>
+        <p:nvSpPr>
+          <p:cNvPr id="9" name="CaixaDeTexto 8">
+            <a:extLst>
+              <a:ext uri="{FF2B5EF4-FFF2-40B4-BE49-F238E27FC236}">
+                <a16:creationId xmlns:a16="http://schemas.microsoft.com/office/drawing/2014/main" id="{A4DF06A4-5715-4B28-8A64-6BB186AE799D}"/>
+              </a:ext>
+            </a:extLst>
+          </p:cNvPr>
+          <p:cNvSpPr txBox="1"/>
+          <p:nvPr/>
+        </p:nvSpPr>
+        <p:spPr>
+          <a:xfrm>
+            <a:off x="685801" y="2723754"/>
+            <a:ext cx="794256" cy="369332"/>
+          </a:xfrm>
+          <a:prstGeom prst="rect">
+            <a:avLst/>
+          </a:prstGeom>
+          <a:noFill/>
+        </p:spPr>
+        <p:txBody>
+          <a:bodyPr wrap="none" rtlCol="0">
+            <a:spAutoFit/>
+          </a:bodyPr>
+          <a:lstStyle/>
+          <a:p>
+            <a:r>
+              <a:rPr lang="pt-BR" dirty="0" err="1"/>
+              <a:t>lib.pyx</a:t>
+            </a:r>
+            <a:endParaRPr lang="pt-BR" dirty="0"/>
+          </a:p>
+        </p:txBody>
+      </p:sp>
+      <p:sp>
+        <p:nvSpPr>
+          <p:cNvPr id="18" name="Retângulo 17">
+            <a:extLst>
+              <a:ext uri="{FF2B5EF4-FFF2-40B4-BE49-F238E27FC236}">
+                <a16:creationId xmlns:a16="http://schemas.microsoft.com/office/drawing/2014/main" id="{71DDC74E-DDE4-429A-8C4D-27FD78A64FAF}"/>
+              </a:ext>
+            </a:extLst>
+          </p:cNvPr>
+          <p:cNvSpPr/>
+          <p:nvPr/>
+        </p:nvSpPr>
+        <p:spPr>
+          <a:xfrm>
+            <a:off x="8904536" y="2188768"/>
+            <a:ext cx="1912690" cy="924964"/>
+          </a:xfrm>
+          <a:prstGeom prst="rect">
+            <a:avLst/>
+          </a:prstGeom>
+        </p:spPr>
+        <p:style>
+          <a:lnRef idx="2">
+            <a:schemeClr val="accent4">
+              <a:shade val="50000"/>
+            </a:schemeClr>
+          </a:lnRef>
+          <a:fillRef idx="1">
+            <a:schemeClr val="accent4"/>
+          </a:fillRef>
+          <a:effectRef idx="0">
+            <a:schemeClr val="accent4"/>
+          </a:effectRef>
+          <a:fontRef idx="minor">
+            <a:schemeClr val="lt1"/>
+          </a:fontRef>
+        </p:style>
+        <p:txBody>
+          <a:bodyPr rtlCol="0" anchor="ctr"/>
+          <a:lstStyle/>
+          <a:p>
+            <a:pPr algn="ctr"/>
+            <a:endParaRPr lang="pt-BR"/>
+          </a:p>
+        </p:txBody>
+      </p:sp>
+      <p:sp>
+        <p:nvSpPr>
+          <p:cNvPr id="16" name="Retângulo 15">
+            <a:extLst>
+              <a:ext uri="{FF2B5EF4-FFF2-40B4-BE49-F238E27FC236}">
+                <a16:creationId xmlns:a16="http://schemas.microsoft.com/office/drawing/2014/main" id="{5AD0886D-2E5E-47EB-AAD6-76498AE5F089}"/>
+              </a:ext>
+            </a:extLst>
+          </p:cNvPr>
+          <p:cNvSpPr/>
+          <p:nvPr/>
+        </p:nvSpPr>
+        <p:spPr>
+          <a:xfrm>
+            <a:off x="2978989" y="2188768"/>
+            <a:ext cx="2474753" cy="924964"/>
+          </a:xfrm>
+          <a:prstGeom prst="rect">
+            <a:avLst/>
+          </a:prstGeom>
+        </p:spPr>
+        <p:style>
+          <a:lnRef idx="2">
+            <a:schemeClr val="accent4">
+              <a:shade val="50000"/>
+            </a:schemeClr>
+          </a:lnRef>
+          <a:fillRef idx="1">
+            <a:schemeClr val="accent4"/>
+          </a:fillRef>
+          <a:effectRef idx="0">
+            <a:schemeClr val="accent4"/>
+          </a:effectRef>
+          <a:fontRef idx="minor">
+            <a:schemeClr val="lt1"/>
+          </a:fontRef>
+        </p:style>
+        <p:txBody>
+          <a:bodyPr rtlCol="0" anchor="ctr"/>
+          <a:lstStyle/>
+          <a:p>
+            <a:pPr algn="ctr"/>
+            <a:endParaRPr lang="pt-BR"/>
+          </a:p>
+        </p:txBody>
+      </p:sp>
+      <p:sp>
+        <p:nvSpPr>
+          <p:cNvPr id="2" name="Título 1">
+            <a:extLst>
+              <a:ext uri="{FF2B5EF4-FFF2-40B4-BE49-F238E27FC236}">
+                <a16:creationId xmlns:a16="http://schemas.microsoft.com/office/drawing/2014/main" id="{716BA79B-0882-48B3-992D-4702396F83B1}"/>
+              </a:ext>
+            </a:extLst>
+          </p:cNvPr>
+          <p:cNvSpPr>
+            <a:spLocks noGrp="1"/>
+          </p:cNvSpPr>
+          <p:nvPr>
+            <p:ph type="title"/>
+          </p:nvPr>
+        </p:nvSpPr>
+        <p:spPr>
+          <a:xfrm>
+            <a:off x="685801" y="585271"/>
+            <a:ext cx="10131425" cy="924964"/>
+          </a:xfrm>
+        </p:spPr>
+        <p:txBody>
+          <a:bodyPr/>
+          <a:lstStyle/>
+          <a:p>
+            <a:r>
+              <a:rPr lang="pt-BR" dirty="0"/>
+              <a:t>Como o </a:t>
+            </a:r>
+            <a:r>
+              <a:rPr lang="pt-BR" dirty="0" err="1"/>
+              <a:t>cython</a:t>
+            </a:r>
+            <a:r>
+              <a:rPr lang="pt-BR" dirty="0"/>
+              <a:t> funciona</a:t>
+            </a:r>
+          </a:p>
+        </p:txBody>
+      </p:sp>
+      <p:sp>
+        <p:nvSpPr>
+          <p:cNvPr id="8" name="CaixaDeTexto 7">
+            <a:extLst>
+              <a:ext uri="{FF2B5EF4-FFF2-40B4-BE49-F238E27FC236}">
+                <a16:creationId xmlns:a16="http://schemas.microsoft.com/office/drawing/2014/main" id="{7CD7BF7D-45F5-4162-A6F4-4B0F42ECB9BA}"/>
+              </a:ext>
+            </a:extLst>
+          </p:cNvPr>
+          <p:cNvSpPr txBox="1"/>
+          <p:nvPr/>
+        </p:nvSpPr>
+        <p:spPr>
+          <a:xfrm>
+            <a:off x="685801" y="2169756"/>
+            <a:ext cx="1007840" cy="369332"/>
+          </a:xfrm>
+          <a:prstGeom prst="rect">
+            <a:avLst/>
+          </a:prstGeom>
+          <a:noFill/>
+        </p:spPr>
+        <p:txBody>
+          <a:bodyPr wrap="none" rtlCol="0">
+            <a:spAutoFit/>
+          </a:bodyPr>
+          <a:lstStyle/>
+          <a:p>
+            <a:r>
+              <a:rPr lang="pt-BR" dirty="0"/>
+              <a:t>Setup.py</a:t>
+            </a:r>
+          </a:p>
+        </p:txBody>
+      </p:sp>
+      <p:sp>
+        <p:nvSpPr>
+          <p:cNvPr id="10" name="CaixaDeTexto 9">
+            <a:extLst>
+              <a:ext uri="{FF2B5EF4-FFF2-40B4-BE49-F238E27FC236}">
+                <a16:creationId xmlns:a16="http://schemas.microsoft.com/office/drawing/2014/main" id="{988AFC0B-1C51-4398-B61B-48B98DB2EE2D}"/>
+              </a:ext>
+            </a:extLst>
+          </p:cNvPr>
+          <p:cNvSpPr txBox="1"/>
+          <p:nvPr/>
+        </p:nvSpPr>
+        <p:spPr>
+          <a:xfrm>
+            <a:off x="3216155" y="2466584"/>
+            <a:ext cx="2000419" cy="369332"/>
+          </a:xfrm>
+          <a:prstGeom prst="rect">
+            <a:avLst/>
+          </a:prstGeom>
+          <a:noFill/>
+        </p:spPr>
+        <p:txBody>
+          <a:bodyPr wrap="none" rtlCol="0">
+            <a:spAutoFit/>
+          </a:bodyPr>
+          <a:lstStyle/>
+          <a:p>
+            <a:r>
+              <a:rPr lang="pt-BR" dirty="0"/>
+              <a:t>Compilador </a:t>
+            </a:r>
+            <a:r>
+              <a:rPr lang="pt-BR" dirty="0" err="1"/>
+              <a:t>Cython</a:t>
+            </a:r>
+            <a:endParaRPr lang="pt-BR" dirty="0"/>
+          </a:p>
+        </p:txBody>
+      </p:sp>
+      <p:sp>
+        <p:nvSpPr>
+          <p:cNvPr id="12" name="CaixaDeTexto 11">
+            <a:extLst>
+              <a:ext uri="{FF2B5EF4-FFF2-40B4-BE49-F238E27FC236}">
+                <a16:creationId xmlns:a16="http://schemas.microsoft.com/office/drawing/2014/main" id="{EB857D8A-A542-484F-BC56-4789ED50BD6C}"/>
+              </a:ext>
+            </a:extLst>
+          </p:cNvPr>
+          <p:cNvSpPr txBox="1"/>
+          <p:nvPr/>
+        </p:nvSpPr>
+        <p:spPr>
+          <a:xfrm>
+            <a:off x="9134560" y="2436183"/>
+            <a:ext cx="1452642" cy="369332"/>
+          </a:xfrm>
+          <a:prstGeom prst="rect">
+            <a:avLst/>
+          </a:prstGeom>
+          <a:noFill/>
+        </p:spPr>
+        <p:txBody>
+          <a:bodyPr wrap="none" rtlCol="0">
+            <a:spAutoFit/>
+          </a:bodyPr>
+          <a:lstStyle/>
+          <a:p>
+            <a:r>
+              <a:rPr lang="pt-BR" dirty="0"/>
+              <a:t>Compilador C</a:t>
+            </a:r>
+          </a:p>
+        </p:txBody>
+      </p:sp>
+      <p:sp>
+        <p:nvSpPr>
+          <p:cNvPr id="13" name="CaixaDeTexto 12">
+            <a:extLst>
+              <a:ext uri="{FF2B5EF4-FFF2-40B4-BE49-F238E27FC236}">
+                <a16:creationId xmlns:a16="http://schemas.microsoft.com/office/drawing/2014/main" id="{8A764A45-CA7F-4C46-8D2D-D3F8E1F45AFB}"/>
+              </a:ext>
+            </a:extLst>
+          </p:cNvPr>
+          <p:cNvSpPr txBox="1"/>
+          <p:nvPr/>
+        </p:nvSpPr>
+        <p:spPr>
+          <a:xfrm>
+            <a:off x="9581631" y="4679559"/>
+            <a:ext cx="681597" cy="369332"/>
+          </a:xfrm>
+          <a:prstGeom prst="rect">
+            <a:avLst/>
+          </a:prstGeom>
+          <a:noFill/>
+        </p:spPr>
+        <p:txBody>
+          <a:bodyPr wrap="none" rtlCol="0">
+            <a:spAutoFit/>
+          </a:bodyPr>
+          <a:lstStyle/>
+          <a:p>
+            <a:r>
+              <a:rPr lang="pt-BR" dirty="0"/>
+              <a:t>lib.so</a:t>
+            </a:r>
+          </a:p>
+        </p:txBody>
+      </p:sp>
+      <p:sp>
+        <p:nvSpPr>
+          <p:cNvPr id="15" name="CaixaDeTexto 14">
+            <a:extLst>
+              <a:ext uri="{FF2B5EF4-FFF2-40B4-BE49-F238E27FC236}">
+                <a16:creationId xmlns:a16="http://schemas.microsoft.com/office/drawing/2014/main" id="{88D20C66-6E02-4C7F-93D2-028FF2B51D9F}"/>
+              </a:ext>
+            </a:extLst>
+          </p:cNvPr>
+          <p:cNvSpPr txBox="1"/>
+          <p:nvPr/>
+        </p:nvSpPr>
+        <p:spPr>
+          <a:xfrm>
+            <a:off x="3402553" y="4679559"/>
+            <a:ext cx="1374094" cy="369332"/>
+          </a:xfrm>
+          <a:prstGeom prst="rect">
+            <a:avLst/>
+          </a:prstGeom>
+          <a:noFill/>
+        </p:spPr>
+        <p:txBody>
+          <a:bodyPr wrap="none" rtlCol="0">
+            <a:spAutoFit/>
+          </a:bodyPr>
+          <a:lstStyle/>
+          <a:p>
+            <a:r>
+              <a:rPr lang="pt-BR" dirty="0"/>
+              <a:t>Programa.py</a:t>
+            </a:r>
+          </a:p>
+        </p:txBody>
+      </p:sp>
+      <p:sp>
+        <p:nvSpPr>
+          <p:cNvPr id="19" name="CaixaDeTexto 18">
+            <a:extLst>
+              <a:ext uri="{FF2B5EF4-FFF2-40B4-BE49-F238E27FC236}">
+                <a16:creationId xmlns:a16="http://schemas.microsoft.com/office/drawing/2014/main" id="{7E1CFB50-08E5-46C9-ACD1-C89A362CBED3}"/>
+              </a:ext>
+            </a:extLst>
+          </p:cNvPr>
+          <p:cNvSpPr txBox="1"/>
+          <p:nvPr/>
+        </p:nvSpPr>
+        <p:spPr>
+          <a:xfrm>
+            <a:off x="6625141" y="4676070"/>
+            <a:ext cx="1107996" cy="369332"/>
+          </a:xfrm>
+          <a:prstGeom prst="rect">
+            <a:avLst/>
+          </a:prstGeom>
+          <a:noFill/>
+        </p:spPr>
+        <p:txBody>
+          <a:bodyPr wrap="none" rtlCol="0">
+            <a:spAutoFit/>
+          </a:bodyPr>
+          <a:lstStyle/>
+          <a:p>
+            <a:r>
+              <a:rPr lang="pt-BR" dirty="0" err="1"/>
+              <a:t>Import</a:t>
+            </a:r>
+            <a:r>
+              <a:rPr lang="pt-BR" dirty="0"/>
+              <a:t> </a:t>
+            </a:r>
+            <a:r>
+              <a:rPr lang="pt-BR" dirty="0" err="1"/>
+              <a:t>lib</a:t>
+            </a:r>
+            <a:endParaRPr lang="pt-BR" dirty="0"/>
+          </a:p>
+        </p:txBody>
+      </p:sp>
+      <p:cxnSp>
+        <p:nvCxnSpPr>
+          <p:cNvPr id="21" name="Conector de Seta Reta 20">
+            <a:extLst>
+              <a:ext uri="{FF2B5EF4-FFF2-40B4-BE49-F238E27FC236}">
+                <a16:creationId xmlns:a16="http://schemas.microsoft.com/office/drawing/2014/main" id="{7C453BB8-6EF5-41E6-AA6F-CA4F716EBE52}"/>
+              </a:ext>
+            </a:extLst>
+          </p:cNvPr>
+          <p:cNvCxnSpPr>
+            <a:cxnSpLocks/>
+          </p:cNvCxnSpPr>
+          <p:nvPr/>
+        </p:nvCxnSpPr>
+        <p:spPr>
+          <a:xfrm>
+            <a:off x="1887523" y="2651250"/>
+            <a:ext cx="922789" cy="0"/>
+          </a:xfrm>
+          <a:prstGeom prst="straightConnector1">
+            <a:avLst/>
+          </a:prstGeom>
+          <a:ln>
+            <a:tailEnd type="triangle"/>
+          </a:ln>
+        </p:spPr>
+        <p:style>
+          <a:lnRef idx="3">
+            <a:schemeClr val="accent6"/>
+          </a:lnRef>
+          <a:fillRef idx="0">
+            <a:schemeClr val="accent6"/>
+          </a:fillRef>
+          <a:effectRef idx="2">
+            <a:schemeClr val="accent6"/>
+          </a:effectRef>
+          <a:fontRef idx="minor">
+            <a:schemeClr val="tx1"/>
+          </a:fontRef>
+        </p:style>
+      </p:cxnSp>
+      <p:cxnSp>
+        <p:nvCxnSpPr>
+          <p:cNvPr id="25" name="Conector de Seta Reta 24">
+            <a:extLst>
+              <a:ext uri="{FF2B5EF4-FFF2-40B4-BE49-F238E27FC236}">
+                <a16:creationId xmlns:a16="http://schemas.microsoft.com/office/drawing/2014/main" id="{B8EE08D3-A626-4E15-9A89-4E5AEBD923F0}"/>
+              </a:ext>
+            </a:extLst>
+          </p:cNvPr>
+          <p:cNvCxnSpPr/>
+          <p:nvPr/>
+        </p:nvCxnSpPr>
+        <p:spPr>
+          <a:xfrm>
+            <a:off x="5645791" y="2651250"/>
+            <a:ext cx="1132514" cy="0"/>
+          </a:xfrm>
+          <a:prstGeom prst="straightConnector1">
+            <a:avLst/>
+          </a:prstGeom>
+          <a:ln>
+            <a:tailEnd type="triangle"/>
+          </a:ln>
+        </p:spPr>
+        <p:style>
+          <a:lnRef idx="3">
+            <a:schemeClr val="accent2"/>
+          </a:lnRef>
+          <a:fillRef idx="0">
+            <a:schemeClr val="accent2"/>
+          </a:fillRef>
+          <a:effectRef idx="2">
+            <a:schemeClr val="accent2"/>
+          </a:effectRef>
+          <a:fontRef idx="minor">
+            <a:schemeClr val="tx1"/>
+          </a:fontRef>
+        </p:style>
+      </p:cxnSp>
+      <p:cxnSp>
+        <p:nvCxnSpPr>
+          <p:cNvPr id="26" name="Conector de Seta Reta 25">
+            <a:extLst>
+              <a:ext uri="{FF2B5EF4-FFF2-40B4-BE49-F238E27FC236}">
+                <a16:creationId xmlns:a16="http://schemas.microsoft.com/office/drawing/2014/main" id="{2DBEDA9A-FBA6-4A21-A2DD-389391A6BC2B}"/>
+              </a:ext>
+            </a:extLst>
+          </p:cNvPr>
+          <p:cNvCxnSpPr/>
+          <p:nvPr/>
+        </p:nvCxnSpPr>
+        <p:spPr>
+          <a:xfrm>
+            <a:off x="7593435" y="2651250"/>
+            <a:ext cx="1132514" cy="0"/>
+          </a:xfrm>
+          <a:prstGeom prst="straightConnector1">
+            <a:avLst/>
+          </a:prstGeom>
+          <a:ln>
+            <a:tailEnd type="triangle"/>
+          </a:ln>
+        </p:spPr>
+        <p:style>
+          <a:lnRef idx="3">
+            <a:schemeClr val="accent2"/>
+          </a:lnRef>
+          <a:fillRef idx="0">
+            <a:schemeClr val="accent2"/>
+          </a:fillRef>
+          <a:effectRef idx="2">
+            <a:schemeClr val="accent2"/>
+          </a:effectRef>
+          <a:fontRef idx="minor">
+            <a:schemeClr val="tx1"/>
+          </a:fontRef>
+        </p:style>
+      </p:cxnSp>
+      <p:cxnSp>
+        <p:nvCxnSpPr>
+          <p:cNvPr id="46" name="Conector de Seta Reta 45">
+            <a:extLst>
+              <a:ext uri="{FF2B5EF4-FFF2-40B4-BE49-F238E27FC236}">
+                <a16:creationId xmlns:a16="http://schemas.microsoft.com/office/drawing/2014/main" id="{64C0EC10-7B51-4F43-813D-74CE1288800C}"/>
+              </a:ext>
+            </a:extLst>
+          </p:cNvPr>
+          <p:cNvCxnSpPr/>
+          <p:nvPr/>
+        </p:nvCxnSpPr>
+        <p:spPr>
+          <a:xfrm>
+            <a:off x="9857064" y="3429000"/>
+            <a:ext cx="0" cy="1156289"/>
+          </a:xfrm>
+          <a:prstGeom prst="straightConnector1">
+            <a:avLst/>
+          </a:prstGeom>
+          <a:ln>
+            <a:tailEnd type="triangle"/>
+          </a:ln>
+        </p:spPr>
+        <p:style>
+          <a:lnRef idx="3">
+            <a:schemeClr val="accent2"/>
+          </a:lnRef>
+          <a:fillRef idx="0">
+            <a:schemeClr val="accent2"/>
+          </a:fillRef>
+          <a:effectRef idx="2">
+            <a:schemeClr val="accent2"/>
+          </a:effectRef>
+          <a:fontRef idx="minor">
+            <a:schemeClr val="tx1"/>
+          </a:fontRef>
+        </p:style>
+      </p:cxnSp>
+      <p:cxnSp>
+        <p:nvCxnSpPr>
+          <p:cNvPr id="48" name="Conector de Seta Reta 47">
+            <a:extLst>
+              <a:ext uri="{FF2B5EF4-FFF2-40B4-BE49-F238E27FC236}">
+                <a16:creationId xmlns:a16="http://schemas.microsoft.com/office/drawing/2014/main" id="{B6379A43-2633-49AB-A658-83F8370B100A}"/>
+              </a:ext>
+            </a:extLst>
+          </p:cNvPr>
+          <p:cNvCxnSpPr/>
+          <p:nvPr/>
+        </p:nvCxnSpPr>
+        <p:spPr>
+          <a:xfrm flipH="1">
+            <a:off x="7994708" y="4860736"/>
+            <a:ext cx="1417740" cy="0"/>
+          </a:xfrm>
+          <a:prstGeom prst="straightConnector1">
+            <a:avLst/>
+          </a:prstGeom>
+          <a:ln>
+            <a:tailEnd type="triangle"/>
+          </a:ln>
+        </p:spPr>
+        <p:style>
+          <a:lnRef idx="3">
+            <a:schemeClr val="accent2"/>
+          </a:lnRef>
+          <a:fillRef idx="0">
+            <a:schemeClr val="accent2"/>
+          </a:fillRef>
+          <a:effectRef idx="2">
+            <a:schemeClr val="accent2"/>
+          </a:effectRef>
+          <a:fontRef idx="minor">
+            <a:schemeClr val="tx1"/>
+          </a:fontRef>
+        </p:style>
+      </p:cxnSp>
+      <p:cxnSp>
+        <p:nvCxnSpPr>
+          <p:cNvPr id="50" name="Conector de Seta Reta 49">
+            <a:extLst>
+              <a:ext uri="{FF2B5EF4-FFF2-40B4-BE49-F238E27FC236}">
+                <a16:creationId xmlns:a16="http://schemas.microsoft.com/office/drawing/2014/main" id="{E022D953-11DD-4E81-91A3-42814F4EB04B}"/>
+              </a:ext>
+            </a:extLst>
+          </p:cNvPr>
+          <p:cNvCxnSpPr/>
+          <p:nvPr/>
+        </p:nvCxnSpPr>
+        <p:spPr>
+          <a:xfrm flipH="1">
+            <a:off x="4949505" y="4860736"/>
+            <a:ext cx="1577130" cy="0"/>
+          </a:xfrm>
+          <a:prstGeom prst="straightConnector1">
+            <a:avLst/>
+          </a:prstGeom>
+          <a:ln>
+            <a:tailEnd type="triangle"/>
+          </a:ln>
+        </p:spPr>
+        <p:style>
+          <a:lnRef idx="3">
+            <a:schemeClr val="accent2"/>
+          </a:lnRef>
+          <a:fillRef idx="0">
+            <a:schemeClr val="accent2"/>
+          </a:fillRef>
+          <a:effectRef idx="2">
+            <a:schemeClr val="accent2"/>
+          </a:effectRef>
+          <a:fontRef idx="minor">
+            <a:schemeClr val="tx1"/>
+          </a:fontRef>
+        </p:style>
+      </p:cxnSp>
+    </p:spTree>
+    <p:extLst>
+      <p:ext uri="{BB962C8B-B14F-4D97-AF65-F5344CB8AC3E}">
+        <p14:creationId xmlns:p14="http://schemas.microsoft.com/office/powerpoint/2010/main" val="2082270454"/>
+      </p:ext>
+    </p:extLst>
+  </p:cSld>
+  <p:clrMapOvr>
+    <a:masterClrMapping/>
+  </p:clrMapOvr>
+  <mc:AlternateContent xmlns:mc="http://schemas.openxmlformats.org/markup-compatibility/2006">
+    <mc:Choice xmlns:p14="http://schemas.microsoft.com/office/powerpoint/2010/main" Requires="p14">
+      <p:transition spd="med" p14:dur="700">
+        <p:fade/>
+      </p:transition>
+    </mc:Choice>
+    <mc:Fallback>
+      <p:transition spd="med">
+        <p:fade/>
+      </p:transition>
+    </mc:Fallback>
+  </mc:AlternateContent>
+</p:sld>
+</file>
+
+<file path=ppt/slides/slide9.xml><?xml version="1.0" encoding="utf-8"?>
 <p:sld xmlns:a="http://schemas.openxmlformats.org/drawingml/2006/main" xmlns:r="http://schemas.openxmlformats.org/officeDocument/2006/relationships" xmlns:p="http://schemas.openxmlformats.org/presentationml/2006/main">
   <p:cSld>
     <p:spTree>
@@ -9442,6 +11671,18 @@
   <p:clrMapOvr>
     <a:masterClrMapping/>
   </p:clrMapOvr>
+  <mc:AlternateContent xmlns:mc="http://schemas.openxmlformats.org/markup-compatibility/2006">
+    <mc:Choice xmlns:p14="http://schemas.microsoft.com/office/powerpoint/2010/main" Requires="p14">
+      <p:transition spd="med" p14:dur="700">
+        <p:fade/>
+      </p:transition>
+    </mc:Choice>
+    <mc:Fallback>
+      <p:transition spd="med">
+        <p:fade/>
+      </p:transition>
+    </mc:Fallback>
+  </mc:AlternateContent>
 </p:sld>
 </file>
 
@@ -10285,23 +12526,6 @@
 </file>
 
 <file path=customXml/item1.xml><?xml version="1.0" encoding="utf-8"?>
-<p:properties xmlns:p="http://schemas.microsoft.com/office/2006/metadata/properties" xmlns:xsi="http://www.w3.org/2001/XMLSchema-instance" xmlns:pc="http://schemas.microsoft.com/office/infopath/2007/PartnerControls">
-  <documentManagement>
-    <MediaServiceKeyPoints xmlns="71af3243-3dd4-4a8d-8c0d-dd76da1f02a5" xsi:nil="true"/>
-  </documentManagement>
-</p:properties>
-</file>
-
-<file path=customXml/item2.xml><?xml version="1.0" encoding="utf-8"?>
-<?mso-contentType ?>
-<FormTemplates xmlns="http://schemas.microsoft.com/sharepoint/v3/contenttype/forms">
-  <Display>DocumentLibraryForm</Display>
-  <Edit>DocumentLibraryForm</Edit>
-  <New>DocumentLibraryForm</New>
-</FormTemplates>
-</file>
-
-<file path=customXml/item3.xml><?xml version="1.0" encoding="utf-8"?>
 <ct:contentTypeSchema xmlns:ct="http://schemas.microsoft.com/office/2006/metadata/contentType" xmlns:ma="http://schemas.microsoft.com/office/2006/metadata/properties/metaAttributes" ct:_="" ma:_="" ma:contentTypeName="Document" ma:contentTypeID="0x01010079F111ED35F8CC479449609E8A0923A6" ma:contentTypeVersion="11" ma:contentTypeDescription="Create a new document." ma:contentTypeScope="" ma:versionID="1c2eb7a32e66fb6e4260f3771546a5e2">
   <xsd:schema xmlns:xsd="http://www.w3.org/2001/XMLSchema" xmlns:xs="http://www.w3.org/2001/XMLSchema" xmlns:p="http://schemas.microsoft.com/office/2006/metadata/properties" xmlns:ns2="71af3243-3dd4-4a8d-8c0d-dd76da1f02a5" xmlns:ns3="16c05727-aa75-4e4a-9b5f-8a80a1165891" targetNamespace="http://schemas.microsoft.com/office/2006/metadata/properties" ma:root="true" ma:fieldsID="04e1f6479c48b08974ba73b5ca973489" ns2:_="" ns3:_="">
     <xsd:import namespace="71af3243-3dd4-4a8d-8c0d-dd76da1f02a5"/>
@@ -10512,25 +12736,24 @@
 </ct:contentTypeSchema>
 </file>
 
-<file path=customXml/itemProps1.xml><?xml version="1.0" encoding="utf-8"?>
-<ds:datastoreItem xmlns:ds="http://schemas.openxmlformats.org/officeDocument/2006/customXml" ds:itemID="{B85274BF-C111-4B7A-8D90-F7666D37C131}">
-  <ds:schemaRefs>
-    <ds:schemaRef ds:uri="http://schemas.microsoft.com/office/2006/metadata/properties"/>
-    <ds:schemaRef ds:uri="http://schemas.microsoft.com/office/infopath/2007/PartnerControls"/>
-    <ds:schemaRef ds:uri="71af3243-3dd4-4a8d-8c0d-dd76da1f02a5"/>
-  </ds:schemaRefs>
-</ds:datastoreItem>
+<file path=customXml/item2.xml><?xml version="1.0" encoding="utf-8"?>
+<?mso-contentType ?>
+<FormTemplates xmlns="http://schemas.microsoft.com/sharepoint/v3/contenttype/forms">
+  <Display>DocumentLibraryForm</Display>
+  <Edit>DocumentLibraryForm</Edit>
+  <New>DocumentLibraryForm</New>
+</FormTemplates>
 </file>
 
-<file path=customXml/itemProps2.xml><?xml version="1.0" encoding="utf-8"?>
-<ds:datastoreItem xmlns:ds="http://schemas.openxmlformats.org/officeDocument/2006/customXml" ds:itemID="{E0F1DF1E-36E3-406C-8CF7-DB13BB647087}">
-  <ds:schemaRefs>
-    <ds:schemaRef ds:uri="http://schemas.microsoft.com/sharepoint/v3/contenttype/forms"/>
-  </ds:schemaRefs>
-</ds:datastoreItem>
+<file path=customXml/item3.xml><?xml version="1.0" encoding="utf-8"?>
+<p:properties xmlns:p="http://schemas.microsoft.com/office/2006/metadata/properties" xmlns:xsi="http://www.w3.org/2001/XMLSchema-instance" xmlns:pc="http://schemas.microsoft.com/office/infopath/2007/PartnerControls">
+  <documentManagement>
+    <MediaServiceKeyPoints xmlns="71af3243-3dd4-4a8d-8c0d-dd76da1f02a5" xsi:nil="true"/>
+  </documentManagement>
+</p:properties>
 </file>
 
-<file path=customXml/itemProps3.xml><?xml version="1.0" encoding="utf-8"?>
+<file path=customXml/itemProps1.xml><?xml version="1.0" encoding="utf-8"?>
 <ds:datastoreItem xmlns:ds="http://schemas.openxmlformats.org/officeDocument/2006/customXml" ds:itemID="{9310845B-7F19-4A9A-BEE4-BEF0501E1A55}">
   <ds:schemaRefs>
     <ds:schemaRef ds:uri="http://schemas.microsoft.com/office/2006/metadata/contentType"/>
@@ -10547,4 +12770,22 @@
     <ds:schemaRef ds:uri="http://schemas.microsoft.com/internal/obd"/>
   </ds:schemaRefs>
 </ds:datastoreItem>
+</file>
+
+<file path=customXml/itemProps2.xml><?xml version="1.0" encoding="utf-8"?>
+<ds:datastoreItem xmlns:ds="http://schemas.openxmlformats.org/officeDocument/2006/customXml" ds:itemID="{E0F1DF1E-36E3-406C-8CF7-DB13BB647087}">
+  <ds:schemaRefs>
+    <ds:schemaRef ds:uri="http://schemas.microsoft.com/sharepoint/v3/contenttype/forms"/>
+  </ds:schemaRefs>
+</ds:datastoreItem>
+</file>
+
+<file path=customXml/itemProps3.xml><?xml version="1.0" encoding="utf-8"?>
+<ds:datastoreItem xmlns:ds="http://schemas.openxmlformats.org/officeDocument/2006/customXml" ds:itemID="{B85274BF-C111-4B7A-8D90-F7666D37C131}">
+  <ds:schemaRefs>
+    <ds:schemaRef ds:uri="http://schemas.microsoft.com/office/2006/metadata/properties"/>
+    <ds:schemaRef ds:uri="http://schemas.microsoft.com/office/infopath/2007/PartnerControls"/>
+    <ds:schemaRef ds:uri="71af3243-3dd4-4a8d-8c0d-dd76da1f02a5"/>
+  </ds:schemaRefs>
+</ds:datastoreItem>
 </file>
--- a/PAD para python/Programação de alto desempenho para a Linguagem python.pptx
+++ b/PAD para python/Programação de alto desempenho para a Linguagem python.pptx
@@ -153,18 +153,26 @@
   <pc:docChgLst>
     <pc:chgData name="Eric Satoshi Suzuki Kishimoto" userId="615d45d0c0242e55" providerId="LiveId" clId="{6F5D32F4-460C-4518-BA03-CF0A81ED67E8}"/>
     <pc:docChg chg="undo redo custSel addSld delSld modSld">
-      <pc:chgData name="Eric Satoshi Suzuki Kishimoto" userId="615d45d0c0242e55" providerId="LiveId" clId="{6F5D32F4-460C-4518-BA03-CF0A81ED67E8}" dt="2021-01-03T21:32:34.765" v="876"/>
+      <pc:chgData name="Eric Satoshi Suzuki Kishimoto" userId="615d45d0c0242e55" providerId="LiveId" clId="{6F5D32F4-460C-4518-BA03-CF0A81ED67E8}" dt="2021-01-04T00:13:25.224" v="892" actId="478"/>
       <pc:docMkLst>
         <pc:docMk/>
       </pc:docMkLst>
       <pc:sldChg chg="modSp mod modTransition">
-        <pc:chgData name="Eric Satoshi Suzuki Kishimoto" userId="615d45d0c0242e55" providerId="LiveId" clId="{6F5D32F4-460C-4518-BA03-CF0A81ED67E8}" dt="2021-01-03T21:27:24.225" v="863"/>
+        <pc:chgData name="Eric Satoshi Suzuki Kishimoto" userId="615d45d0c0242e55" providerId="LiveId" clId="{6F5D32F4-460C-4518-BA03-CF0A81ED67E8}" dt="2021-01-04T00:12:50.445" v="890" actId="1076"/>
         <pc:sldMkLst>
           <pc:docMk/>
           <pc:sldMk cId="3417721485" sldId="256"/>
         </pc:sldMkLst>
         <pc:spChg chg="mod">
-          <ac:chgData name="Eric Satoshi Suzuki Kishimoto" userId="615d45d0c0242e55" providerId="LiveId" clId="{6F5D32F4-460C-4518-BA03-CF0A81ED67E8}" dt="2021-01-03T21:26:31.385" v="861" actId="20577"/>
+          <ac:chgData name="Eric Satoshi Suzuki Kishimoto" userId="615d45d0c0242e55" providerId="LiveId" clId="{6F5D32F4-460C-4518-BA03-CF0A81ED67E8}" dt="2021-01-04T00:12:50.445" v="890" actId="1076"/>
+          <ac:spMkLst>
+            <pc:docMk/>
+            <pc:sldMk cId="3417721485" sldId="256"/>
+            <ac:spMk id="2" creationId="{340C7600-5BA8-4A54-887F-74AF87750A31}"/>
+          </ac:spMkLst>
+        </pc:spChg>
+        <pc:spChg chg="mod">
+          <ac:chgData name="Eric Satoshi Suzuki Kishimoto" userId="615d45d0c0242e55" providerId="LiveId" clId="{6F5D32F4-460C-4518-BA03-CF0A81ED67E8}" dt="2021-01-04T00:12:46.681" v="889" actId="14100"/>
           <ac:spMkLst>
             <pc:docMk/>
             <pc:sldMk cId="3417721485" sldId="256"/>
@@ -186,14 +194,14 @@
           <pc:sldMk cId="1429390259" sldId="260"/>
         </pc:sldMkLst>
       </pc:sldChg>
-      <pc:sldChg chg="modSp mod modTransition">
-        <pc:chgData name="Eric Satoshi Suzuki Kishimoto" userId="615d45d0c0242e55" providerId="LiveId" clId="{6F5D32F4-460C-4518-BA03-CF0A81ED67E8}" dt="2021-01-03T21:27:35.474" v="870"/>
+      <pc:sldChg chg="delSp modSp mod modTransition">
+        <pc:chgData name="Eric Satoshi Suzuki Kishimoto" userId="615d45d0c0242e55" providerId="LiveId" clId="{6F5D32F4-460C-4518-BA03-CF0A81ED67E8}" dt="2021-01-04T00:13:25.224" v="892" actId="478"/>
         <pc:sldMkLst>
           <pc:docMk/>
           <pc:sldMk cId="2939930866" sldId="274"/>
         </pc:sldMkLst>
-        <pc:spChg chg="mod">
-          <ac:chgData name="Eric Satoshi Suzuki Kishimoto" userId="615d45d0c0242e55" providerId="LiveId" clId="{6F5D32F4-460C-4518-BA03-CF0A81ED67E8}" dt="2021-01-03T17:50:53.658" v="92" actId="20577"/>
+        <pc:spChg chg="del mod">
+          <ac:chgData name="Eric Satoshi Suzuki Kishimoto" userId="615d45d0c0242e55" providerId="LiveId" clId="{6F5D32F4-460C-4518-BA03-CF0A81ED67E8}" dt="2021-01-04T00:13:25.224" v="892" actId="478"/>
           <ac:spMkLst>
             <pc:docMk/>
             <pc:sldMk cId="2939930866" sldId="274"/>
@@ -7632,7 +7640,7 @@
         </p:nvSpPr>
         <p:spPr>
           <a:xfrm>
-            <a:off x="3405930" y="2554817"/>
+            <a:off x="3405930" y="1998867"/>
             <a:ext cx="7754196" cy="2421464"/>
           </a:xfrm>
         </p:spPr>
@@ -7673,8 +7681,8 @@
         </p:nvSpPr>
         <p:spPr>
           <a:xfrm>
-            <a:off x="3962399" y="4976282"/>
-            <a:ext cx="7197726" cy="1405467"/>
+            <a:off x="3962399" y="4622334"/>
+            <a:ext cx="7197726" cy="1751026"/>
           </a:xfrm>
         </p:spPr>
         <p:txBody>
@@ -7731,6 +7739,129 @@
               </a:rPr>
               <a:t>charmers</a:t>
             </a:r>
+            <a:endParaRPr lang="pt-BR" dirty="0">
+              <a:solidFill>
+                <a:schemeClr val="accent1">
+                  <a:lumMod val="40000"/>
+                  <a:lumOff val="60000"/>
+                </a:schemeClr>
+              </a:solidFill>
+            </a:endParaRPr>
+          </a:p>
+          <a:p>
+            <a:pPr rtl="0"/>
+            <a:r>
+              <a:rPr lang="pt-BR" dirty="0">
+                <a:solidFill>
+                  <a:schemeClr val="accent1">
+                    <a:lumMod val="40000"/>
+                    <a:lumOff val="60000"/>
+                  </a:schemeClr>
+                </a:solidFill>
+              </a:rPr>
+              <a:t>Eric Satoshi Suzuki Kishimoto RA: 233974</a:t>
+            </a:r>
+          </a:p>
+          <a:p>
+            <a:pPr rtl="0"/>
+            <a:r>
+              <a:rPr lang="pt-BR" dirty="0">
+                <a:solidFill>
+                  <a:schemeClr val="accent1">
+                    <a:lumMod val="40000"/>
+                    <a:lumOff val="60000"/>
+                  </a:schemeClr>
+                </a:solidFill>
+              </a:rPr>
+              <a:t>Vitor roberto </a:t>
+            </a:r>
+            <a:r>
+              <a:rPr lang="pt-BR" dirty="0" err="1">
+                <a:solidFill>
+                  <a:schemeClr val="accent1">
+                    <a:lumMod val="40000"/>
+                    <a:lumOff val="60000"/>
+                  </a:schemeClr>
+                </a:solidFill>
+              </a:rPr>
+              <a:t>kogawa</a:t>
+            </a:r>
+            <a:r>
+              <a:rPr lang="pt-BR" dirty="0">
+                <a:solidFill>
+                  <a:schemeClr val="accent1">
+                    <a:lumMod val="40000"/>
+                    <a:lumOff val="60000"/>
+                  </a:schemeClr>
+                </a:solidFill>
+              </a:rPr>
+              <a:t> de </a:t>
+            </a:r>
+            <a:r>
+              <a:rPr lang="pt-BR" dirty="0" err="1">
+                <a:solidFill>
+                  <a:schemeClr val="accent1">
+                    <a:lumMod val="40000"/>
+                    <a:lumOff val="60000"/>
+                  </a:schemeClr>
+                </a:solidFill>
+              </a:rPr>
+              <a:t>moraes</a:t>
+            </a:r>
+            <a:r>
+              <a:rPr lang="pt-BR" dirty="0">
+                <a:solidFill>
+                  <a:schemeClr val="accent1">
+                    <a:lumMod val="40000"/>
+                    <a:lumOff val="60000"/>
+                  </a:schemeClr>
+                </a:solidFill>
+              </a:rPr>
+              <a:t> </a:t>
+            </a:r>
+            <a:r>
+              <a:rPr lang="pt-BR" dirty="0" err="1">
+                <a:solidFill>
+                  <a:schemeClr val="accent1">
+                    <a:lumMod val="40000"/>
+                    <a:lumOff val="60000"/>
+                  </a:schemeClr>
+                </a:solidFill>
+              </a:rPr>
+              <a:t>ra</a:t>
+            </a:r>
+            <a:r>
+              <a:rPr lang="pt-BR" dirty="0">
+                <a:solidFill>
+                  <a:schemeClr val="accent1">
+                    <a:lumMod val="40000"/>
+                    <a:lumOff val="60000"/>
+                  </a:schemeClr>
+                </a:solidFill>
+              </a:rPr>
+              <a:t>: 245582</a:t>
+            </a:r>
+            <a:r>
+              <a:rPr lang="pt-BR" b="0" i="0" dirty="0">
+                <a:solidFill>
+                  <a:srgbClr val="C9D1D9"/>
+                </a:solidFill>
+                <a:effectLst/>
+                <a:latin typeface="-apple-system"/>
+              </a:rPr>
+              <a:t> </a:t>
+            </a:r>
+            <a:endParaRPr lang="pt-BR" dirty="0">
+              <a:solidFill>
+                <a:schemeClr val="accent1">
+                  <a:lumMod val="40000"/>
+                  <a:lumOff val="60000"/>
+                </a:schemeClr>
+              </a:solidFill>
+            </a:endParaRPr>
+          </a:p>
+          <a:p>
+            <a:pPr rtl="0"/>
             <a:endParaRPr lang="pt-BR" dirty="0">
               <a:solidFill>
                 <a:schemeClr val="accent1">
@@ -7752,13 +7883,13 @@
   <p:clrMapOvr>
     <a:masterClrMapping/>
   </p:clrMapOvr>
-  <mc:AlternateContent xmlns:mc="http://schemas.openxmlformats.org/markup-compatibility/2006">
-    <mc:Choice xmlns:p14="http://schemas.microsoft.com/office/powerpoint/2010/main" Requires="p14">
+  <mc:AlternateContent xmlns:mc="http://schemas.openxmlformats.org/markup-compatibility/2006" xmlns:p14="http://schemas.microsoft.com/office/powerpoint/2010/main">
+    <mc:Choice Requires="p14">
       <p:transition spd="med" p14:dur="700">
         <p:fade/>
       </p:transition>
     </mc:Choice>
-    <mc:Fallback>
+    <mc:Fallback xmlns="">
       <p:transition spd="med">
         <p:fade/>
       </p:transition>
@@ -7890,13 +8021,13 @@
   <p:clrMapOvr>
     <a:masterClrMapping/>
   </p:clrMapOvr>
-  <mc:AlternateContent xmlns:mc="http://schemas.openxmlformats.org/markup-compatibility/2006">
-    <mc:Choice xmlns:p14="http://schemas.microsoft.com/office/powerpoint/2010/main" Requires="p14">
+  <mc:AlternateContent xmlns:mc="http://schemas.openxmlformats.org/markup-compatibility/2006" xmlns:p14="http://schemas.microsoft.com/office/powerpoint/2010/main">
+    <mc:Choice Requires="p14">
       <p:transition spd="med" p14:dur="700">
         <p:fade/>
       </p:transition>
     </mc:Choice>
-    <mc:Fallback>
+    <mc:Fallback xmlns="">
       <p:transition spd="med">
         <p:fade/>
       </p:transition>
@@ -8298,13 +8429,13 @@
   <p:clrMapOvr>
     <a:masterClrMapping/>
   </p:clrMapOvr>
-  <mc:AlternateContent xmlns:mc="http://schemas.openxmlformats.org/markup-compatibility/2006">
-    <mc:Choice xmlns:p14="http://schemas.microsoft.com/office/powerpoint/2010/main" Requires="p14">
+  <mc:AlternateContent xmlns:mc="http://schemas.openxmlformats.org/markup-compatibility/2006" xmlns:p14="http://schemas.microsoft.com/office/powerpoint/2010/main">
+    <mc:Choice Requires="p14">
       <p:transition spd="med" p14:dur="700">
         <p:fade/>
       </p:transition>
     </mc:Choice>
-    <mc:Fallback>
+    <mc:Fallback xmlns="">
       <p:transition spd="med">
         <p:fade/>
       </p:transition>
@@ -8707,13 +8838,13 @@
   <p:clrMapOvr>
     <a:masterClrMapping/>
   </p:clrMapOvr>
-  <mc:AlternateContent xmlns:mc="http://schemas.openxmlformats.org/markup-compatibility/2006">
-    <mc:Choice xmlns:p14="http://schemas.microsoft.com/office/powerpoint/2010/main" Requires="p14">
+  <mc:AlternateContent xmlns:mc="http://schemas.openxmlformats.org/markup-compatibility/2006" xmlns:p14="http://schemas.microsoft.com/office/powerpoint/2010/main">
+    <mc:Choice Requires="p14">
       <p:transition spd="med" p14:dur="700">
         <p:fade/>
       </p:transition>
     </mc:Choice>
-    <mc:Fallback>
+    <mc:Fallback xmlns="">
       <p:transition spd="med">
         <p:fade/>
       </p:transition>
@@ -9484,13 +9615,13 @@
   <p:clrMapOvr>
     <a:masterClrMapping/>
   </p:clrMapOvr>
-  <mc:AlternateContent xmlns:mc="http://schemas.openxmlformats.org/markup-compatibility/2006">
-    <mc:Choice xmlns:p14="http://schemas.microsoft.com/office/powerpoint/2010/main" Requires="p14">
+  <mc:AlternateContent xmlns:mc="http://schemas.openxmlformats.org/markup-compatibility/2006" xmlns:p14="http://schemas.microsoft.com/office/powerpoint/2010/main">
+    <mc:Choice Requires="p14">
       <p:transition spd="med" p14:dur="700">
         <p:fade/>
       </p:transition>
     </mc:Choice>
-    <mc:Fallback>
+    <mc:Fallback xmlns="">
       <p:transition spd="med">
         <p:fade/>
       </p:transition>
@@ -10150,13 +10281,13 @@
   <p:clrMapOvr>
     <a:masterClrMapping/>
   </p:clrMapOvr>
-  <mc:AlternateContent xmlns:mc="http://schemas.openxmlformats.org/markup-compatibility/2006">
-    <mc:Choice xmlns:p14="http://schemas.microsoft.com/office/powerpoint/2010/main" Requires="p14">
+  <mc:AlternateContent xmlns:mc="http://schemas.openxmlformats.org/markup-compatibility/2006" xmlns:p14="http://schemas.microsoft.com/office/powerpoint/2010/main">
+    <mc:Choice Requires="p14">
       <p:transition spd="med" p14:dur="700">
         <p:fade/>
       </p:transition>
     </mc:Choice>
-    <mc:Fallback>
+    <mc:Fallback xmlns="">
       <p:transition spd="med">
         <p:fade/>
       </p:transition>
@@ -10432,13 +10563,13 @@
   <p:clrMapOvr>
     <a:masterClrMapping/>
   </p:clrMapOvr>
-  <mc:AlternateContent xmlns:mc="http://schemas.openxmlformats.org/markup-compatibility/2006">
-    <mc:Choice xmlns:p14="http://schemas.microsoft.com/office/powerpoint/2010/main" Requires="p14">
+  <mc:AlternateContent xmlns:mc="http://schemas.openxmlformats.org/markup-compatibility/2006" xmlns:p14="http://schemas.microsoft.com/office/powerpoint/2010/main">
+    <mc:Choice Requires="p14">
       <p:transition spd="med" p14:dur="700">
         <p:fade/>
       </p:transition>
     </mc:Choice>
-    <mc:Fallback>
+    <mc:Fallback xmlns="">
       <p:transition spd="med">
         <p:fade/>
       </p:transition>
@@ -11416,13 +11547,13 @@
   <p:clrMapOvr>
     <a:masterClrMapping/>
   </p:clrMapOvr>
-  <mc:AlternateContent xmlns:mc="http://schemas.openxmlformats.org/markup-compatibility/2006">
-    <mc:Choice xmlns:p14="http://schemas.microsoft.com/office/powerpoint/2010/main" Requires="p14">
+  <mc:AlternateContent xmlns:mc="http://schemas.openxmlformats.org/markup-compatibility/2006" xmlns:p14="http://schemas.microsoft.com/office/powerpoint/2010/main">
+    <mc:Choice Requires="p14">
       <p:transition spd="med" p14:dur="700">
         <p:fade/>
       </p:transition>
     </mc:Choice>
-    <mc:Fallback>
+    <mc:Fallback xmlns="">
       <p:transition spd="med">
         <p:fade/>
       </p:transition>
@@ -11514,150 +11645,9 @@
           <a:p>
             <a:pPr rtl="0"/>
             <a:r>
-              <a:rPr lang="pt-BR"/>
+              <a:rPr lang="pt-BR" dirty="0"/>
               <a:t>Agradecemos!</a:t>
             </a:r>
-          </a:p>
-        </p:txBody>
-      </p:sp>
-      <p:sp>
-        <p:nvSpPr>
-          <p:cNvPr id="3" name="Subtítulo 2">
-            <a:extLst>
-              <a:ext uri="{FF2B5EF4-FFF2-40B4-BE49-F238E27FC236}">
-                <a16:creationId xmlns:a16="http://schemas.microsoft.com/office/drawing/2014/main" id="{4B64FA72-B055-4AE3-A6FD-8071BD687CBE}"/>
-              </a:ext>
-            </a:extLst>
-          </p:cNvPr>
-          <p:cNvSpPr>
-            <a:spLocks noGrp="1"/>
-          </p:cNvSpPr>
-          <p:nvPr>
-            <p:ph type="subTitle" idx="1"/>
-          </p:nvPr>
-        </p:nvSpPr>
-        <p:spPr>
-          <a:xfrm>
-            <a:off x="3962399" y="4995332"/>
-            <a:ext cx="7197726" cy="1405467"/>
-          </a:xfrm>
-        </p:spPr>
-        <p:txBody>
-          <a:bodyPr rtlCol="0">
-            <a:normAutofit/>
-          </a:bodyPr>
-          <a:lstStyle/>
-          <a:p>
-            <a:pPr rtl="0"/>
-            <a:r>
-              <a:rPr lang="pt-BR" dirty="0">
-                <a:solidFill>
-                  <a:schemeClr val="accent1">
-                    <a:lumMod val="40000"/>
-                    <a:lumOff val="60000"/>
-                  </a:schemeClr>
-                </a:solidFill>
-              </a:rPr>
-              <a:t>Eric Satoshi Suzuki Kishimoto RA: 233974</a:t>
-            </a:r>
-          </a:p>
-          <a:p>
-            <a:pPr rtl="0"/>
-            <a:r>
-              <a:rPr lang="pt-BR" dirty="0">
-                <a:solidFill>
-                  <a:schemeClr val="accent1">
-                    <a:lumMod val="40000"/>
-                    <a:lumOff val="60000"/>
-                  </a:schemeClr>
-                </a:solidFill>
-              </a:rPr>
-              <a:t>Vitor roberto </a:t>
-            </a:r>
-            <a:r>
-              <a:rPr lang="pt-BR" dirty="0" err="1">
-                <a:solidFill>
-                  <a:schemeClr val="accent1">
-                    <a:lumMod val="40000"/>
-                    <a:lumOff val="60000"/>
-                  </a:schemeClr>
-                </a:solidFill>
-              </a:rPr>
-              <a:t>kogawa</a:t>
-            </a:r>
-            <a:r>
-              <a:rPr lang="pt-BR" dirty="0">
-                <a:solidFill>
-                  <a:schemeClr val="accent1">
-                    <a:lumMod val="40000"/>
-                    <a:lumOff val="60000"/>
-                  </a:schemeClr>
-                </a:solidFill>
-              </a:rPr>
-              <a:t> de </a:t>
-            </a:r>
-            <a:r>
-              <a:rPr lang="pt-BR" dirty="0" err="1">
-                <a:solidFill>
-                  <a:schemeClr val="accent1">
-                    <a:lumMod val="40000"/>
-                    <a:lumOff val="60000"/>
-                  </a:schemeClr>
-                </a:solidFill>
-              </a:rPr>
-              <a:t>moraes</a:t>
-            </a:r>
-            <a:r>
-              <a:rPr lang="pt-BR" dirty="0">
-                <a:solidFill>
-                  <a:schemeClr val="accent1">
-                    <a:lumMod val="40000"/>
-                    <a:lumOff val="60000"/>
-                  </a:schemeClr>
-                </a:solidFill>
-              </a:rPr>
-              <a:t> </a:t>
-            </a:r>
-            <a:r>
-              <a:rPr lang="pt-BR" dirty="0" err="1">
-                <a:solidFill>
-                  <a:schemeClr val="accent1">
-                    <a:lumMod val="40000"/>
-                    <a:lumOff val="60000"/>
-                  </a:schemeClr>
-                </a:solidFill>
-              </a:rPr>
-              <a:t>ra</a:t>
-            </a:r>
-            <a:r>
-              <a:rPr lang="pt-BR" dirty="0">
-                <a:solidFill>
-                  <a:schemeClr val="accent1">
-                    <a:lumMod val="40000"/>
-                    <a:lumOff val="60000"/>
-                  </a:schemeClr>
-                </a:solidFill>
-              </a:rPr>
-              <a:t>: 245582</a:t>
-            </a:r>
-            <a:r>
-              <a:rPr lang="pt-BR" b="0" i="0" dirty="0">
-                <a:solidFill>
-                  <a:srgbClr val="C9D1D9"/>
-                </a:solidFill>
-                <a:effectLst/>
-                <a:latin typeface="-apple-system"/>
-              </a:rPr>
-              <a:t> </a:t>
-            </a:r>
-            <a:endParaRPr lang="pt-BR" dirty="0">
-              <a:solidFill>
-                <a:schemeClr val="accent1">
-                  <a:lumMod val="40000"/>
-                  <a:lumOff val="60000"/>
-                </a:schemeClr>
-              </a:solidFill>
-            </a:endParaRPr>
           </a:p>
         </p:txBody>
       </p:sp>
@@ -11671,13 +11661,13 @@
   <p:clrMapOvr>
     <a:masterClrMapping/>
   </p:clrMapOvr>
-  <mc:AlternateContent xmlns:mc="http://schemas.openxmlformats.org/markup-compatibility/2006">
-    <mc:Choice xmlns:p14="http://schemas.microsoft.com/office/powerpoint/2010/main" Requires="p14">
+  <mc:AlternateContent xmlns:mc="http://schemas.openxmlformats.org/markup-compatibility/2006" xmlns:p14="http://schemas.microsoft.com/office/powerpoint/2010/main">
+    <mc:Choice Requires="p14">
       <p:transition spd="med" p14:dur="700">
         <p:fade/>
       </p:transition>
     </mc:Choice>
-    <mc:Fallback>
+    <mc:Fallback xmlns="">
       <p:transition spd="med">
         <p:fade/>
       </p:transition>
@@ -12526,6 +12516,23 @@
 </file>
 
 <file path=customXml/item1.xml><?xml version="1.0" encoding="utf-8"?>
+<p:properties xmlns:p="http://schemas.microsoft.com/office/2006/metadata/properties" xmlns:xsi="http://www.w3.org/2001/XMLSchema-instance" xmlns:pc="http://schemas.microsoft.com/office/infopath/2007/PartnerControls">
+  <documentManagement>
+    <MediaServiceKeyPoints xmlns="71af3243-3dd4-4a8d-8c0d-dd76da1f02a5" xsi:nil="true"/>
+  </documentManagement>
+</p:properties>
+</file>
+
+<file path=customXml/item2.xml><?xml version="1.0" encoding="utf-8"?>
+<?mso-contentType ?>
+<FormTemplates xmlns="http://schemas.microsoft.com/sharepoint/v3/contenttype/forms">
+  <Display>DocumentLibraryForm</Display>
+  <Edit>DocumentLibraryForm</Edit>
+  <New>DocumentLibraryForm</New>
+</FormTemplates>
+</file>
+
+<file path=customXml/item3.xml><?xml version="1.0" encoding="utf-8"?>
 <ct:contentTypeSchema xmlns:ct="http://schemas.microsoft.com/office/2006/metadata/contentType" xmlns:ma="http://schemas.microsoft.com/office/2006/metadata/properties/metaAttributes" ct:_="" ma:_="" ma:contentTypeName="Document" ma:contentTypeID="0x01010079F111ED35F8CC479449609E8A0923A6" ma:contentTypeVersion="11" ma:contentTypeDescription="Create a new document." ma:contentTypeScope="" ma:versionID="1c2eb7a32e66fb6e4260f3771546a5e2">
   <xsd:schema xmlns:xsd="http://www.w3.org/2001/XMLSchema" xmlns:xs="http://www.w3.org/2001/XMLSchema" xmlns:p="http://schemas.microsoft.com/office/2006/metadata/properties" xmlns:ns2="71af3243-3dd4-4a8d-8c0d-dd76da1f02a5" xmlns:ns3="16c05727-aa75-4e4a-9b5f-8a80a1165891" targetNamespace="http://schemas.microsoft.com/office/2006/metadata/properties" ma:root="true" ma:fieldsID="04e1f6479c48b08974ba73b5ca973489" ns2:_="" ns3:_="">
     <xsd:import namespace="71af3243-3dd4-4a8d-8c0d-dd76da1f02a5"/>
@@ -12736,24 +12743,25 @@
 </ct:contentTypeSchema>
 </file>
 
-<file path=customXml/item2.xml><?xml version="1.0" encoding="utf-8"?>
-<?mso-contentType ?>
-<FormTemplates xmlns="http://schemas.microsoft.com/sharepoint/v3/contenttype/forms">
-  <Display>DocumentLibraryForm</Display>
-  <Edit>DocumentLibraryForm</Edit>
-  <New>DocumentLibraryForm</New>
-</FormTemplates>
+<file path=customXml/itemProps1.xml><?xml version="1.0" encoding="utf-8"?>
+<ds:datastoreItem xmlns:ds="http://schemas.openxmlformats.org/officeDocument/2006/customXml" ds:itemID="{B85274BF-C111-4B7A-8D90-F7666D37C131}">
+  <ds:schemaRefs>
+    <ds:schemaRef ds:uri="http://schemas.microsoft.com/office/2006/metadata/properties"/>
+    <ds:schemaRef ds:uri="http://schemas.microsoft.com/office/infopath/2007/PartnerControls"/>
+    <ds:schemaRef ds:uri="71af3243-3dd4-4a8d-8c0d-dd76da1f02a5"/>
+  </ds:schemaRefs>
+</ds:datastoreItem>
 </file>
 
-<file path=customXml/item3.xml><?xml version="1.0" encoding="utf-8"?>
-<p:properties xmlns:p="http://schemas.microsoft.com/office/2006/metadata/properties" xmlns:xsi="http://www.w3.org/2001/XMLSchema-instance" xmlns:pc="http://schemas.microsoft.com/office/infopath/2007/PartnerControls">
-  <documentManagement>
-    <MediaServiceKeyPoints xmlns="71af3243-3dd4-4a8d-8c0d-dd76da1f02a5" xsi:nil="true"/>
-  </documentManagement>
-</p:properties>
+<file path=customXml/itemProps2.xml><?xml version="1.0" encoding="utf-8"?>
+<ds:datastoreItem xmlns:ds="http://schemas.openxmlformats.org/officeDocument/2006/customXml" ds:itemID="{E0F1DF1E-36E3-406C-8CF7-DB13BB647087}">
+  <ds:schemaRefs>
+    <ds:schemaRef ds:uri="http://schemas.microsoft.com/sharepoint/v3/contenttype/forms"/>
+  </ds:schemaRefs>
+</ds:datastoreItem>
 </file>
 
-<file path=customXml/itemProps1.xml><?xml version="1.0" encoding="utf-8"?>
+<file path=customXml/itemProps3.xml><?xml version="1.0" encoding="utf-8"?>
 <ds:datastoreItem xmlns:ds="http://schemas.openxmlformats.org/officeDocument/2006/customXml" ds:itemID="{9310845B-7F19-4A9A-BEE4-BEF0501E1A55}">
   <ds:schemaRefs>
     <ds:schemaRef ds:uri="http://schemas.microsoft.com/office/2006/metadata/contentType"/>
@@ -12770,22 +12778,4 @@
     <ds:schemaRef ds:uri="http://schemas.microsoft.com/internal/obd"/>
   </ds:schemaRefs>
 </ds:datastoreItem>
-</file>
-
-<file path=customXml/itemProps2.xml><?xml version="1.0" encoding="utf-8"?>
-<ds:datastoreItem xmlns:ds="http://schemas.openxmlformats.org/officeDocument/2006/customXml" ds:itemID="{E0F1DF1E-36E3-406C-8CF7-DB13BB647087}">
-  <ds:schemaRefs>
-    <ds:schemaRef ds:uri="http://schemas.microsoft.com/sharepoint/v3/contenttype/forms"/>
-  </ds:schemaRefs>
-</ds:datastoreItem>
-</file>
-
-<file path=customXml/itemProps3.xml><?xml version="1.0" encoding="utf-8"?>
-<ds:datastoreItem xmlns:ds="http://schemas.openxmlformats.org/officeDocument/2006/customXml" ds:itemID="{B85274BF-C111-4B7A-8D90-F7666D37C131}">
-  <ds:schemaRefs>
-    <ds:schemaRef ds:uri="http://schemas.microsoft.com/office/2006/metadata/properties"/>
-    <ds:schemaRef ds:uri="http://schemas.microsoft.com/office/infopath/2007/PartnerControls"/>
-    <ds:schemaRef ds:uri="71af3243-3dd4-4a8d-8c0d-dd76da1f02a5"/>
-  </ds:schemaRefs>
-</ds:datastoreItem>
 </file>